--- a/slides.pptx
+++ b/slides.pptx
@@ -114,7 +114,7 @@
         <p:txBody>
           <a:bodyPr/>
           <a:p>
-            <a:fld id="{C8E464C2-3B99-4242-985A-53E22B356795}" type="slidenum">
+            <a:fld id="{BB727B84-B446-4A78-B610-CF620C7C8CC8}" type="slidenum">
               <a:t>&lt;#&gt;</a:t>
             </a:fld>
           </a:p>
@@ -197,7 +197,7 @@
         <p:txBody>
           <a:bodyPr/>
           <a:p>
-            <a:fld id="{726BBBAA-DEEF-46B4-8F1C-6D8852EEC403}" type="slidenum">
+            <a:fld id="{5CDC36FC-0C46-4457-8F12-D4765C5FCDB9}" type="slidenum">
               <a:t>&lt;#&gt;</a:t>
             </a:fld>
           </a:p>
@@ -280,7 +280,7 @@
         <p:txBody>
           <a:bodyPr/>
           <a:p>
-            <a:fld id="{0A257CCF-4381-4FD2-91C6-1C198AA1B269}" type="slidenum">
+            <a:fld id="{0210EB78-CC13-4B6F-AA2F-D6DC9576188E}" type="slidenum">
               <a:t>&lt;#&gt;</a:t>
             </a:fld>
           </a:p>
@@ -363,7 +363,7 @@
         <p:txBody>
           <a:bodyPr/>
           <a:p>
-            <a:fld id="{CCCFC0D7-4162-487E-80DD-5903C297639A}" type="slidenum">
+            <a:fld id="{592E4D13-4B5D-49B6-AAB9-803E99D3908C}" type="slidenum">
               <a:t>&lt;#&gt;</a:t>
             </a:fld>
           </a:p>
@@ -446,7 +446,7 @@
         <p:txBody>
           <a:bodyPr/>
           <a:p>
-            <a:fld id="{C872808B-FD05-44FC-8951-C3921CF89135}" type="slidenum">
+            <a:fld id="{AB1090FF-222B-4008-94A6-C46DC74D4782}" type="slidenum">
               <a:t>&lt;#&gt;</a:t>
             </a:fld>
           </a:p>
@@ -529,7 +529,7 @@
         <p:txBody>
           <a:bodyPr/>
           <a:p>
-            <a:fld id="{82991FF7-316F-43B0-9140-87CCA8148A64}" type="slidenum">
+            <a:fld id="{74A0E222-9F16-4A8A-ACA5-E0D49B7B7278}" type="slidenum">
               <a:t>&lt;#&gt;</a:t>
             </a:fld>
           </a:p>
@@ -612,7 +612,7 @@
         <p:txBody>
           <a:bodyPr/>
           <a:p>
-            <a:fld id="{3669FE38-35E2-43A1-8EBD-0BA53E436151}" type="slidenum">
+            <a:fld id="{A410B899-25D3-4676-9618-DC79E51A930A}" type="slidenum">
               <a:t>&lt;#&gt;</a:t>
             </a:fld>
           </a:p>
@@ -695,7 +695,7 @@
         <p:txBody>
           <a:bodyPr/>
           <a:p>
-            <a:fld id="{BCF79871-0BE1-4C1B-8F2F-CEFBCCE9F2A0}" type="slidenum">
+            <a:fld id="{4483342F-52DF-48AD-87DA-05AC8641FC8F}" type="slidenum">
               <a:t>&lt;#&gt;</a:t>
             </a:fld>
           </a:p>
@@ -822,7 +822,7 @@
         <p:txBody>
           <a:bodyPr/>
           <a:p>
-            <a:fld id="{2959EE9F-6FB5-47AF-9AF2-E757FA25CD58}" type="slidenum">
+            <a:fld id="{5C27994B-2DA8-4CD2-9608-DA717936FA58}" type="slidenum">
               <a:t>&lt;#&gt;</a:t>
             </a:fld>
           </a:p>
@@ -905,7 +905,7 @@
         <p:txBody>
           <a:bodyPr/>
           <a:p>
-            <a:fld id="{A1074317-2C4D-4F7F-B86E-47EE62496641}" type="slidenum">
+            <a:fld id="{06DEB7A9-4E21-4EEA-A445-CD6C8EF6EDE4}" type="slidenum">
               <a:t>&lt;#&gt;</a:t>
             </a:fld>
           </a:p>
@@ -1468,7 +1468,7 @@
               </a:lnSpc>
               <a:buNone/>
             </a:pPr>
-            <a:fld id="{17509037-7A76-4AA2-95C3-E9ABF70E6A4B}" type="slidenum">
+            <a:fld id="{78008EF7-9AD8-4E66-BEB5-3839F7478A97}" type="slidenum">
               <a:rPr b="1" lang="en-US" sz="1200" spc="-1" strike="noStrike">
                 <a:solidFill>
                   <a:srgbClr val="c00000"/>
@@ -1935,7 +1935,7 @@
               </a:lnSpc>
               <a:buNone/>
             </a:pPr>
-            <a:fld id="{603BF365-6D2E-4E5A-8709-9EBEC287410C}" type="slidenum">
+            <a:fld id="{A6DDD0A3-169A-42B0-8FDD-36F4F828A02C}" type="slidenum">
               <a:rPr b="1" lang="en-US" sz="1200" spc="-1" strike="noStrike">
                 <a:solidFill>
                   <a:srgbClr val="c00000"/>
@@ -2827,7 +2827,7 @@
               </a:lnSpc>
               <a:buNone/>
             </a:pPr>
-            <a:fld id="{10E23E94-FBA9-4547-BB56-80CAC06F4EF9}" type="slidenum">
+            <a:fld id="{7533E9D8-8BF9-46E8-BD5A-49E9802E7D26}" type="slidenum">
               <a:rPr b="1" lang="en-US" sz="1200" spc="-1" strike="noStrike">
                 <a:solidFill>
                   <a:srgbClr val="c00000"/>
@@ -3484,7 +3484,7 @@
               </a:lnSpc>
               <a:buNone/>
             </a:pPr>
-            <a:fld id="{117A4DFF-096E-4F0B-AC0A-C356BBB60E5D}" type="slidenum">
+            <a:fld id="{70CB813F-DC98-4D37-A2CA-7E04DB6C6476}" type="slidenum">
               <a:rPr b="1" lang="en-US" sz="1200" spc="-1" strike="noStrike">
                 <a:solidFill>
                   <a:schemeClr val="accent1">
@@ -3716,7 +3716,7 @@
               </a:lnSpc>
               <a:buNone/>
             </a:pPr>
-            <a:fld id="{0BA91D12-0BE3-4BF2-8924-8B911F7C17F2}" type="slidenum">
+            <a:fld id="{B44B97EB-1E5C-47DD-85CB-F24FD0B2BBB3}" type="slidenum">
               <a:rPr b="1" lang="en-US" sz="1200" spc="-1" strike="noStrike">
                 <a:solidFill>
                   <a:srgbClr val="c00000"/>
@@ -4108,17 +4108,7 @@
                 <a:latin typeface="Lato"/>
                 <a:ea typeface="Lato"/>
               </a:rPr>
-              <a:t>Click to edit Master </a:t>
-            </a:r>
-            <a:r>
-              <a:rPr b="0" lang="en-US" sz="2800" spc="-1" strike="noStrike">
-                <a:solidFill>
-                  <a:schemeClr val="dk1"/>
-                </a:solidFill>
-                <a:latin typeface="Lato"/>
-                <a:ea typeface="Lato"/>
-              </a:rPr>
-              <a:t>text styles</a:t>
+              <a:t>Click to edit Master text styles</a:t>
             </a:r>
             <a:endParaRPr b="0" lang="en-US" sz="2800" spc="-1" strike="noStrike">
               <a:solidFill>
@@ -4614,7 +4604,7 @@
               </a:lnSpc>
               <a:buNone/>
             </a:pPr>
-            <a:fld id="{231A2BC8-7405-4259-B521-139857AB1F3E}" type="slidenum">
+            <a:fld id="{478E2128-2EF8-4B9D-8365-CB67CEC7ECC1}" type="slidenum">
               <a:rPr b="1" lang="en-US" sz="1200" spc="-1" strike="noStrike">
                 <a:solidFill>
                   <a:srgbClr val="c00000"/>
@@ -4844,7 +4834,7 @@
               </a:lnSpc>
               <a:buNone/>
             </a:pPr>
-            <a:fld id="{94A4B476-64C6-4BFE-B4B9-AE1BBC332221}" type="slidenum">
+            <a:fld id="{7AB9489B-3722-4E0C-8343-1AACA1CA0290}" type="slidenum">
               <a:rPr b="1" lang="en-US" sz="1200" spc="-1" strike="noStrike">
                 <a:solidFill>
                   <a:srgbClr val="c00000"/>
@@ -5315,7 +5305,7 @@
               </a:lnSpc>
               <a:buNone/>
             </a:pPr>
-            <a:fld id="{72025EE1-B35A-4F7B-BC93-EAD3FF0E35CD}" type="slidenum">
+            <a:fld id="{28FB689D-0BFA-4D5E-AD91-4242A8191784}" type="slidenum">
               <a:rPr b="1" lang="en-US" sz="1200" spc="-1" strike="noStrike">
                 <a:solidFill>
                   <a:srgbClr val="c00000"/>
@@ -5705,7 +5695,107 @@
                 <a:latin typeface="Lato"/>
                 <a:ea typeface="Lato"/>
               </a:rPr>
-              <a:t>CLICK TO EDIT MASTER TITLE STYLE</a:t>
+              <a:t>CLI</a:t>
+            </a:r>
+            <a:r>
+              <a:rPr b="1" lang="en-US" sz="4800" spc="-1" strike="noStrike">
+                <a:solidFill>
+                  <a:schemeClr val="lt1"/>
+                </a:solidFill>
+                <a:latin typeface="Lato"/>
+                <a:ea typeface="Lato"/>
+              </a:rPr>
+              <a:t>CK </a:t>
+            </a:r>
+            <a:r>
+              <a:rPr b="1" lang="en-US" sz="4800" spc="-1" strike="noStrike">
+                <a:solidFill>
+                  <a:schemeClr val="lt1"/>
+                </a:solidFill>
+                <a:latin typeface="Lato"/>
+                <a:ea typeface="Lato"/>
+              </a:rPr>
+              <a:t>TO </a:t>
+            </a:r>
+            <a:r>
+              <a:rPr b="1" lang="en-US" sz="4800" spc="-1" strike="noStrike">
+                <a:solidFill>
+                  <a:schemeClr val="lt1"/>
+                </a:solidFill>
+                <a:latin typeface="Lato"/>
+                <a:ea typeface="Lato"/>
+              </a:rPr>
+              <a:t>EDI</a:t>
+            </a:r>
+            <a:r>
+              <a:rPr b="1" lang="en-US" sz="4800" spc="-1" strike="noStrike">
+                <a:solidFill>
+                  <a:schemeClr val="lt1"/>
+                </a:solidFill>
+                <a:latin typeface="Lato"/>
+                <a:ea typeface="Lato"/>
+              </a:rPr>
+              <a:t>T </a:t>
+            </a:r>
+            <a:r>
+              <a:rPr b="1" lang="en-US" sz="4800" spc="-1" strike="noStrike">
+                <a:solidFill>
+                  <a:schemeClr val="lt1"/>
+                </a:solidFill>
+                <a:latin typeface="Lato"/>
+                <a:ea typeface="Lato"/>
+              </a:rPr>
+              <a:t>MAS</a:t>
+            </a:r>
+            <a:r>
+              <a:rPr b="1" lang="en-US" sz="4800" spc="-1" strike="noStrike">
+                <a:solidFill>
+                  <a:schemeClr val="lt1"/>
+                </a:solidFill>
+                <a:latin typeface="Lato"/>
+                <a:ea typeface="Lato"/>
+              </a:rPr>
+              <a:t>TER </a:t>
+            </a:r>
+            <a:r>
+              <a:rPr b="1" lang="en-US" sz="4800" spc="-1" strike="noStrike">
+                <a:solidFill>
+                  <a:schemeClr val="lt1"/>
+                </a:solidFill>
+                <a:latin typeface="Lato"/>
+                <a:ea typeface="Lato"/>
+              </a:rPr>
+              <a:t>TITL</a:t>
+            </a:r>
+            <a:r>
+              <a:rPr b="1" lang="en-US" sz="4800" spc="-1" strike="noStrike">
+                <a:solidFill>
+                  <a:schemeClr val="lt1"/>
+                </a:solidFill>
+                <a:latin typeface="Lato"/>
+                <a:ea typeface="Lato"/>
+              </a:rPr>
+              <a:t>E </a:t>
+            </a:r>
+            <a:r>
+              <a:rPr b="1" lang="en-US" sz="4800" spc="-1" strike="noStrike">
+                <a:solidFill>
+                  <a:schemeClr val="lt1"/>
+                </a:solidFill>
+                <a:latin typeface="Lato"/>
+                <a:ea typeface="Lato"/>
+              </a:rPr>
+              <a:t>STY</a:t>
+            </a:r>
+            <a:r>
+              <a:rPr b="1" lang="en-US" sz="4800" spc="-1" strike="noStrike">
+                <a:solidFill>
+                  <a:schemeClr val="lt1"/>
+                </a:solidFill>
+                <a:latin typeface="Lato"/>
+                <a:ea typeface="Lato"/>
+              </a:rPr>
+              <a:t>LE</a:t>
             </a:r>
             <a:endParaRPr b="0" lang="en-US" sz="4800" spc="-1" strike="noStrike">
               <a:solidFill>
@@ -6502,7 +6592,7 @@
               </a:lnSpc>
               <a:buNone/>
             </a:pPr>
-            <a:fld id="{979CDF35-1D43-494C-B07A-A49D7EEE8BBB}" type="slidenum">
+            <a:fld id="{748D42F8-AE78-458F-935F-80E0526B8976}" type="slidenum">
               <a:rPr b="1" lang="en-US" sz="1200" spc="-1" strike="noStrike">
                 <a:solidFill>
                   <a:srgbClr val="c00000"/>
@@ -6623,7 +6713,17 @@
                 <a:latin typeface="Lato"/>
                 <a:ea typeface="Lato"/>
               </a:rPr>
-              <a:t>Click to edit Master text styles</a:t>
+              <a:t>Click to edit Master </a:t>
+            </a:r>
+            <a:r>
+              <a:rPr b="0" lang="en-US" sz="2800" spc="-1" strike="noStrike">
+                <a:solidFill>
+                  <a:schemeClr val="dk1"/>
+                </a:solidFill>
+                <a:latin typeface="Lato"/>
+                <a:ea typeface="Lato"/>
+              </a:rPr>
+              <a:t>text styles</a:t>
             </a:r>
             <a:endParaRPr b="0" lang="en-US" sz="2800" spc="-1" strike="noStrike">
               <a:solidFill>
@@ -6969,7 +7069,7 @@
               </a:lnSpc>
               <a:buNone/>
             </a:pPr>
-            <a:fld id="{67A70F1B-914F-4277-8DA2-1A829A709D12}" type="slidenum">
+            <a:fld id="{4D7DBEE9-3489-488E-9381-20ADA70BE4D3}" type="slidenum">
               <a:rPr b="1" lang="en-US" sz="1200" spc="-1" strike="noStrike">
                 <a:solidFill>
                   <a:srgbClr val="c00000"/>
@@ -7398,7 +7498,47 @@
                 <a:latin typeface="Lato"/>
                 <a:ea typeface="Lato"/>
               </a:rPr>
-              <a:t>Title 2: ………………………………………</a:t>
+              <a:t>Title 2: </a:t>
+            </a:r>
+            <a:r>
+              <a:rPr b="1" lang="en-US" sz="2800" spc="-1" strike="noStrike">
+                <a:solidFill>
+                  <a:schemeClr val="lt1"/>
+                </a:solidFill>
+                <a:latin typeface="Lato"/>
+                <a:ea typeface="Lato"/>
+              </a:rPr>
+              <a:t>…………</a:t>
+            </a:r>
+            <a:r>
+              <a:rPr b="1" lang="en-US" sz="2800" spc="-1" strike="noStrike">
+                <a:solidFill>
+                  <a:schemeClr val="lt1"/>
+                </a:solidFill>
+                <a:latin typeface="Lato"/>
+                <a:ea typeface="Lato"/>
+              </a:rPr>
+              <a:t>…………</a:t>
+            </a:r>
+            <a:r>
+              <a:rPr b="1" lang="en-US" sz="2800" spc="-1" strike="noStrike">
+                <a:solidFill>
+                  <a:schemeClr val="lt1"/>
+                </a:solidFill>
+                <a:latin typeface="Lato"/>
+                <a:ea typeface="Lato"/>
+              </a:rPr>
+              <a:t>…………</a:t>
+            </a:r>
+            <a:r>
+              <a:rPr b="1" lang="en-US" sz="2800" spc="-1" strike="noStrike">
+                <a:solidFill>
+                  <a:schemeClr val="lt1"/>
+                </a:solidFill>
+                <a:latin typeface="Lato"/>
+                <a:ea typeface="Lato"/>
+              </a:rPr>
+              <a:t>………</a:t>
             </a:r>
             <a:endParaRPr b="0" lang="en-US" sz="2800" spc="-1" strike="noStrike">
               <a:solidFill>
@@ -7704,7 +7844,7 @@
         <p:txBody>
           <a:bodyPr/>
           <a:p>
-            <a:fld id="{506FCF21-F9D9-419D-AAF8-5635C60657E2}" type="slidenum">
+            <a:fld id="{24475400-7745-4F19-B302-EC195C4DEA0C}" type="slidenum">
               <a:t>10</a:t>
             </a:fld>
           </a:p>
@@ -8048,7 +8188,7 @@
         <p:txBody>
           <a:bodyPr/>
           <a:p>
-            <a:fld id="{55837D84-D68B-4A52-92E9-AF04EF859B9E}" type="slidenum">
+            <a:fld id="{E80301FB-6C6D-4CA2-8BCD-5E6DC00E6115}" type="slidenum">
               <a:t>11</a:t>
             </a:fld>
           </a:p>
@@ -8231,7 +8371,7 @@
         <p:txBody>
           <a:bodyPr/>
           <a:p>
-            <a:fld id="{A21DF0B3-A89C-4158-BABA-4632725B4827}" type="slidenum">
+            <a:fld id="{1A1D5E36-4B3C-4F3E-B116-E7146EBFB096}" type="slidenum">
               <a:t>12</a:t>
             </a:fld>
           </a:p>
@@ -8422,7 +8562,7 @@
         <p:txBody>
           <a:bodyPr/>
           <a:p>
-            <a:fld id="{D84092BA-EBA6-4FDA-9531-CA5F699FE2E1}" type="slidenum">
+            <a:fld id="{22995076-99C7-44F3-A8E2-E301C09641A9}" type="slidenum">
               <a:t>13</a:t>
             </a:fld>
           </a:p>
@@ -8656,7 +8796,7 @@
         <p:txBody>
           <a:bodyPr/>
           <a:p>
-            <a:fld id="{2CE29361-FAFA-403E-BF9C-9ED8A140338E}" type="slidenum">
+            <a:fld id="{55BA0BD5-BF18-470F-9889-4E7C10FD1612}" type="slidenum">
               <a:t>14</a:t>
             </a:fld>
           </a:p>
@@ -8907,7 +9047,7 @@
         <p:txBody>
           <a:bodyPr/>
           <a:p>
-            <a:fld id="{C8A7B895-404E-44EE-A18B-7C3B62FA4E48}" type="slidenum">
+            <a:fld id="{38FD95BD-2511-4469-8B22-FE9EDEE06038}" type="slidenum">
               <a:t>15</a:t>
             </a:fld>
           </a:p>
@@ -9105,7 +9245,7 @@
         <p:txBody>
           <a:bodyPr/>
           <a:p>
-            <a:fld id="{57504C22-2D0F-4876-A166-87E3F9B4CFF8}" type="slidenum">
+            <a:fld id="{57635E5E-732C-4FE3-8A8A-4D753E585D47}" type="slidenum">
               <a:t>16</a:t>
             </a:fld>
           </a:p>
@@ -9276,6 +9416,38 @@
                 <a:latin typeface="Calibri"/>
                 <a:hlinkClick r:id="rId2"/>
               </a:rPr>
+              <a:t>https://viblo.asia/p/gioi-thieu-ve-reinforcement-learning-rl-djeZ1GEY5Wz</a:t>
+            </a:r>
+            <a:endParaRPr b="0" lang="en-US" sz="1800" spc="-1" strike="noStrike">
+              <a:solidFill>
+                <a:schemeClr val="dk1"/>
+              </a:solidFill>
+              <a:latin typeface="Calibri"/>
+            </a:endParaRPr>
+          </a:p>
+          <a:p>
+            <a:pPr marL="432000" indent="-324000">
+              <a:lnSpc>
+                <a:spcPct val="90000"/>
+              </a:lnSpc>
+              <a:spcBef>
+                <a:spcPts val="1417"/>
+              </a:spcBef>
+              <a:buClr>
+                <a:srgbClr val="000000"/>
+              </a:buClr>
+              <a:buSzPct val="45000"/>
+              <a:buFont typeface="Wingdings" charset="2"/>
+              <a:buChar char=""/>
+            </a:pPr>
+            <a:r>
+              <a:rPr b="0" lang="en-US" sz="1800" spc="-1" strike="noStrike">
+                <a:solidFill>
+                  <a:schemeClr val="dk1"/>
+                </a:solidFill>
+                <a:latin typeface="Calibri"/>
+                <a:hlinkClick r:id="rId3"/>
+              </a:rPr>
               <a:t>https://fdc.nal.usda.gov/fdc-app.html</a:t>
             </a:r>
             <a:endParaRPr b="0" lang="en-US" sz="1800" spc="-1" strike="noStrike">
@@ -9318,7 +9490,7 @@
         <p:txBody>
           <a:bodyPr/>
           <a:p>
-            <a:fld id="{53459E12-B906-4231-B679-B73F31E2FC0F}" type="slidenum">
+            <a:fld id="{500436BA-A164-4CF3-93D9-8A03CB79E9D2}" type="slidenum">
               <a:t>17</a:t>
             </a:fld>
           </a:p>
@@ -9422,7 +9594,7 @@
         <p:txBody>
           <a:bodyPr/>
           <a:p>
-            <a:fld id="{DAED04E8-145F-45B8-A837-FBB038A6E184}" type="slidenum">
+            <a:fld id="{7CA418F6-32DD-41E0-BACD-799A62816800}" type="slidenum">
               <a:t>18</a:t>
             </a:fld>
           </a:p>
@@ -9847,7 +10019,7 @@
         <p:txBody>
           <a:bodyPr/>
           <a:p>
-            <a:fld id="{A01C32A3-B22F-41E0-9ECE-A917FD9A2F44}" type="slidenum">
+            <a:fld id="{A2FCC413-ADC9-43BF-B845-FB9FBBB5DFC0}" type="slidenum">
               <a:t>3</a:t>
             </a:fld>
           </a:p>
@@ -9932,7 +10104,7 @@
               </a:lnSpc>
               <a:buNone/>
             </a:pPr>
-            <a:fld id="{E5B21B52-3B67-40AD-A3C1-BE4A98532750}" type="slidenum">
+            <a:fld id="{550AB695-FE46-4FF2-B662-D15CD5820987}" type="slidenum">
               <a:rPr b="1" lang="en-US" sz="1200" spc="-1" strike="noStrike">
                 <a:solidFill>
                   <a:srgbClr val="c00000"/>
@@ -10908,7 +11080,7 @@
         <p:txBody>
           <a:bodyPr/>
           <a:p>
-            <a:fld id="{D1D7ECB6-24F4-4992-9FB3-2CF01C2B8872}" type="slidenum">
+            <a:fld id="{FC6C1552-11AF-482E-BE1B-93771341BA0A}" type="slidenum">
               <a:t>5</a:t>
             </a:fld>
           </a:p>
@@ -12424,7 +12596,7 @@
         <p:txBody>
           <a:bodyPr/>
           <a:p>
-            <a:fld id="{55D22F0C-D5B9-4987-AD6A-78AE85B4E547}" type="slidenum">
+            <a:fld id="{7CCB654B-FE75-4522-9E30-071705568AFB}" type="slidenum">
               <a:t>6</a:t>
             </a:fld>
           </a:p>
@@ -12694,7 +12866,7 @@
         <p:txBody>
           <a:bodyPr/>
           <a:p>
-            <a:fld id="{77F99C97-2015-46E3-81C1-DE17BC71ABFD}" type="slidenum">
+            <a:fld id="{425F1942-9243-4EE5-9DF2-57DF52308F98}" type="slidenum">
               <a:t>7</a:t>
             </a:fld>
           </a:p>
@@ -12969,7 +13141,7 @@
         <p:txBody>
           <a:bodyPr/>
           <a:p>
-            <a:fld id="{B3F7B712-6DF7-448B-825C-0979EB3ED774}" type="slidenum">
+            <a:fld id="{E8976D8B-D1A8-47D1-8C54-A5E394E7C223}" type="slidenum">
               <a:t>8</a:t>
             </a:fld>
           </a:p>
@@ -13632,7 +13804,7 @@
         <p:txBody>
           <a:bodyPr/>
           <a:p>
-            <a:fld id="{DE9B84F3-0E27-4E5C-89CE-1E884DCAE94F}" type="slidenum">
+            <a:fld id="{612888A8-2862-4BFF-9C1B-54C272301540}" type="slidenum">
               <a:t>9</a:t>
             </a:fld>
           </a:p>

--- a/slides.pptx
+++ b/slides.pptx
@@ -6,15 +6,15 @@
     <p:sldMasterId id="2147483650" r:id="rId3"/>
     <p:sldMasterId id="2147483652" r:id="rId4"/>
     <p:sldMasterId id="2147483654" r:id="rId5"/>
-    <p:sldMasterId id="2147483656" r:id="rId6"/>
-    <p:sldMasterId id="2147483658" r:id="rId7"/>
-    <p:sldMasterId id="2147483660" r:id="rId8"/>
-    <p:sldMasterId id="2147483662" r:id="rId9"/>
-    <p:sldMasterId id="2147483664" r:id="rId10"/>
-    <p:sldMasterId id="2147483666" r:id="rId11"/>
-    <p:sldMasterId id="2147483668" r:id="rId12"/>
-    <p:sldMasterId id="2147483670" r:id="rId13"/>
-    <p:sldMasterId id="2147483672" r:id="rId14"/>
+    <p:sldMasterId id="2147483655" r:id="rId6"/>
+    <p:sldMasterId id="2147483657" r:id="rId7"/>
+    <p:sldMasterId id="2147483658" r:id="rId8"/>
+    <p:sldMasterId id="2147483660" r:id="rId9"/>
+    <p:sldMasterId id="2147483662" r:id="rId10"/>
+    <p:sldMasterId id="2147483664" r:id="rId11"/>
+    <p:sldMasterId id="2147483666" r:id="rId12"/>
+    <p:sldMasterId id="2147483668" r:id="rId13"/>
+    <p:sldMasterId id="2147483669" r:id="rId14"/>
   </p:sldMasterIdLst>
   <p:sldIdLst>
     <p:sldId id="256" r:id="rId15"/>
@@ -35,6 +35,7 @@
     <p:sldId id="271" r:id="rId30"/>
     <p:sldId id="272" r:id="rId31"/>
     <p:sldId id="273" r:id="rId32"/>
+    <p:sldId id="274" r:id="rId33"/>
   </p:sldIdLst>
   <p:sldSz cx="9144000" cy="6858000"/>
   <p:notesSz cx="7559675" cy="10691813"/>
@@ -42,7 +43,7 @@
 </file>
 
 <file path=ppt/slideLayouts/slideLayout1.xml><?xml version="1.0" encoding="utf-8"?>
-<p:sldLayout xmlns:a="http://schemas.openxmlformats.org/drawingml/2006/main" xmlns:p="http://schemas.openxmlformats.org/presentationml/2006/main" xmlns:r="http://schemas.openxmlformats.org/officeDocument/2006/relationships" xmlns:p14="http://schemas.microsoft.com/office/powerpoint/2010/main" xmlns:p15="http://schemas.microsoft.com/office/powerpoint/2012/main" xmlns:mc="http://schemas.openxmlformats.org/markup-compatibility/2006" type="blank" preserve="1">
+<p:sldLayout xmlns:a="http://schemas.openxmlformats.org/drawingml/2006/main" xmlns:p="http://schemas.openxmlformats.org/presentationml/2006/main" xmlns:r="http://schemas.openxmlformats.org/officeDocument/2006/relationships" xmlns:p14="http://schemas.microsoft.com/office/powerpoint/2010/main" xmlns:p15="http://schemas.microsoft.com/office/powerpoint/2012/main" xmlns:mc="http://schemas.openxmlformats.org/markup-compatibility/2006" type="title" preserve="1">
   <p:cSld name="Custom Layout">
     <p:spTree>
       <p:nvGrpSpPr>
@@ -58,261 +59,92 @@
           <a:chExt cx="0" cy="0"/>
         </a:xfrm>
       </p:grpSpPr>
+      <p:sp>
+        <p:nvSpPr>
+          <p:cNvPr id="2" name="PlaceHolder 1"/>
+          <p:cNvSpPr>
+            <a:spLocks noGrp="1"/>
+          </p:cNvSpPr>
+          <p:nvPr>
+            <p:ph type="title"/>
+          </p:nvPr>
+        </p:nvSpPr>
+        <p:spPr>
+          <a:xfrm>
+            <a:off x="457200" y="273600"/>
+            <a:ext cx="8229240" cy="1144800"/>
+          </a:xfrm>
+          <a:prstGeom prst="rect">
+            <a:avLst/>
+          </a:prstGeom>
+          <a:noFill/>
+          <a:ln w="0">
+            <a:noFill/>
+          </a:ln>
+        </p:spPr>
+        <p:txBody>
+          <a:bodyPr lIns="0" rIns="0" tIns="0" bIns="0" anchor="ctr">
+            <a:noAutofit/>
+          </a:bodyPr>
+          <a:p>
+            <a:pPr indent="0">
+              <a:buNone/>
+            </a:pPr>
+            <a:endParaRPr b="0" lang="en-US" sz="1800" spc="-1" strike="noStrike">
+              <a:solidFill>
+                <a:schemeClr val="dk1"/>
+              </a:solidFill>
+              <a:latin typeface="Calibri"/>
+            </a:endParaRPr>
+          </a:p>
+        </p:txBody>
+      </p:sp>
+      <p:sp>
+        <p:nvSpPr>
+          <p:cNvPr id="3" name="PlaceHolder 2"/>
+          <p:cNvSpPr>
+            <a:spLocks noGrp="1"/>
+          </p:cNvSpPr>
+          <p:nvPr>
+            <p:ph type="subTitle"/>
+          </p:nvPr>
+        </p:nvSpPr>
+        <p:spPr>
+          <a:xfrm>
+            <a:off x="457200" y="1604520"/>
+            <a:ext cx="8229240" cy="3977280"/>
+          </a:xfrm>
+          <a:prstGeom prst="rect">
+            <a:avLst/>
+          </a:prstGeom>
+          <a:noFill/>
+          <a:ln w="0">
+            <a:noFill/>
+          </a:ln>
+        </p:spPr>
+        <p:txBody>
+          <a:bodyPr lIns="0" rIns="0" tIns="0" bIns="0" anchor="ctr">
+            <a:noAutofit/>
+          </a:bodyPr>
+          <a:p>
+            <a:pPr indent="0" algn="ctr">
+              <a:buNone/>
+            </a:pPr>
+            <a:endParaRPr b="0" lang="en-US" sz="3200" spc="-1" strike="noStrike">
+              <a:solidFill>
+                <a:srgbClr val="ffffff"/>
+              </a:solidFill>
+              <a:latin typeface="Arial"/>
+            </a:endParaRPr>
+          </a:p>
+        </p:txBody>
+      </p:sp>
     </p:spTree>
   </p:cSld>
 </p:sldLayout>
 </file>
 
 <file path=ppt/slideLayouts/slideLayout10.xml><?xml version="1.0" encoding="utf-8"?>
-<p:sldLayout xmlns:a="http://schemas.openxmlformats.org/drawingml/2006/main" xmlns:p="http://schemas.openxmlformats.org/presentationml/2006/main" xmlns:r="http://schemas.openxmlformats.org/officeDocument/2006/relationships" xmlns:p14="http://schemas.microsoft.com/office/powerpoint/2010/main" xmlns:p15="http://schemas.microsoft.com/office/powerpoint/2012/main" xmlns:mc="http://schemas.openxmlformats.org/markup-compatibility/2006" type="blank" preserve="1">
-  <p:cSld name="1_Comparison">
-    <p:spTree>
-      <p:nvGrpSpPr>
-        <p:cNvPr id="1" name=""/>
-        <p:cNvGrpSpPr/>
-        <p:nvPr/>
-      </p:nvGrpSpPr>
-      <p:grpSpPr>
-        <a:xfrm>
-          <a:off x="0" y="0"/>
-          <a:ext cx="0" cy="0"/>
-          <a:chOff x="0" y="0"/>
-          <a:chExt cx="0" cy="0"/>
-        </a:xfrm>
-      </p:grpSpPr>
-      <p:sp>
-        <p:nvSpPr>
-          <p:cNvPr id="2" name="PlaceHolder 1"/>
-          <p:cNvSpPr>
-            <a:spLocks noGrp="1"/>
-          </p:cNvSpPr>
-          <p:nvPr>
-            <p:ph type="ftr" idx="20"/>
-          </p:nvPr>
-        </p:nvSpPr>
-        <p:spPr/>
-        <p:txBody>
-          <a:bodyPr/>
-          <a:p>
-            <a:r>
-              <a:t>Footer</a:t>
-            </a:r>
-          </a:p>
-        </p:txBody>
-      </p:sp>
-      <p:sp>
-        <p:nvSpPr>
-          <p:cNvPr id="3" name="PlaceHolder 2"/>
-          <p:cNvSpPr>
-            <a:spLocks noGrp="1"/>
-          </p:cNvSpPr>
-          <p:nvPr>
-            <p:ph type="sldNum" idx="21"/>
-          </p:nvPr>
-        </p:nvSpPr>
-        <p:spPr/>
-        <p:txBody>
-          <a:bodyPr/>
-          <a:p>
-            <a:fld id="{BB727B84-B446-4A78-B610-CF620C7C8CC8}" type="slidenum">
-              <a:t>&lt;#&gt;</a:t>
-            </a:fld>
-          </a:p>
-        </p:txBody>
-      </p:sp>
-      <p:sp>
-        <p:nvSpPr>
-          <p:cNvPr id="4" name="PlaceHolder 3"/>
-          <p:cNvSpPr>
-            <a:spLocks noGrp="1"/>
-          </p:cNvSpPr>
-          <p:nvPr>
-            <p:ph type="dt" idx="19"/>
-          </p:nvPr>
-        </p:nvSpPr>
-        <p:spPr/>
-        <p:txBody>
-          <a:bodyPr/>
-          <a:p>
-            <a:r>
-              <a:rPr lang="en-US"/>
-              <a:t/>
-            </a:r>
-          </a:p>
-        </p:txBody>
-      </p:sp>
-    </p:spTree>
-  </p:cSld>
-</p:sldLayout>
-</file>
-
-<file path=ppt/slideLayouts/slideLayout11.xml><?xml version="1.0" encoding="utf-8"?>
-<p:sldLayout xmlns:a="http://schemas.openxmlformats.org/drawingml/2006/main" xmlns:p="http://schemas.openxmlformats.org/presentationml/2006/main" xmlns:r="http://schemas.openxmlformats.org/officeDocument/2006/relationships" xmlns:p14="http://schemas.microsoft.com/office/powerpoint/2010/main" xmlns:p15="http://schemas.microsoft.com/office/powerpoint/2012/main" xmlns:mc="http://schemas.openxmlformats.org/markup-compatibility/2006" type="blank" preserve="1">
-  <p:cSld name="2_Two Content">
-    <p:spTree>
-      <p:nvGrpSpPr>
-        <p:cNvPr id="1" name=""/>
-        <p:cNvGrpSpPr/>
-        <p:nvPr/>
-      </p:nvGrpSpPr>
-      <p:grpSpPr>
-        <a:xfrm>
-          <a:off x="0" y="0"/>
-          <a:ext cx="0" cy="0"/>
-          <a:chOff x="0" y="0"/>
-          <a:chExt cx="0" cy="0"/>
-        </a:xfrm>
-      </p:grpSpPr>
-      <p:sp>
-        <p:nvSpPr>
-          <p:cNvPr id="2" name="PlaceHolder 1"/>
-          <p:cNvSpPr>
-            <a:spLocks noGrp="1"/>
-          </p:cNvSpPr>
-          <p:nvPr>
-            <p:ph type="ftr" idx="23"/>
-          </p:nvPr>
-        </p:nvSpPr>
-        <p:spPr/>
-        <p:txBody>
-          <a:bodyPr/>
-          <a:p>
-            <a:r>
-              <a:t>Footer</a:t>
-            </a:r>
-          </a:p>
-        </p:txBody>
-      </p:sp>
-      <p:sp>
-        <p:nvSpPr>
-          <p:cNvPr id="3" name="PlaceHolder 2"/>
-          <p:cNvSpPr>
-            <a:spLocks noGrp="1"/>
-          </p:cNvSpPr>
-          <p:nvPr>
-            <p:ph type="sldNum" idx="24"/>
-          </p:nvPr>
-        </p:nvSpPr>
-        <p:spPr/>
-        <p:txBody>
-          <a:bodyPr/>
-          <a:p>
-            <a:fld id="{5CDC36FC-0C46-4457-8F12-D4765C5FCDB9}" type="slidenum">
-              <a:t>&lt;#&gt;</a:t>
-            </a:fld>
-          </a:p>
-        </p:txBody>
-      </p:sp>
-      <p:sp>
-        <p:nvSpPr>
-          <p:cNvPr id="4" name="PlaceHolder 3"/>
-          <p:cNvSpPr>
-            <a:spLocks noGrp="1"/>
-          </p:cNvSpPr>
-          <p:nvPr>
-            <p:ph type="dt" idx="22"/>
-          </p:nvPr>
-        </p:nvSpPr>
-        <p:spPr/>
-        <p:txBody>
-          <a:bodyPr/>
-          <a:p>
-            <a:r>
-              <a:rPr lang="en-US"/>
-              <a:t/>
-            </a:r>
-          </a:p>
-        </p:txBody>
-      </p:sp>
-    </p:spTree>
-  </p:cSld>
-</p:sldLayout>
-</file>
-
-<file path=ppt/slideLayouts/slideLayout12.xml><?xml version="1.0" encoding="utf-8"?>
-<p:sldLayout xmlns:a="http://schemas.openxmlformats.org/drawingml/2006/main" xmlns:p="http://schemas.openxmlformats.org/presentationml/2006/main" xmlns:r="http://schemas.openxmlformats.org/officeDocument/2006/relationships" xmlns:p14="http://schemas.microsoft.com/office/powerpoint/2010/main" xmlns:p15="http://schemas.microsoft.com/office/powerpoint/2012/main" xmlns:mc="http://schemas.openxmlformats.org/markup-compatibility/2006" type="blank" preserve="1">
-  <p:cSld name="1_Title Only">
-    <p:spTree>
-      <p:nvGrpSpPr>
-        <p:cNvPr id="1" name=""/>
-        <p:cNvGrpSpPr/>
-        <p:nvPr/>
-      </p:nvGrpSpPr>
-      <p:grpSpPr>
-        <a:xfrm>
-          <a:off x="0" y="0"/>
-          <a:ext cx="0" cy="0"/>
-          <a:chOff x="0" y="0"/>
-          <a:chExt cx="0" cy="0"/>
-        </a:xfrm>
-      </p:grpSpPr>
-      <p:sp>
-        <p:nvSpPr>
-          <p:cNvPr id="2" name="PlaceHolder 1"/>
-          <p:cNvSpPr>
-            <a:spLocks noGrp="1"/>
-          </p:cNvSpPr>
-          <p:nvPr>
-            <p:ph type="ftr" idx="26"/>
-          </p:nvPr>
-        </p:nvSpPr>
-        <p:spPr/>
-        <p:txBody>
-          <a:bodyPr/>
-          <a:p>
-            <a:r>
-              <a:t>Footer</a:t>
-            </a:r>
-          </a:p>
-        </p:txBody>
-      </p:sp>
-      <p:sp>
-        <p:nvSpPr>
-          <p:cNvPr id="3" name="PlaceHolder 2"/>
-          <p:cNvSpPr>
-            <a:spLocks noGrp="1"/>
-          </p:cNvSpPr>
-          <p:nvPr>
-            <p:ph type="sldNum" idx="27"/>
-          </p:nvPr>
-        </p:nvSpPr>
-        <p:spPr/>
-        <p:txBody>
-          <a:bodyPr/>
-          <a:p>
-            <a:fld id="{0210EB78-CC13-4B6F-AA2F-D6DC9576188E}" type="slidenum">
-              <a:t>&lt;#&gt;</a:t>
-            </a:fld>
-          </a:p>
-        </p:txBody>
-      </p:sp>
-      <p:sp>
-        <p:nvSpPr>
-          <p:cNvPr id="4" name="PlaceHolder 3"/>
-          <p:cNvSpPr>
-            <a:spLocks noGrp="1"/>
-          </p:cNvSpPr>
-          <p:nvPr>
-            <p:ph type="dt" idx="25"/>
-          </p:nvPr>
-        </p:nvSpPr>
-        <p:spPr/>
-        <p:txBody>
-          <a:bodyPr/>
-          <a:p>
-            <a:r>
-              <a:rPr lang="en-US"/>
-              <a:t/>
-            </a:r>
-          </a:p>
-        </p:txBody>
-      </p:sp>
-    </p:spTree>
-  </p:cSld>
-</p:sldLayout>
-</file>
-
-<file path=ppt/slideLayouts/slideLayout13.xml><?xml version="1.0" encoding="utf-8"?>
 <p:sldLayout xmlns:a="http://schemas.openxmlformats.org/drawingml/2006/main" xmlns:p="http://schemas.openxmlformats.org/presentationml/2006/main" xmlns:r="http://schemas.openxmlformats.org/officeDocument/2006/relationships" xmlns:p14="http://schemas.microsoft.com/office/powerpoint/2010/main" xmlns:p15="http://schemas.microsoft.com/office/powerpoint/2012/main" xmlns:mc="http://schemas.openxmlformats.org/markup-compatibility/2006" type="blank" preserve="1">
   <p:cSld name="2_Blank">
     <p:spTree>
@@ -363,7 +195,7 @@
         <p:txBody>
           <a:bodyPr/>
           <a:p>
-            <a:fld id="{592E4D13-4B5D-49B6-AAB9-803E99D3908C}" type="slidenum">
+            <a:fld id="{5509B56B-0DCF-4B92-A413-9277280CF6D3}" type="slidenum">
               <a:t>&lt;#&gt;</a:t>
             </a:fld>
           </a:p>
@@ -446,7 +278,7 @@
         <p:txBody>
           <a:bodyPr/>
           <a:p>
-            <a:fld id="{AB1090FF-222B-4008-94A6-C46DC74D4782}" type="slidenum">
+            <a:fld id="{B202A0BE-E154-49B2-AEBC-C81EC9BE95ED}" type="slidenum">
               <a:t>&lt;#&gt;</a:t>
             </a:fld>
           </a:p>
@@ -529,7 +361,7 @@
         <p:txBody>
           <a:bodyPr/>
           <a:p>
-            <a:fld id="{74A0E222-9F16-4A8A-ACA5-E0D49B7B7278}" type="slidenum">
+            <a:fld id="{9023E8B9-A918-4E99-B6E8-2866F5EB8E32}" type="slidenum">
               <a:t>&lt;#&gt;</a:t>
             </a:fld>
           </a:p>
@@ -562,89 +394,6 @@
 </file>
 
 <file path=ppt/slideLayouts/slideLayout4.xml><?xml version="1.0" encoding="utf-8"?>
-<p:sldLayout xmlns:a="http://schemas.openxmlformats.org/drawingml/2006/main" xmlns:p="http://schemas.openxmlformats.org/presentationml/2006/main" xmlns:r="http://schemas.openxmlformats.org/officeDocument/2006/relationships" xmlns:p14="http://schemas.microsoft.com/office/powerpoint/2010/main" xmlns:p15="http://schemas.microsoft.com/office/powerpoint/2012/main" xmlns:mc="http://schemas.openxmlformats.org/markup-compatibility/2006" type="blank" preserve="1">
-  <p:cSld name="3_Comparison">
-    <p:spTree>
-      <p:nvGrpSpPr>
-        <p:cNvPr id="1" name=""/>
-        <p:cNvGrpSpPr/>
-        <p:nvPr/>
-      </p:nvGrpSpPr>
-      <p:grpSpPr>
-        <a:xfrm>
-          <a:off x="0" y="0"/>
-          <a:ext cx="0" cy="0"/>
-          <a:chOff x="0" y="0"/>
-          <a:chExt cx="0" cy="0"/>
-        </a:xfrm>
-      </p:grpSpPr>
-      <p:sp>
-        <p:nvSpPr>
-          <p:cNvPr id="2" name="PlaceHolder 1"/>
-          <p:cNvSpPr>
-            <a:spLocks noGrp="1"/>
-          </p:cNvSpPr>
-          <p:nvPr>
-            <p:ph type="ftr" idx="8"/>
-          </p:nvPr>
-        </p:nvSpPr>
-        <p:spPr/>
-        <p:txBody>
-          <a:bodyPr/>
-          <a:p>
-            <a:r>
-              <a:t>Footer</a:t>
-            </a:r>
-          </a:p>
-        </p:txBody>
-      </p:sp>
-      <p:sp>
-        <p:nvSpPr>
-          <p:cNvPr id="3" name="PlaceHolder 2"/>
-          <p:cNvSpPr>
-            <a:spLocks noGrp="1"/>
-          </p:cNvSpPr>
-          <p:nvPr>
-            <p:ph type="sldNum" idx="9"/>
-          </p:nvPr>
-        </p:nvSpPr>
-        <p:spPr/>
-        <p:txBody>
-          <a:bodyPr/>
-          <a:p>
-            <a:fld id="{A410B899-25D3-4676-9618-DC79E51A930A}" type="slidenum">
-              <a:t>&lt;#&gt;</a:t>
-            </a:fld>
-          </a:p>
-        </p:txBody>
-      </p:sp>
-      <p:sp>
-        <p:nvSpPr>
-          <p:cNvPr id="4" name="PlaceHolder 3"/>
-          <p:cNvSpPr>
-            <a:spLocks noGrp="1"/>
-          </p:cNvSpPr>
-          <p:nvPr>
-            <p:ph type="dt" idx="7"/>
-          </p:nvPr>
-        </p:nvSpPr>
-        <p:spPr/>
-        <p:txBody>
-          <a:bodyPr/>
-          <a:p>
-            <a:r>
-              <a:rPr lang="en-US"/>
-              <a:t/>
-            </a:r>
-          </a:p>
-        </p:txBody>
-      </p:sp>
-    </p:spTree>
-  </p:cSld>
-</p:sldLayout>
-</file>
-
-<file path=ppt/slideLayouts/slideLayout5.xml><?xml version="1.0" encoding="utf-8"?>
 <p:sldLayout xmlns:a="http://schemas.openxmlformats.org/drawingml/2006/main" xmlns:p="http://schemas.openxmlformats.org/presentationml/2006/main" xmlns:r="http://schemas.openxmlformats.org/officeDocument/2006/relationships" xmlns:p14="http://schemas.microsoft.com/office/powerpoint/2010/main" xmlns:p15="http://schemas.microsoft.com/office/powerpoint/2012/main" xmlns:mc="http://schemas.openxmlformats.org/markup-compatibility/2006" type="blank" preserve="1">
   <p:cSld name="1_Content with Caption">
     <p:spTree>
@@ -695,7 +444,7 @@
         <p:txBody>
           <a:bodyPr/>
           <a:p>
-            <a:fld id="{4483342F-52DF-48AD-87DA-05AC8641FC8F}" type="slidenum">
+            <a:fld id="{4B6E1448-97C7-4019-8E31-09BA0E0A7D2B}" type="slidenum">
               <a:t>&lt;#&gt;</a:t>
             </a:fld>
           </a:p>
@@ -727,29 +476,7 @@
 </p:sldLayout>
 </file>
 
-<file path=ppt/slideLayouts/slideLayout6.xml><?xml version="1.0" encoding="utf-8"?>
-<p:sldLayout xmlns:a="http://schemas.openxmlformats.org/drawingml/2006/main" xmlns:p="http://schemas.openxmlformats.org/presentationml/2006/main" xmlns:r="http://schemas.openxmlformats.org/officeDocument/2006/relationships" xmlns:p14="http://schemas.microsoft.com/office/powerpoint/2010/main" xmlns:p15="http://schemas.microsoft.com/office/powerpoint/2012/main" xmlns:mc="http://schemas.openxmlformats.org/markup-compatibility/2006" type="blank" preserve="1">
-  <p:cSld name="1_Title Slide">
-    <p:spTree>
-      <p:nvGrpSpPr>
-        <p:cNvPr id="1" name=""/>
-        <p:cNvGrpSpPr/>
-        <p:nvPr/>
-      </p:nvGrpSpPr>
-      <p:grpSpPr>
-        <a:xfrm>
-          <a:off x="0" y="0"/>
-          <a:ext cx="0" cy="0"/>
-          <a:chOff x="0" y="0"/>
-          <a:chExt cx="0" cy="0"/>
-        </a:xfrm>
-      </p:grpSpPr>
-    </p:spTree>
-  </p:cSld>
-</p:sldLayout>
-</file>
-
-<file path=ppt/slideLayouts/slideLayout7.xml><?xml version="1.0" encoding="utf-8"?>
+<file path=ppt/slideLayouts/slideLayout5.xml><?xml version="1.0" encoding="utf-8"?>
 <p:sldLayout xmlns:a="http://schemas.openxmlformats.org/drawingml/2006/main" xmlns:p="http://schemas.openxmlformats.org/presentationml/2006/main" xmlns:r="http://schemas.openxmlformats.org/officeDocument/2006/relationships" xmlns:p14="http://schemas.microsoft.com/office/powerpoint/2010/main" xmlns:p15="http://schemas.microsoft.com/office/powerpoint/2012/main" xmlns:mc="http://schemas.openxmlformats.org/markup-compatibility/2006" type="blank" preserve="1">
   <p:cSld name="1_Title and Content">
     <p:spTree>
@@ -771,7 +498,7 @@
 </p:sldLayout>
 </file>
 
-<file path=ppt/slideLayouts/slideLayout8.xml><?xml version="1.0" encoding="utf-8"?>
+<file path=ppt/slideLayouts/slideLayout6.xml><?xml version="1.0" encoding="utf-8"?>
 <p:sldLayout xmlns:a="http://schemas.openxmlformats.org/drawingml/2006/main" xmlns:p="http://schemas.openxmlformats.org/presentationml/2006/main" xmlns:r="http://schemas.openxmlformats.org/officeDocument/2006/relationships" xmlns:p14="http://schemas.microsoft.com/office/powerpoint/2010/main" xmlns:p15="http://schemas.microsoft.com/office/powerpoint/2012/main" xmlns:mc="http://schemas.openxmlformats.org/markup-compatibility/2006" type="blank" preserve="1">
   <p:cSld name="1_Section Header">
     <p:spTree>
@@ -822,7 +549,7 @@
         <p:txBody>
           <a:bodyPr/>
           <a:p>
-            <a:fld id="{5C27994B-2DA8-4CD2-9608-DA717936FA58}" type="slidenum">
+            <a:fld id="{20E38909-80AA-4D64-98D0-1F27C0420CD7}" type="slidenum">
               <a:t>&lt;#&gt;</a:t>
             </a:fld>
           </a:p>
@@ -854,7 +581,7 @@
 </p:sldLayout>
 </file>
 
-<file path=ppt/slideLayouts/slideLayout9.xml><?xml version="1.0" encoding="utf-8"?>
+<file path=ppt/slideLayouts/slideLayout7.xml><?xml version="1.0" encoding="utf-8"?>
 <p:sldLayout xmlns:a="http://schemas.openxmlformats.org/drawingml/2006/main" xmlns:p="http://schemas.openxmlformats.org/presentationml/2006/main" xmlns:r="http://schemas.openxmlformats.org/officeDocument/2006/relationships" xmlns:p14="http://schemas.microsoft.com/office/powerpoint/2010/main" xmlns:p15="http://schemas.microsoft.com/office/powerpoint/2012/main" xmlns:mc="http://schemas.openxmlformats.org/markup-compatibility/2006" type="blank" preserve="1">
   <p:cSld name="1_Two Content">
     <p:spTree>
@@ -905,7 +632,7 @@
         <p:txBody>
           <a:bodyPr/>
           <a:p>
-            <a:fld id="{06DEB7A9-4E21-4EEA-A445-CD6C8EF6EDE4}" type="slidenum">
+            <a:fld id="{393F49EB-57DE-4DA5-BC34-310D01584279}" type="slidenum">
               <a:t>&lt;#&gt;</a:t>
             </a:fld>
           </a:p>
@@ -919,6 +646,172 @@
           </p:cNvSpPr>
           <p:nvPr>
             <p:ph type="dt" idx="16"/>
+          </p:nvPr>
+        </p:nvSpPr>
+        <p:spPr/>
+        <p:txBody>
+          <a:bodyPr/>
+          <a:p>
+            <a:r>
+              <a:rPr lang="en-US"/>
+              <a:t/>
+            </a:r>
+          </a:p>
+        </p:txBody>
+      </p:sp>
+    </p:spTree>
+  </p:cSld>
+</p:sldLayout>
+</file>
+
+<file path=ppt/slideLayouts/slideLayout8.xml><?xml version="1.0" encoding="utf-8"?>
+<p:sldLayout xmlns:a="http://schemas.openxmlformats.org/drawingml/2006/main" xmlns:p="http://schemas.openxmlformats.org/presentationml/2006/main" xmlns:r="http://schemas.openxmlformats.org/officeDocument/2006/relationships" xmlns:p14="http://schemas.microsoft.com/office/powerpoint/2010/main" xmlns:p15="http://schemas.microsoft.com/office/powerpoint/2012/main" xmlns:mc="http://schemas.openxmlformats.org/markup-compatibility/2006" type="blank" preserve="1">
+  <p:cSld name="1_Comparison">
+    <p:spTree>
+      <p:nvGrpSpPr>
+        <p:cNvPr id="1" name=""/>
+        <p:cNvGrpSpPr/>
+        <p:nvPr/>
+      </p:nvGrpSpPr>
+      <p:grpSpPr>
+        <a:xfrm>
+          <a:off x="0" y="0"/>
+          <a:ext cx="0" cy="0"/>
+          <a:chOff x="0" y="0"/>
+          <a:chExt cx="0" cy="0"/>
+        </a:xfrm>
+      </p:grpSpPr>
+      <p:sp>
+        <p:nvSpPr>
+          <p:cNvPr id="2" name="PlaceHolder 1"/>
+          <p:cNvSpPr>
+            <a:spLocks noGrp="1"/>
+          </p:cNvSpPr>
+          <p:nvPr>
+            <p:ph type="ftr" idx="20"/>
+          </p:nvPr>
+        </p:nvSpPr>
+        <p:spPr/>
+        <p:txBody>
+          <a:bodyPr/>
+          <a:p>
+            <a:r>
+              <a:t>Footer</a:t>
+            </a:r>
+          </a:p>
+        </p:txBody>
+      </p:sp>
+      <p:sp>
+        <p:nvSpPr>
+          <p:cNvPr id="3" name="PlaceHolder 2"/>
+          <p:cNvSpPr>
+            <a:spLocks noGrp="1"/>
+          </p:cNvSpPr>
+          <p:nvPr>
+            <p:ph type="sldNum" idx="21"/>
+          </p:nvPr>
+        </p:nvSpPr>
+        <p:spPr/>
+        <p:txBody>
+          <a:bodyPr/>
+          <a:p>
+            <a:fld id="{4A84B13B-5A26-4195-9170-E9612AA9ADA0}" type="slidenum">
+              <a:t>&lt;#&gt;</a:t>
+            </a:fld>
+          </a:p>
+        </p:txBody>
+      </p:sp>
+      <p:sp>
+        <p:nvSpPr>
+          <p:cNvPr id="4" name="PlaceHolder 3"/>
+          <p:cNvSpPr>
+            <a:spLocks noGrp="1"/>
+          </p:cNvSpPr>
+          <p:nvPr>
+            <p:ph type="dt" idx="19"/>
+          </p:nvPr>
+        </p:nvSpPr>
+        <p:spPr/>
+        <p:txBody>
+          <a:bodyPr/>
+          <a:p>
+            <a:r>
+              <a:rPr lang="en-US"/>
+              <a:t/>
+            </a:r>
+          </a:p>
+        </p:txBody>
+      </p:sp>
+    </p:spTree>
+  </p:cSld>
+</p:sldLayout>
+</file>
+
+<file path=ppt/slideLayouts/slideLayout9.xml><?xml version="1.0" encoding="utf-8"?>
+<p:sldLayout xmlns:a="http://schemas.openxmlformats.org/drawingml/2006/main" xmlns:p="http://schemas.openxmlformats.org/presentationml/2006/main" xmlns:r="http://schemas.openxmlformats.org/officeDocument/2006/relationships" xmlns:p14="http://schemas.microsoft.com/office/powerpoint/2010/main" xmlns:p15="http://schemas.microsoft.com/office/powerpoint/2012/main" xmlns:mc="http://schemas.openxmlformats.org/markup-compatibility/2006" type="blank" preserve="1">
+  <p:cSld name="2_Two Content">
+    <p:spTree>
+      <p:nvGrpSpPr>
+        <p:cNvPr id="1" name=""/>
+        <p:cNvGrpSpPr/>
+        <p:nvPr/>
+      </p:nvGrpSpPr>
+      <p:grpSpPr>
+        <a:xfrm>
+          <a:off x="0" y="0"/>
+          <a:ext cx="0" cy="0"/>
+          <a:chOff x="0" y="0"/>
+          <a:chExt cx="0" cy="0"/>
+        </a:xfrm>
+      </p:grpSpPr>
+      <p:sp>
+        <p:nvSpPr>
+          <p:cNvPr id="2" name="PlaceHolder 1"/>
+          <p:cNvSpPr>
+            <a:spLocks noGrp="1"/>
+          </p:cNvSpPr>
+          <p:nvPr>
+            <p:ph type="ftr" idx="23"/>
+          </p:nvPr>
+        </p:nvSpPr>
+        <p:spPr/>
+        <p:txBody>
+          <a:bodyPr/>
+          <a:p>
+            <a:r>
+              <a:t>Footer</a:t>
+            </a:r>
+          </a:p>
+        </p:txBody>
+      </p:sp>
+      <p:sp>
+        <p:nvSpPr>
+          <p:cNvPr id="3" name="PlaceHolder 2"/>
+          <p:cNvSpPr>
+            <a:spLocks noGrp="1"/>
+          </p:cNvSpPr>
+          <p:nvPr>
+            <p:ph type="sldNum" idx="24"/>
+          </p:nvPr>
+        </p:nvSpPr>
+        <p:spPr/>
+        <p:txBody>
+          <a:bodyPr/>
+          <a:p>
+            <a:fld id="{1C1D3EB5-1EA6-47B5-99CD-1FC654996857}" type="slidenum">
+              <a:t>&lt;#&gt;</a:t>
+            </a:fld>
+          </a:p>
+        </p:txBody>
+      </p:sp>
+      <p:sp>
+        <p:nvSpPr>
+          <p:cNvPr id="4" name="PlaceHolder 3"/>
+          <p:cNvSpPr>
+            <a:spLocks noGrp="1"/>
+          </p:cNvSpPr>
+          <p:nvPr>
+            <p:ph type="dt" idx="22"/>
           </p:nvPr>
         </p:nvSpPr>
         <p:spPr/>
@@ -1293,7 +1186,7 @@
       </p:grpSpPr>
       <p:sp>
         <p:nvSpPr>
-          <p:cNvPr id="38" name="PlaceHolder 1"/>
+          <p:cNvPr id="40" name="PlaceHolder 1"/>
           <p:cNvSpPr>
             <a:spLocks noGrp="1"/>
           </p:cNvSpPr>
@@ -1361,7 +1254,7 @@
       </p:sp>
       <p:sp>
         <p:nvSpPr>
-          <p:cNvPr id="39" name="PlaceHolder 2"/>
+          <p:cNvPr id="41" name="PlaceHolder 2"/>
           <p:cNvSpPr>
             <a:spLocks noGrp="1"/>
           </p:cNvSpPr>
@@ -1421,7 +1314,7 @@
       </p:sp>
       <p:sp>
         <p:nvSpPr>
-          <p:cNvPr id="40" name="PlaceHolder 3"/>
+          <p:cNvPr id="42" name="PlaceHolder 3"/>
           <p:cNvSpPr>
             <a:spLocks noGrp="1"/>
           </p:cNvSpPr>
@@ -1468,7 +1361,7 @@
               </a:lnSpc>
               <a:buNone/>
             </a:pPr>
-            <a:fld id="{78008EF7-9AD8-4E66-BEB5-3839F7478A97}" type="slidenum">
+            <a:fld id="{4862D277-B15F-4F64-A586-9FAA42A725E1}" type="slidenum">
               <a:rPr b="1" lang="en-US" sz="1200" spc="-1" strike="noStrike">
                 <a:solidFill>
                   <a:srgbClr val="c00000"/>
@@ -1489,7 +1382,7 @@
       </p:sp>
       <p:sp>
         <p:nvSpPr>
-          <p:cNvPr id="41" name="PlaceHolder 4"/>
+          <p:cNvPr id="43" name="PlaceHolder 4"/>
           <p:cNvSpPr>
             <a:spLocks noGrp="1"/>
           </p:cNvSpPr>
@@ -1542,7 +1435,7 @@
       </p:sp>
       <p:sp>
         <p:nvSpPr>
-          <p:cNvPr id="42" name="PlaceHolder 5"/>
+          <p:cNvPr id="44" name="PlaceHolder 5"/>
           <p:cNvSpPr>
             <a:spLocks noGrp="1"/>
           </p:cNvSpPr>
@@ -1568,7 +1461,7 @@
             <a:noAutofit/>
           </a:bodyPr>
           <a:p>
-            <a:pPr marL="228600" indent="-228600" defTabSz="914400">
+            <a:pPr marL="432000" indent="-324000" defTabSz="914400">
               <a:lnSpc>
                 <a:spcPct val="90000"/>
               </a:lnSpc>
@@ -1578,8 +1471,9 @@
               <a:buClr>
                 <a:srgbClr val="000000"/>
               </a:buClr>
-              <a:buFont typeface="Arial"/>
-              <a:buChar char="•"/>
+              <a:buSzPct val="45000"/>
+              <a:buFont typeface="Wingdings" charset="2"/>
+              <a:buChar char=""/>
             </a:pPr>
             <a:r>
               <a:rPr b="0" lang="en-US" sz="2800" spc="-1" strike="noStrike">
@@ -1599,7 +1493,7 @@
             </a:endParaRPr>
           </a:p>
           <a:p>
-            <a:pPr lvl="1" marL="685800" indent="-228600" defTabSz="914400">
+            <a:pPr lvl="1" marL="864000" indent="-324000" defTabSz="914400">
               <a:lnSpc>
                 <a:spcPct val="90000"/>
               </a:lnSpc>
@@ -1609,8 +1503,9 @@
               <a:buClr>
                 <a:srgbClr val="000000"/>
               </a:buClr>
-              <a:buFont typeface="Arial"/>
-              <a:buChar char="•"/>
+              <a:buSzPct val="75000"/>
+              <a:buFont typeface="Symbol" charset="2"/>
+              <a:buChar char=""/>
             </a:pPr>
             <a:r>
               <a:rPr b="0" lang="en-US" sz="2400" spc="-1" strike="noStrike">
@@ -1630,7 +1525,7 @@
             </a:endParaRPr>
           </a:p>
           <a:p>
-            <a:pPr lvl="2" marL="1143000" indent="-228600" defTabSz="914400">
+            <a:pPr lvl="2" marL="1296000" indent="-288000" defTabSz="914400">
               <a:lnSpc>
                 <a:spcPct val="90000"/>
               </a:lnSpc>
@@ -1640,8 +1535,9 @@
               <a:buClr>
                 <a:srgbClr val="000000"/>
               </a:buClr>
-              <a:buFont typeface="Arial"/>
-              <a:buChar char="•"/>
+              <a:buSzPct val="45000"/>
+              <a:buFont typeface="Wingdings" charset="2"/>
+              <a:buChar char=""/>
             </a:pPr>
             <a:r>
               <a:rPr b="0" lang="en-US" sz="2000" spc="-1" strike="noStrike">
@@ -1661,7 +1557,7 @@
             </a:endParaRPr>
           </a:p>
           <a:p>
-            <a:pPr lvl="3" marL="1600200" indent="-228600" defTabSz="914400">
+            <a:pPr lvl="3" marL="1728000" indent="-216000" defTabSz="914400">
               <a:lnSpc>
                 <a:spcPct val="90000"/>
               </a:lnSpc>
@@ -1671,8 +1567,9 @@
               <a:buClr>
                 <a:srgbClr val="000000"/>
               </a:buClr>
-              <a:buFont typeface="Arial"/>
-              <a:buChar char="•"/>
+              <a:buSzPct val="75000"/>
+              <a:buFont typeface="Symbol" charset="2"/>
+              <a:buChar char=""/>
             </a:pPr>
             <a:r>
               <a:rPr b="0" lang="en-US" sz="1800" spc="-1" strike="noStrike">
@@ -1692,7 +1589,7 @@
             </a:endParaRPr>
           </a:p>
           <a:p>
-            <a:pPr lvl="4" marL="2057400" indent="-228600" defTabSz="914400">
+            <a:pPr lvl="4" marL="2160000" indent="-216000" defTabSz="914400">
               <a:lnSpc>
                 <a:spcPct val="90000"/>
               </a:lnSpc>
@@ -1702,8 +1599,9 @@
               <a:buClr>
                 <a:srgbClr val="000000"/>
               </a:buClr>
-              <a:buFont typeface="Arial"/>
-              <a:buChar char="•"/>
+              <a:buSzPct val="45000"/>
+              <a:buFont typeface="Wingdings" charset="2"/>
+              <a:buChar char=""/>
             </a:pPr>
             <a:r>
               <a:rPr b="0" lang="en-US" sz="1800" spc="-1" strike="noStrike">
@@ -1728,7 +1626,7 @@
   </p:cSld>
   <p:clrMap bg1="lt1" bg2="lt2" tx1="dk1" tx2="dk2" accent1="accent1" accent2="accent2" accent3="accent3" accent4="accent4" accent5="accent5" accent6="accent6" hlink="hlink" folHlink="folHlink"/>
   <p:sldLayoutIdLst>
-    <p:sldLayoutId id="2147483667" r:id="rId3"/>
+    <p:sldLayoutId id="2147483665" r:id="rId3"/>
   </p:sldLayoutIdLst>
 </p:sldMaster>
 </file>
@@ -1760,7 +1658,7 @@
       </p:grpSpPr>
       <p:sp>
         <p:nvSpPr>
-          <p:cNvPr id="43" name="PlaceHolder 1"/>
+          <p:cNvPr id="45" name="PlaceHolder 1"/>
           <p:cNvSpPr>
             <a:spLocks noGrp="1"/>
           </p:cNvSpPr>
@@ -1828,7 +1726,7 @@
       </p:sp>
       <p:sp>
         <p:nvSpPr>
-          <p:cNvPr id="44" name="PlaceHolder 2"/>
+          <p:cNvPr id="46" name="PlaceHolder 2"/>
           <p:cNvSpPr>
             <a:spLocks noGrp="1"/>
           </p:cNvSpPr>
@@ -1888,7 +1786,7 @@
       </p:sp>
       <p:sp>
         <p:nvSpPr>
-          <p:cNvPr id="45" name="PlaceHolder 3"/>
+          <p:cNvPr id="47" name="PlaceHolder 3"/>
           <p:cNvSpPr>
             <a:spLocks noGrp="1"/>
           </p:cNvSpPr>
@@ -1935,7 +1833,7 @@
               </a:lnSpc>
               <a:buNone/>
             </a:pPr>
-            <a:fld id="{A6DDD0A3-169A-42B0-8FDD-36F4F828A02C}" type="slidenum">
+            <a:fld id="{7FAB1929-04F2-4B7A-91CA-2A29AB033E54}" type="slidenum">
               <a:rPr b="1" lang="en-US" sz="1200" spc="-1" strike="noStrike">
                 <a:solidFill>
                   <a:srgbClr val="c00000"/>
@@ -1956,7 +1854,7 @@
       </p:sp>
       <p:sp>
         <p:nvSpPr>
-          <p:cNvPr id="46" name="PlaceHolder 4"/>
+          <p:cNvPr id="48" name="PlaceHolder 4"/>
           <p:cNvSpPr>
             <a:spLocks noGrp="1"/>
           </p:cNvSpPr>
@@ -1982,7 +1880,7 @@
             <a:noAutofit/>
           </a:bodyPr>
           <a:p>
-            <a:pPr marL="228600" indent="-228600" defTabSz="914400">
+            <a:pPr marL="432000" indent="-324000" defTabSz="914400">
               <a:lnSpc>
                 <a:spcPct val="90000"/>
               </a:lnSpc>
@@ -1992,8 +1890,9 @@
               <a:buClr>
                 <a:srgbClr val="000000"/>
               </a:buClr>
-              <a:buFont typeface="Arial"/>
-              <a:buChar char="•"/>
+              <a:buSzPct val="45000"/>
+              <a:buFont typeface="Wingdings" charset="2"/>
+              <a:buChar char=""/>
             </a:pPr>
             <a:r>
               <a:rPr b="0" lang="en-US" sz="2800" spc="-1" strike="noStrike">
@@ -2013,7 +1912,7 @@
             </a:endParaRPr>
           </a:p>
           <a:p>
-            <a:pPr lvl="1" marL="685800" indent="-228600" defTabSz="914400">
+            <a:pPr lvl="1" marL="864000" indent="-324000" defTabSz="914400">
               <a:lnSpc>
                 <a:spcPct val="90000"/>
               </a:lnSpc>
@@ -2023,8 +1922,9 @@
               <a:buClr>
                 <a:srgbClr val="000000"/>
               </a:buClr>
-              <a:buFont typeface="Arial"/>
-              <a:buChar char="•"/>
+              <a:buSzPct val="75000"/>
+              <a:buFont typeface="Symbol" charset="2"/>
+              <a:buChar char=""/>
             </a:pPr>
             <a:r>
               <a:rPr b="0" lang="en-US" sz="2400" spc="-1" strike="noStrike">
@@ -2044,7 +1944,7 @@
             </a:endParaRPr>
           </a:p>
           <a:p>
-            <a:pPr lvl="2" marL="1143000" indent="-228600" defTabSz="914400">
+            <a:pPr lvl="2" marL="1296000" indent="-288000" defTabSz="914400">
               <a:lnSpc>
                 <a:spcPct val="90000"/>
               </a:lnSpc>
@@ -2054,8 +1954,9 @@
               <a:buClr>
                 <a:srgbClr val="000000"/>
               </a:buClr>
-              <a:buFont typeface="Arial"/>
-              <a:buChar char="•"/>
+              <a:buSzPct val="45000"/>
+              <a:buFont typeface="Wingdings" charset="2"/>
+              <a:buChar char=""/>
             </a:pPr>
             <a:r>
               <a:rPr b="0" lang="en-US" sz="2000" spc="-1" strike="noStrike">
@@ -2075,7 +1976,7 @@
             </a:endParaRPr>
           </a:p>
           <a:p>
-            <a:pPr lvl="3" marL="1600200" indent="-228600" defTabSz="914400">
+            <a:pPr lvl="3" marL="1728000" indent="-216000" defTabSz="914400">
               <a:lnSpc>
                 <a:spcPct val="90000"/>
               </a:lnSpc>
@@ -2085,8 +1986,9 @@
               <a:buClr>
                 <a:srgbClr val="000000"/>
               </a:buClr>
-              <a:buFont typeface="Arial"/>
-              <a:buChar char="•"/>
+              <a:buSzPct val="75000"/>
+              <a:buFont typeface="Symbol" charset="2"/>
+              <a:buChar char=""/>
             </a:pPr>
             <a:r>
               <a:rPr b="0" lang="en-US" sz="1800" spc="-1" strike="noStrike">
@@ -2106,7 +2008,7 @@
             </a:endParaRPr>
           </a:p>
           <a:p>
-            <a:pPr lvl="4" marL="2057400" indent="-228600" defTabSz="914400">
+            <a:pPr lvl="4" marL="2160000" indent="-216000" defTabSz="914400">
               <a:lnSpc>
                 <a:spcPct val="90000"/>
               </a:lnSpc>
@@ -2116,8 +2018,9 @@
               <a:buClr>
                 <a:srgbClr val="000000"/>
               </a:buClr>
-              <a:buFont typeface="Arial"/>
-              <a:buChar char="•"/>
+              <a:buSzPct val="45000"/>
+              <a:buFont typeface="Wingdings" charset="2"/>
+              <a:buChar char=""/>
             </a:pPr>
             <a:r>
               <a:rPr b="0" lang="en-US" sz="1800" spc="-1" strike="noStrike">
@@ -2140,7 +2043,7 @@
       </p:sp>
       <p:sp>
         <p:nvSpPr>
-          <p:cNvPr id="47" name="PlaceHolder 5"/>
+          <p:cNvPr id="49" name="PlaceHolder 5"/>
           <p:cNvSpPr>
             <a:spLocks noGrp="1"/>
           </p:cNvSpPr>
@@ -2324,7 +2227,7 @@
       </p:sp>
       <p:sp>
         <p:nvSpPr>
-          <p:cNvPr id="48" name="PlaceHolder 6"/>
+          <p:cNvPr id="50" name="PlaceHolder 6"/>
           <p:cNvSpPr>
             <a:spLocks noGrp="1"/>
           </p:cNvSpPr>
@@ -2379,7 +2282,7 @@
   </p:cSld>
   <p:clrMap bg1="lt1" bg2="lt2" tx1="dk1" tx2="dk2" accent1="accent1" accent2="accent2" accent3="accent3" accent4="accent4" accent5="accent5" accent6="accent6" hlink="hlink" folHlink="folHlink"/>
   <p:sldLayoutIdLst>
-    <p:sldLayoutId id="2147483669" r:id="rId3"/>
+    <p:sldLayoutId id="2147483667" r:id="rId3"/>
   </p:sldLayoutIdLst>
 </p:sldMaster>
 </file>
@@ -2411,7 +2314,7 @@
       </p:grpSpPr>
       <p:sp>
         <p:nvSpPr>
-          <p:cNvPr id="49" name="PlaceHolder 1"/>
+          <p:cNvPr id="51" name="PlaceHolder 1"/>
           <p:cNvSpPr>
             <a:spLocks noGrp="1"/>
           </p:cNvSpPr>
@@ -2464,7 +2367,7 @@
       </p:sp>
       <p:sp>
         <p:nvSpPr>
-          <p:cNvPr id="50" name="PlaceHolder 2"/>
+          <p:cNvPr id="52" name="PlaceHolder 2"/>
           <p:cNvSpPr>
             <a:spLocks noGrp="1"/>
           </p:cNvSpPr>
@@ -2490,7 +2393,7 @@
             <a:noAutofit/>
           </a:bodyPr>
           <a:p>
-            <a:pPr marL="228600" indent="-228600" defTabSz="914400">
+            <a:pPr marL="432000" indent="-324000" defTabSz="914400">
               <a:lnSpc>
                 <a:spcPct val="90000"/>
               </a:lnSpc>
@@ -2500,8 +2403,9 @@
               <a:buClr>
                 <a:srgbClr val="000000"/>
               </a:buClr>
-              <a:buFont typeface="Arial"/>
-              <a:buChar char="•"/>
+              <a:buSzPct val="45000"/>
+              <a:buFont typeface="Wingdings" charset="2"/>
+              <a:buChar char=""/>
             </a:pPr>
             <a:r>
               <a:rPr b="0" lang="en-US" sz="2800" spc="-1" strike="noStrike">
@@ -2521,7 +2425,7 @@
             </a:endParaRPr>
           </a:p>
           <a:p>
-            <a:pPr lvl="1" marL="685800" indent="-228600" defTabSz="914400">
+            <a:pPr lvl="1" marL="864000" indent="-324000" defTabSz="914400">
               <a:lnSpc>
                 <a:spcPct val="90000"/>
               </a:lnSpc>
@@ -2531,8 +2435,9 @@
               <a:buClr>
                 <a:srgbClr val="000000"/>
               </a:buClr>
-              <a:buFont typeface="Arial"/>
-              <a:buChar char="•"/>
+              <a:buSzPct val="75000"/>
+              <a:buFont typeface="Symbol" charset="2"/>
+              <a:buChar char=""/>
             </a:pPr>
             <a:r>
               <a:rPr b="0" lang="en-US" sz="2400" spc="-1" strike="noStrike">
@@ -2552,7 +2457,7 @@
             </a:endParaRPr>
           </a:p>
           <a:p>
-            <a:pPr lvl="2" marL="1143000" indent="-228600" defTabSz="914400">
+            <a:pPr lvl="2" marL="1296000" indent="-288000" defTabSz="914400">
               <a:lnSpc>
                 <a:spcPct val="90000"/>
               </a:lnSpc>
@@ -2562,8 +2467,9 @@
               <a:buClr>
                 <a:srgbClr val="000000"/>
               </a:buClr>
-              <a:buFont typeface="Arial"/>
-              <a:buChar char="•"/>
+              <a:buSzPct val="45000"/>
+              <a:buFont typeface="Wingdings" charset="2"/>
+              <a:buChar char=""/>
             </a:pPr>
             <a:r>
               <a:rPr b="0" lang="en-US" sz="2000" spc="-1" strike="noStrike">
@@ -2583,7 +2489,7 @@
             </a:endParaRPr>
           </a:p>
           <a:p>
-            <a:pPr lvl="3" marL="1600200" indent="-228600" defTabSz="914400">
+            <a:pPr lvl="3" marL="1728000" indent="-216000" defTabSz="914400">
               <a:lnSpc>
                 <a:spcPct val="90000"/>
               </a:lnSpc>
@@ -2593,8 +2499,9 @@
               <a:buClr>
                 <a:srgbClr val="000000"/>
               </a:buClr>
-              <a:buFont typeface="Arial"/>
-              <a:buChar char="•"/>
+              <a:buSzPct val="75000"/>
+              <a:buFont typeface="Symbol" charset="2"/>
+              <a:buChar char=""/>
             </a:pPr>
             <a:r>
               <a:rPr b="0" lang="en-US" sz="1800" spc="-1" strike="noStrike">
@@ -2614,7 +2521,7 @@
             </a:endParaRPr>
           </a:p>
           <a:p>
-            <a:pPr lvl="4" marL="2057400" indent="-228600" defTabSz="914400">
+            <a:pPr lvl="4" marL="2160000" indent="-216000" defTabSz="914400">
               <a:lnSpc>
                 <a:spcPct val="90000"/>
               </a:lnSpc>
@@ -2624,8 +2531,9 @@
               <a:buClr>
                 <a:srgbClr val="000000"/>
               </a:buClr>
-              <a:buFont typeface="Arial"/>
-              <a:buChar char="•"/>
+              <a:buSzPct val="45000"/>
+              <a:buFont typeface="Wingdings" charset="2"/>
+              <a:buChar char=""/>
             </a:pPr>
             <a:r>
               <a:rPr b="0" lang="en-US" sz="1800" spc="-1" strike="noStrike">
@@ -2648,7 +2556,7 @@
       </p:sp>
       <p:sp>
         <p:nvSpPr>
-          <p:cNvPr id="51" name="PlaceHolder 3"/>
+          <p:cNvPr id="53" name="PlaceHolder 3"/>
           <p:cNvSpPr>
             <a:spLocks noGrp="1"/>
           </p:cNvSpPr>
@@ -2720,7 +2628,7 @@
       </p:sp>
       <p:sp>
         <p:nvSpPr>
-          <p:cNvPr id="52" name="PlaceHolder 4"/>
+          <p:cNvPr id="54" name="PlaceHolder 4"/>
           <p:cNvSpPr>
             <a:spLocks noGrp="1"/>
           </p:cNvSpPr>
@@ -2780,7 +2688,7 @@
       </p:sp>
       <p:sp>
         <p:nvSpPr>
-          <p:cNvPr id="53" name="PlaceHolder 5"/>
+          <p:cNvPr id="55" name="PlaceHolder 5"/>
           <p:cNvSpPr>
             <a:spLocks noGrp="1"/>
           </p:cNvSpPr>
@@ -2827,7 +2735,7 @@
               </a:lnSpc>
               <a:buNone/>
             </a:pPr>
-            <a:fld id="{7533E9D8-8BF9-46E8-BD5A-49E9802E7D26}" type="slidenum">
+            <a:fld id="{6AD1349D-EC0E-41C0-A987-D043FBA1F47E}" type="slidenum">
               <a:rPr b="1" lang="en-US" sz="1200" spc="-1" strike="noStrike">
                 <a:solidFill>
                   <a:srgbClr val="c00000"/>
@@ -2849,9 +2757,7 @@
     </p:spTree>
   </p:cSld>
   <p:clrMap bg1="lt1" bg2="lt2" tx1="dk1" tx2="dk2" accent1="accent1" accent2="accent2" accent3="accent3" accent4="accent4" accent5="accent5" accent6="accent6" hlink="hlink" folHlink="folHlink"/>
-  <p:sldLayoutIdLst>
-    <p:sldLayoutId id="2147483671" r:id="rId3"/>
-  </p:sldLayoutIdLst>
+  <p:sldLayoutIdLst/>
 </p:sldMaster>
 </file>
 
@@ -2882,7 +2788,7 @@
       </p:grpSpPr>
       <p:sp>
         <p:nvSpPr>
-          <p:cNvPr id="54" name="PlaceHolder 1"/>
+          <p:cNvPr id="56" name="PlaceHolder 1"/>
           <p:cNvSpPr>
             <a:spLocks noGrp="1"/>
           </p:cNvSpPr>
@@ -2935,7 +2841,7 @@
       </p:sp>
       <p:sp>
         <p:nvSpPr>
-          <p:cNvPr id="55" name="PlaceHolder 2"/>
+          <p:cNvPr id="57" name="PlaceHolder 2"/>
           <p:cNvSpPr>
             <a:spLocks noGrp="1"/>
           </p:cNvSpPr>
@@ -2961,7 +2867,7 @@
             <a:noAutofit/>
           </a:bodyPr>
           <a:p>
-            <a:pPr marL="228600" indent="-228600" defTabSz="914400">
+            <a:pPr marL="432000" indent="-324000" defTabSz="914400">
               <a:lnSpc>
                 <a:spcPct val="90000"/>
               </a:lnSpc>
@@ -2971,8 +2877,9 @@
               <a:buClr>
                 <a:srgbClr val="000000"/>
               </a:buClr>
-              <a:buFont typeface="Arial"/>
-              <a:buChar char="•"/>
+              <a:buSzPct val="45000"/>
+              <a:buFont typeface="Wingdings" charset="2"/>
+              <a:buChar char=""/>
             </a:pPr>
             <a:r>
               <a:rPr b="0" lang="en-US" sz="2800" spc="-1" strike="noStrike">
@@ -2992,7 +2899,7 @@
             </a:endParaRPr>
           </a:p>
           <a:p>
-            <a:pPr lvl="1" marL="685800" indent="-228600" defTabSz="914400">
+            <a:pPr lvl="1" marL="864000" indent="-324000" defTabSz="914400">
               <a:lnSpc>
                 <a:spcPct val="90000"/>
               </a:lnSpc>
@@ -3002,8 +2909,9 @@
               <a:buClr>
                 <a:srgbClr val="000000"/>
               </a:buClr>
-              <a:buFont typeface="Arial"/>
-              <a:buChar char="•"/>
+              <a:buSzPct val="75000"/>
+              <a:buFont typeface="Symbol" charset="2"/>
+              <a:buChar char=""/>
             </a:pPr>
             <a:r>
               <a:rPr b="0" lang="en-US" sz="2400" spc="-1" strike="noStrike">
@@ -3023,7 +2931,7 @@
             </a:endParaRPr>
           </a:p>
           <a:p>
-            <a:pPr lvl="2" marL="1143000" indent="-228600" defTabSz="914400">
+            <a:pPr lvl="2" marL="1296000" indent="-288000" defTabSz="914400">
               <a:lnSpc>
                 <a:spcPct val="90000"/>
               </a:lnSpc>
@@ -3033,8 +2941,9 @@
               <a:buClr>
                 <a:srgbClr val="000000"/>
               </a:buClr>
-              <a:buFont typeface="Arial"/>
-              <a:buChar char="•"/>
+              <a:buSzPct val="45000"/>
+              <a:buFont typeface="Wingdings" charset="2"/>
+              <a:buChar char=""/>
             </a:pPr>
             <a:r>
               <a:rPr b="0" lang="en-US" sz="2000" spc="-1" strike="noStrike">
@@ -3054,7 +2963,7 @@
             </a:endParaRPr>
           </a:p>
           <a:p>
-            <a:pPr lvl="3" marL="1600200" indent="-228600" defTabSz="914400">
+            <a:pPr lvl="3" marL="1728000" indent="-216000" defTabSz="914400">
               <a:lnSpc>
                 <a:spcPct val="90000"/>
               </a:lnSpc>
@@ -3064,8 +2973,9 @@
               <a:buClr>
                 <a:srgbClr val="000000"/>
               </a:buClr>
-              <a:buFont typeface="Arial"/>
-              <a:buChar char="•"/>
+              <a:buSzPct val="75000"/>
+              <a:buFont typeface="Symbol" charset="2"/>
+              <a:buChar char=""/>
             </a:pPr>
             <a:r>
               <a:rPr b="0" lang="en-US" sz="1800" spc="-1" strike="noStrike">
@@ -3085,7 +2995,7 @@
             </a:endParaRPr>
           </a:p>
           <a:p>
-            <a:pPr lvl="4" marL="2057400" indent="-228600" defTabSz="914400">
+            <a:pPr lvl="4" marL="2160000" indent="-216000" defTabSz="914400">
               <a:lnSpc>
                 <a:spcPct val="90000"/>
               </a:lnSpc>
@@ -3095,8 +3005,9 @@
               <a:buClr>
                 <a:srgbClr val="000000"/>
               </a:buClr>
-              <a:buFont typeface="Arial"/>
-              <a:buChar char="•"/>
+              <a:buSzPct val="45000"/>
+              <a:buFont typeface="Wingdings" charset="2"/>
+              <a:buChar char=""/>
             </a:pPr>
             <a:r>
               <a:rPr b="0" lang="en-US" sz="1800" spc="-1" strike="noStrike">
@@ -3119,7 +3030,7 @@
       </p:sp>
       <p:sp>
         <p:nvSpPr>
-          <p:cNvPr id="56" name="PlaceHolder 3"/>
+          <p:cNvPr id="58" name="PlaceHolder 3"/>
           <p:cNvSpPr>
             <a:spLocks noGrp="1"/>
           </p:cNvSpPr>
@@ -3303,7 +3214,7 @@
       </p:sp>
       <p:sp>
         <p:nvSpPr>
-          <p:cNvPr id="57" name="PlaceHolder 4"/>
+          <p:cNvPr id="59" name="PlaceHolder 4"/>
           <p:cNvSpPr>
             <a:spLocks noGrp="1"/>
           </p:cNvSpPr>
@@ -3375,7 +3286,7 @@
       </p:sp>
       <p:sp>
         <p:nvSpPr>
-          <p:cNvPr id="58" name="PlaceHolder 5"/>
+          <p:cNvPr id="60" name="PlaceHolder 5"/>
           <p:cNvSpPr>
             <a:spLocks noGrp="1"/>
           </p:cNvSpPr>
@@ -3435,7 +3346,7 @@
       </p:sp>
       <p:sp>
         <p:nvSpPr>
-          <p:cNvPr id="59" name="PlaceHolder 6"/>
+          <p:cNvPr id="61" name="PlaceHolder 6"/>
           <p:cNvSpPr>
             <a:spLocks noGrp="1"/>
           </p:cNvSpPr>
@@ -3484,7 +3395,7 @@
               </a:lnSpc>
               <a:buNone/>
             </a:pPr>
-            <a:fld id="{70CB813F-DC98-4D37-A2CA-7E04DB6C6476}" type="slidenum">
+            <a:fld id="{A0C28212-C776-4F63-9816-FFC495AFDAAE}" type="slidenum">
               <a:rPr b="1" lang="en-US" sz="1200" spc="-1" strike="noStrike">
                 <a:solidFill>
                   <a:schemeClr val="accent1">
@@ -3509,7 +3420,7 @@
   </p:cSld>
   <p:clrMap bg1="lt1" bg2="lt2" tx1="dk1" tx2="dk2" accent1="accent1" accent2="accent2" accent3="accent3" accent4="accent4" accent5="accent5" accent6="accent6" hlink="hlink" folHlink="folHlink"/>
   <p:sldLayoutIdLst>
-    <p:sldLayoutId id="2147483673" r:id="rId3"/>
+    <p:sldLayoutId id="2147483670" r:id="rId3"/>
   </p:sldLayoutIdLst>
 </p:sldMaster>
 </file>
@@ -3541,7 +3452,7 @@
       </p:grpSpPr>
       <p:sp>
         <p:nvSpPr>
-          <p:cNvPr id="2" name="PlaceHolder 1"/>
+          <p:cNvPr id="4" name="PlaceHolder 1"/>
           <p:cNvSpPr>
             <a:spLocks noGrp="1"/>
           </p:cNvSpPr>
@@ -3609,7 +3520,7 @@
       </p:sp>
       <p:sp>
         <p:nvSpPr>
-          <p:cNvPr id="3" name="PlaceHolder 2"/>
+          <p:cNvPr id="5" name="PlaceHolder 2"/>
           <p:cNvSpPr>
             <a:spLocks noGrp="1"/>
           </p:cNvSpPr>
@@ -3669,7 +3580,7 @@
       </p:sp>
       <p:sp>
         <p:nvSpPr>
-          <p:cNvPr id="4" name="PlaceHolder 3"/>
+          <p:cNvPr id="6" name="PlaceHolder 3"/>
           <p:cNvSpPr>
             <a:spLocks noGrp="1"/>
           </p:cNvSpPr>
@@ -3716,7 +3627,7 @@
               </a:lnSpc>
               <a:buNone/>
             </a:pPr>
-            <a:fld id="{B44B97EB-1E5C-47DD-85CB-F24FD0B2BBB3}" type="slidenum">
+            <a:fld id="{CAC89D24-EDCE-4E6B-8FB9-62C3234B9007}" type="slidenum">
               <a:rPr b="1" lang="en-US" sz="1200" spc="-1" strike="noStrike">
                 <a:solidFill>
                   <a:srgbClr val="c00000"/>
@@ -3737,7 +3648,7 @@
       </p:sp>
       <p:sp>
         <p:nvSpPr>
-          <p:cNvPr id="5" name="PlaceHolder 4"/>
+          <p:cNvPr id="7" name="PlaceHolder 4"/>
           <p:cNvSpPr>
             <a:spLocks noGrp="1"/>
           </p:cNvSpPr>
@@ -3790,7 +3701,7 @@
       </p:sp>
       <p:sp>
         <p:nvSpPr>
-          <p:cNvPr id="6" name="PlaceHolder 5"/>
+          <p:cNvPr id="8" name="PlaceHolder 5"/>
           <p:cNvSpPr>
             <a:spLocks noGrp="1"/>
           </p:cNvSpPr>
@@ -3816,7 +3727,7 @@
             <a:noAutofit/>
           </a:bodyPr>
           <a:p>
-            <a:pPr marL="228600" indent="-228600" defTabSz="914400">
+            <a:pPr marL="432000" indent="-324000" defTabSz="914400">
               <a:lnSpc>
                 <a:spcPct val="90000"/>
               </a:lnSpc>
@@ -3826,8 +3737,9 @@
               <a:buClr>
                 <a:srgbClr val="000000"/>
               </a:buClr>
-              <a:buFont typeface="Arial"/>
-              <a:buChar char="•"/>
+              <a:buSzPct val="45000"/>
+              <a:buFont typeface="Wingdings" charset="2"/>
+              <a:buChar char=""/>
             </a:pPr>
             <a:r>
               <a:rPr b="0" lang="en-US" sz="2800" spc="-1" strike="noStrike">
@@ -3847,7 +3759,7 @@
             </a:endParaRPr>
           </a:p>
           <a:p>
-            <a:pPr lvl="1" marL="685800" indent="-228600" defTabSz="914400">
+            <a:pPr lvl="1" marL="864000" indent="-324000" defTabSz="914400">
               <a:lnSpc>
                 <a:spcPct val="90000"/>
               </a:lnSpc>
@@ -3857,8 +3769,9 @@
               <a:buClr>
                 <a:srgbClr val="000000"/>
               </a:buClr>
-              <a:buFont typeface="Arial"/>
-              <a:buChar char="•"/>
+              <a:buSzPct val="75000"/>
+              <a:buFont typeface="Symbol" charset="2"/>
+              <a:buChar char=""/>
             </a:pPr>
             <a:r>
               <a:rPr b="0" lang="en-US" sz="2400" spc="-1" strike="noStrike">
@@ -3878,7 +3791,7 @@
             </a:endParaRPr>
           </a:p>
           <a:p>
-            <a:pPr lvl="2" marL="1143000" indent="-228600" defTabSz="914400">
+            <a:pPr lvl="2" marL="1296000" indent="-288000" defTabSz="914400">
               <a:lnSpc>
                 <a:spcPct val="90000"/>
               </a:lnSpc>
@@ -3888,8 +3801,9 @@
               <a:buClr>
                 <a:srgbClr val="000000"/>
               </a:buClr>
-              <a:buFont typeface="Arial"/>
-              <a:buChar char="•"/>
+              <a:buSzPct val="45000"/>
+              <a:buFont typeface="Wingdings" charset="2"/>
+              <a:buChar char=""/>
             </a:pPr>
             <a:r>
               <a:rPr b="0" lang="en-US" sz="2000" spc="-1" strike="noStrike">
@@ -3909,7 +3823,7 @@
             </a:endParaRPr>
           </a:p>
           <a:p>
-            <a:pPr lvl="3" marL="1600200" indent="-228600" defTabSz="914400">
+            <a:pPr lvl="3" marL="1728000" indent="-216000" defTabSz="914400">
               <a:lnSpc>
                 <a:spcPct val="90000"/>
               </a:lnSpc>
@@ -3919,8 +3833,9 @@
               <a:buClr>
                 <a:srgbClr val="000000"/>
               </a:buClr>
-              <a:buFont typeface="Arial"/>
-              <a:buChar char="•"/>
+              <a:buSzPct val="75000"/>
+              <a:buFont typeface="Symbol" charset="2"/>
+              <a:buChar char=""/>
             </a:pPr>
             <a:r>
               <a:rPr b="0" lang="en-US" sz="1800" spc="-1" strike="noStrike">
@@ -3940,7 +3855,7 @@
             </a:endParaRPr>
           </a:p>
           <a:p>
-            <a:pPr lvl="4" marL="2057400" indent="-228600" defTabSz="914400">
+            <a:pPr lvl="4" marL="2160000" indent="-216000" defTabSz="914400">
               <a:lnSpc>
                 <a:spcPct val="90000"/>
               </a:lnSpc>
@@ -3950,8 +3865,9 @@
               <a:buClr>
                 <a:srgbClr val="000000"/>
               </a:buClr>
-              <a:buFont typeface="Arial"/>
-              <a:buChar char="•"/>
+              <a:buSzPct val="45000"/>
+              <a:buFont typeface="Wingdings" charset="2"/>
+              <a:buChar char=""/>
             </a:pPr>
             <a:r>
               <a:rPr b="0" lang="en-US" sz="1800" spc="-1" strike="noStrike">
@@ -4008,7 +3924,7 @@
       </p:grpSpPr>
       <p:sp>
         <p:nvSpPr>
-          <p:cNvPr id="7" name="PlaceHolder 1"/>
+          <p:cNvPr id="9" name="PlaceHolder 1"/>
           <p:cNvSpPr>
             <a:spLocks noGrp="1"/>
           </p:cNvSpPr>
@@ -4061,7 +3977,7 @@
       </p:sp>
       <p:sp>
         <p:nvSpPr>
-          <p:cNvPr id="8" name="PlaceHolder 2"/>
+          <p:cNvPr id="10" name="PlaceHolder 2"/>
           <p:cNvSpPr>
             <a:spLocks noGrp="1"/>
           </p:cNvSpPr>
@@ -4087,7 +4003,7 @@
             <a:noAutofit/>
           </a:bodyPr>
           <a:p>
-            <a:pPr marL="228600" indent="-228600" defTabSz="914400">
+            <a:pPr marL="432000" indent="-324000" defTabSz="914400">
               <a:lnSpc>
                 <a:spcPct val="90000"/>
               </a:lnSpc>
@@ -4097,8 +4013,9 @@
               <a:buClr>
                 <a:srgbClr val="000000"/>
               </a:buClr>
-              <a:buFont typeface="Arial"/>
-              <a:buChar char="•"/>
+              <a:buSzPct val="45000"/>
+              <a:buFont typeface="Wingdings" charset="2"/>
+              <a:buChar char=""/>
             </a:pPr>
             <a:r>
               <a:rPr b="0" lang="en-US" sz="2800" spc="-1" strike="noStrike">
@@ -4118,7 +4035,7 @@
             </a:endParaRPr>
           </a:p>
           <a:p>
-            <a:pPr lvl="1" marL="685800" indent="-228600" defTabSz="914400">
+            <a:pPr lvl="1" marL="864000" indent="-324000" defTabSz="914400">
               <a:lnSpc>
                 <a:spcPct val="90000"/>
               </a:lnSpc>
@@ -4128,8 +4045,9 @@
               <a:buClr>
                 <a:srgbClr val="000000"/>
               </a:buClr>
-              <a:buFont typeface="Arial"/>
-              <a:buChar char="•"/>
+              <a:buSzPct val="75000"/>
+              <a:buFont typeface="Symbol" charset="2"/>
+              <a:buChar char=""/>
             </a:pPr>
             <a:r>
               <a:rPr b="0" lang="en-US" sz="2400" spc="-1" strike="noStrike">
@@ -4149,7 +4067,7 @@
             </a:endParaRPr>
           </a:p>
           <a:p>
-            <a:pPr lvl="2" marL="1143000" indent="-228600" defTabSz="914400">
+            <a:pPr lvl="2" marL="1296000" indent="-288000" defTabSz="914400">
               <a:lnSpc>
                 <a:spcPct val="90000"/>
               </a:lnSpc>
@@ -4159,8 +4077,9 @@
               <a:buClr>
                 <a:srgbClr val="000000"/>
               </a:buClr>
-              <a:buFont typeface="Arial"/>
-              <a:buChar char="•"/>
+              <a:buSzPct val="45000"/>
+              <a:buFont typeface="Wingdings" charset="2"/>
+              <a:buChar char=""/>
             </a:pPr>
             <a:r>
               <a:rPr b="0" lang="en-US" sz="2000" spc="-1" strike="noStrike">
@@ -4180,7 +4099,7 @@
             </a:endParaRPr>
           </a:p>
           <a:p>
-            <a:pPr lvl="3" marL="1600200" indent="-228600" defTabSz="914400">
+            <a:pPr lvl="3" marL="1728000" indent="-216000" defTabSz="914400">
               <a:lnSpc>
                 <a:spcPct val="90000"/>
               </a:lnSpc>
@@ -4190,8 +4109,9 @@
               <a:buClr>
                 <a:srgbClr val="000000"/>
               </a:buClr>
-              <a:buFont typeface="Arial"/>
-              <a:buChar char="•"/>
+              <a:buSzPct val="75000"/>
+              <a:buFont typeface="Symbol" charset="2"/>
+              <a:buChar char=""/>
             </a:pPr>
             <a:r>
               <a:rPr b="0" lang="en-US" sz="1800" spc="-1" strike="noStrike">
@@ -4211,7 +4131,7 @@
             </a:endParaRPr>
           </a:p>
           <a:p>
-            <a:pPr lvl="4" marL="2057400" indent="-228600" defTabSz="914400">
+            <a:pPr lvl="4" marL="2160000" indent="-216000" defTabSz="914400">
               <a:lnSpc>
                 <a:spcPct val="90000"/>
               </a:lnSpc>
@@ -4221,8 +4141,9 @@
               <a:buClr>
                 <a:srgbClr val="000000"/>
               </a:buClr>
-              <a:buFont typeface="Arial"/>
-              <a:buChar char="•"/>
+              <a:buSzPct val="45000"/>
+              <a:buFont typeface="Wingdings" charset="2"/>
+              <a:buChar char=""/>
             </a:pPr>
             <a:r>
               <a:rPr b="0" lang="en-US" sz="1800" spc="-1" strike="noStrike">
@@ -4245,7 +4166,7 @@
       </p:sp>
       <p:sp>
         <p:nvSpPr>
-          <p:cNvPr id="9" name="PlaceHolder 3"/>
+          <p:cNvPr id="11" name="PlaceHolder 3"/>
           <p:cNvSpPr>
             <a:spLocks noGrp="1"/>
           </p:cNvSpPr>
@@ -4429,7 +4350,7 @@
       </p:sp>
       <p:sp>
         <p:nvSpPr>
-          <p:cNvPr id="10" name="PlaceHolder 4"/>
+          <p:cNvPr id="12" name="PlaceHolder 4"/>
           <p:cNvSpPr>
             <a:spLocks noGrp="1"/>
           </p:cNvSpPr>
@@ -4497,7 +4418,7 @@
       </p:sp>
       <p:sp>
         <p:nvSpPr>
-          <p:cNvPr id="11" name="PlaceHolder 5"/>
+          <p:cNvPr id="13" name="PlaceHolder 5"/>
           <p:cNvSpPr>
             <a:spLocks noGrp="1"/>
           </p:cNvSpPr>
@@ -4557,7 +4478,7 @@
       </p:sp>
       <p:sp>
         <p:nvSpPr>
-          <p:cNvPr id="12" name="PlaceHolder 6"/>
+          <p:cNvPr id="14" name="PlaceHolder 6"/>
           <p:cNvSpPr>
             <a:spLocks noGrp="1"/>
           </p:cNvSpPr>
@@ -4604,7 +4525,7 @@
               </a:lnSpc>
               <a:buNone/>
             </a:pPr>
-            <a:fld id="{478E2128-2EF8-4B9D-8365-CB67CEC7ECC1}" type="slidenum">
+            <a:fld id="{78D4F11C-1E5B-4E8D-8660-58AD74BD9F33}" type="slidenum">
               <a:rPr b="1" lang="en-US" sz="1200" spc="-1" strike="noStrike">
                 <a:solidFill>
                   <a:srgbClr val="c00000"/>
@@ -4659,7 +4580,7 @@
       </p:grpSpPr>
       <p:sp>
         <p:nvSpPr>
-          <p:cNvPr id="13" name="PlaceHolder 1"/>
+          <p:cNvPr id="15" name="PlaceHolder 1"/>
           <p:cNvSpPr>
             <a:spLocks noGrp="1"/>
           </p:cNvSpPr>
@@ -4727,7 +4648,7 @@
       </p:sp>
       <p:sp>
         <p:nvSpPr>
-          <p:cNvPr id="14" name="PlaceHolder 2"/>
+          <p:cNvPr id="16" name="PlaceHolder 2"/>
           <p:cNvSpPr>
             <a:spLocks noGrp="1"/>
           </p:cNvSpPr>
@@ -4787,7 +4708,7 @@
       </p:sp>
       <p:sp>
         <p:nvSpPr>
-          <p:cNvPr id="15" name="PlaceHolder 3"/>
+          <p:cNvPr id="17" name="PlaceHolder 3"/>
           <p:cNvSpPr>
             <a:spLocks noGrp="1"/>
           </p:cNvSpPr>
@@ -4834,7 +4755,7 @@
               </a:lnSpc>
               <a:buNone/>
             </a:pPr>
-            <a:fld id="{7AB9489B-3722-4E0C-8343-1AACA1CA0290}" type="slidenum">
+            <a:fld id="{C115B04F-353C-4226-9E1F-B67CD1FEC4D5}" type="slidenum">
               <a:rPr b="1" lang="en-US" sz="1200" spc="-1" strike="noStrike">
                 <a:solidFill>
                   <a:srgbClr val="c00000"/>
@@ -4855,7 +4776,7 @@
       </p:sp>
       <p:sp>
         <p:nvSpPr>
-          <p:cNvPr id="16" name="PlaceHolder 4"/>
+          <p:cNvPr id="18" name="PlaceHolder 4"/>
           <p:cNvSpPr>
             <a:spLocks noGrp="1"/>
           </p:cNvSpPr>
@@ -4908,7 +4829,7 @@
       </p:sp>
       <p:sp>
         <p:nvSpPr>
-          <p:cNvPr id="17" name="PlaceHolder 5"/>
+          <p:cNvPr id="19" name="PlaceHolder 5"/>
           <p:cNvSpPr>
             <a:spLocks noGrp="1"/>
           </p:cNvSpPr>
@@ -4934,7 +4855,7 @@
             <a:noAutofit/>
           </a:bodyPr>
           <a:p>
-            <a:pPr marL="228600" indent="-228600" defTabSz="914400">
+            <a:pPr marL="432000" indent="-324000" defTabSz="914400">
               <a:lnSpc>
                 <a:spcPct val="90000"/>
               </a:lnSpc>
@@ -4944,8 +4865,9 @@
               <a:buClr>
                 <a:srgbClr val="000000"/>
               </a:buClr>
-              <a:buFont typeface="Arial"/>
-              <a:buChar char="•"/>
+              <a:buSzPct val="45000"/>
+              <a:buFont typeface="Wingdings" charset="2"/>
+              <a:buChar char=""/>
             </a:pPr>
             <a:r>
               <a:rPr b="0" lang="en-US" sz="2800" spc="-1" strike="noStrike">
@@ -4965,7 +4887,7 @@
             </a:endParaRPr>
           </a:p>
           <a:p>
-            <a:pPr lvl="1" marL="685800" indent="-228600" defTabSz="914400">
+            <a:pPr lvl="1" marL="864000" indent="-324000" defTabSz="914400">
               <a:lnSpc>
                 <a:spcPct val="90000"/>
               </a:lnSpc>
@@ -4975,8 +4897,9 @@
               <a:buClr>
                 <a:srgbClr val="000000"/>
               </a:buClr>
-              <a:buFont typeface="Arial"/>
-              <a:buChar char="•"/>
+              <a:buSzPct val="75000"/>
+              <a:buFont typeface="Symbol" charset="2"/>
+              <a:buChar char=""/>
             </a:pPr>
             <a:r>
               <a:rPr b="0" lang="en-US" sz="2400" spc="-1" strike="noStrike">
@@ -4996,7 +4919,7 @@
             </a:endParaRPr>
           </a:p>
           <a:p>
-            <a:pPr lvl="2" marL="1143000" indent="-228600" defTabSz="914400">
+            <a:pPr lvl="2" marL="1296000" indent="-288000" defTabSz="914400">
               <a:lnSpc>
                 <a:spcPct val="90000"/>
               </a:lnSpc>
@@ -5006,8 +4929,9 @@
               <a:buClr>
                 <a:srgbClr val="000000"/>
               </a:buClr>
-              <a:buFont typeface="Arial"/>
-              <a:buChar char="•"/>
+              <a:buSzPct val="45000"/>
+              <a:buFont typeface="Wingdings" charset="2"/>
+              <a:buChar char=""/>
             </a:pPr>
             <a:r>
               <a:rPr b="0" lang="en-US" sz="2000" spc="-1" strike="noStrike">
@@ -5027,7 +4951,7 @@
             </a:endParaRPr>
           </a:p>
           <a:p>
-            <a:pPr lvl="3" marL="1600200" indent="-228600" defTabSz="914400">
+            <a:pPr lvl="3" marL="1728000" indent="-216000" defTabSz="914400">
               <a:lnSpc>
                 <a:spcPct val="90000"/>
               </a:lnSpc>
@@ -5037,8 +4961,9 @@
               <a:buClr>
                 <a:srgbClr val="000000"/>
               </a:buClr>
-              <a:buFont typeface="Arial"/>
-              <a:buChar char="•"/>
+              <a:buSzPct val="75000"/>
+              <a:buFont typeface="Symbol" charset="2"/>
+              <a:buChar char=""/>
             </a:pPr>
             <a:r>
               <a:rPr b="0" lang="en-US" sz="1800" spc="-1" strike="noStrike">
@@ -5058,7 +4983,7 @@
             </a:endParaRPr>
           </a:p>
           <a:p>
-            <a:pPr lvl="4" marL="2057400" indent="-228600" defTabSz="914400">
+            <a:pPr lvl="4" marL="2160000" indent="-216000" defTabSz="914400">
               <a:lnSpc>
                 <a:spcPct val="90000"/>
               </a:lnSpc>
@@ -5068,8 +4993,9 @@
               <a:buClr>
                 <a:srgbClr val="000000"/>
               </a:buClr>
-              <a:buFont typeface="Arial"/>
-              <a:buChar char="•"/>
+              <a:buSzPct val="45000"/>
+              <a:buFont typeface="Wingdings" charset="2"/>
+              <a:buChar char=""/>
             </a:pPr>
             <a:r>
               <a:rPr b="0" lang="en-US" sz="1800" spc="-1" strike="noStrike">
@@ -5093,9 +5019,7 @@
     </p:spTree>
   </p:cSld>
   <p:clrMap bg1="lt1" bg2="lt2" tx1="dk1" tx2="dk2" accent1="accent1" accent2="accent2" accent3="accent3" accent4="accent4" accent5="accent5" accent6="accent6" hlink="hlink" folHlink="folHlink"/>
-  <p:sldLayoutIdLst>
-    <p:sldLayoutId id="2147483655" r:id="rId3"/>
-  </p:sldLayoutIdLst>
+  <p:sldLayoutIdLst/>
 </p:sldMaster>
 </file>
 
@@ -5126,7 +5050,7 @@
       </p:grpSpPr>
       <p:sp>
         <p:nvSpPr>
-          <p:cNvPr id="18" name="PlaceHolder 1"/>
+          <p:cNvPr id="20" name="PlaceHolder 1"/>
           <p:cNvSpPr>
             <a:spLocks noGrp="1"/>
           </p:cNvSpPr>
@@ -5198,7 +5122,7 @@
       </p:sp>
       <p:sp>
         <p:nvSpPr>
-          <p:cNvPr id="19" name="PlaceHolder 2"/>
+          <p:cNvPr id="21" name="PlaceHolder 2"/>
           <p:cNvSpPr>
             <a:spLocks noGrp="1"/>
           </p:cNvSpPr>
@@ -5258,7 +5182,7 @@
       </p:sp>
       <p:sp>
         <p:nvSpPr>
-          <p:cNvPr id="20" name="PlaceHolder 3"/>
+          <p:cNvPr id="22" name="PlaceHolder 3"/>
           <p:cNvSpPr>
             <a:spLocks noGrp="1"/>
           </p:cNvSpPr>
@@ -5305,7 +5229,7 @@
               </a:lnSpc>
               <a:buNone/>
             </a:pPr>
-            <a:fld id="{28FB689D-0BFA-4D5E-AD91-4242A8191784}" type="slidenum">
+            <a:fld id="{55E13927-B180-4B7D-9B08-98131D5BABCA}" type="slidenum">
               <a:rPr b="1" lang="en-US" sz="1200" spc="-1" strike="noStrike">
                 <a:solidFill>
                   <a:srgbClr val="c00000"/>
@@ -5326,7 +5250,7 @@
       </p:sp>
       <p:sp>
         <p:nvSpPr>
-          <p:cNvPr id="21" name="PlaceHolder 4"/>
+          <p:cNvPr id="23" name="PlaceHolder 4"/>
           <p:cNvSpPr>
             <a:spLocks noGrp="1"/>
           </p:cNvSpPr>
@@ -5375,7 +5299,7 @@
       </p:sp>
       <p:sp>
         <p:nvSpPr>
-          <p:cNvPr id="22" name="PlaceHolder 5"/>
+          <p:cNvPr id="24" name="PlaceHolder 5"/>
           <p:cNvSpPr>
             <a:spLocks noGrp="1"/>
           </p:cNvSpPr>
@@ -5623,7 +5547,7 @@
   </p:cSld>
   <p:clrMap bg1="lt1" bg2="lt2" tx1="dk1" tx2="dk2" accent1="accent1" accent2="accent2" accent3="accent3" accent4="accent4" accent5="accent5" accent6="accent6" hlink="hlink" folHlink="folHlink"/>
   <p:sldLayoutIdLst>
-    <p:sldLayoutId id="2147483657" r:id="rId3"/>
+    <p:sldLayoutId id="2147483656" r:id="rId3"/>
   </p:sldLayoutIdLst>
 </p:sldMaster>
 </file>
@@ -5655,7 +5579,7 @@
       </p:grpSpPr>
       <p:sp>
         <p:nvSpPr>
-          <p:cNvPr id="23" name="PlaceHolder 1"/>
+          <p:cNvPr id="25" name="PlaceHolder 1"/>
           <p:cNvSpPr>
             <a:spLocks noGrp="1"/>
           </p:cNvSpPr>
@@ -5695,107 +5619,7 @@
                 <a:latin typeface="Lato"/>
                 <a:ea typeface="Lato"/>
               </a:rPr>
-              <a:t>CLI</a:t>
-            </a:r>
-            <a:r>
-              <a:rPr b="1" lang="en-US" sz="4800" spc="-1" strike="noStrike">
-                <a:solidFill>
-                  <a:schemeClr val="lt1"/>
-                </a:solidFill>
-                <a:latin typeface="Lato"/>
-                <a:ea typeface="Lato"/>
-              </a:rPr>
-              <a:t>CK </a:t>
-            </a:r>
-            <a:r>
-              <a:rPr b="1" lang="en-US" sz="4800" spc="-1" strike="noStrike">
-                <a:solidFill>
-                  <a:schemeClr val="lt1"/>
-                </a:solidFill>
-                <a:latin typeface="Lato"/>
-                <a:ea typeface="Lato"/>
-              </a:rPr>
-              <a:t>TO </a:t>
-            </a:r>
-            <a:r>
-              <a:rPr b="1" lang="en-US" sz="4800" spc="-1" strike="noStrike">
-                <a:solidFill>
-                  <a:schemeClr val="lt1"/>
-                </a:solidFill>
-                <a:latin typeface="Lato"/>
-                <a:ea typeface="Lato"/>
-              </a:rPr>
-              <a:t>EDI</a:t>
-            </a:r>
-            <a:r>
-              <a:rPr b="1" lang="en-US" sz="4800" spc="-1" strike="noStrike">
-                <a:solidFill>
-                  <a:schemeClr val="lt1"/>
-                </a:solidFill>
-                <a:latin typeface="Lato"/>
-                <a:ea typeface="Lato"/>
-              </a:rPr>
-              <a:t>T </a:t>
-            </a:r>
-            <a:r>
-              <a:rPr b="1" lang="en-US" sz="4800" spc="-1" strike="noStrike">
-                <a:solidFill>
-                  <a:schemeClr val="lt1"/>
-                </a:solidFill>
-                <a:latin typeface="Lato"/>
-                <a:ea typeface="Lato"/>
-              </a:rPr>
-              <a:t>MAS</a:t>
-            </a:r>
-            <a:r>
-              <a:rPr b="1" lang="en-US" sz="4800" spc="-1" strike="noStrike">
-                <a:solidFill>
-                  <a:schemeClr val="lt1"/>
-                </a:solidFill>
-                <a:latin typeface="Lato"/>
-                <a:ea typeface="Lato"/>
-              </a:rPr>
-              <a:t>TER </a:t>
-            </a:r>
-            <a:r>
-              <a:rPr b="1" lang="en-US" sz="4800" spc="-1" strike="noStrike">
-                <a:solidFill>
-                  <a:schemeClr val="lt1"/>
-                </a:solidFill>
-                <a:latin typeface="Lato"/>
-                <a:ea typeface="Lato"/>
-              </a:rPr>
-              <a:t>TITL</a:t>
-            </a:r>
-            <a:r>
-              <a:rPr b="1" lang="en-US" sz="4800" spc="-1" strike="noStrike">
-                <a:solidFill>
-                  <a:schemeClr val="lt1"/>
-                </a:solidFill>
-                <a:latin typeface="Lato"/>
-                <a:ea typeface="Lato"/>
-              </a:rPr>
-              <a:t>E </a:t>
-            </a:r>
-            <a:r>
-              <a:rPr b="1" lang="en-US" sz="4800" spc="-1" strike="noStrike">
-                <a:solidFill>
-                  <a:schemeClr val="lt1"/>
-                </a:solidFill>
-                <a:latin typeface="Lato"/>
-                <a:ea typeface="Lato"/>
-              </a:rPr>
-              <a:t>STY</a:t>
-            </a:r>
-            <a:r>
-              <a:rPr b="1" lang="en-US" sz="4800" spc="-1" strike="noStrike">
-                <a:solidFill>
-                  <a:schemeClr val="lt1"/>
-                </a:solidFill>
-                <a:latin typeface="Lato"/>
-                <a:ea typeface="Lato"/>
-              </a:rPr>
-              <a:t>LE</a:t>
+              <a:t>CLICK TO EDIT MASTER TITLE STYLE</a:t>
             </a:r>
             <a:endParaRPr b="0" lang="en-US" sz="4800" spc="-1" strike="noStrike">
               <a:solidFill>
@@ -5808,7 +5632,7 @@
       </p:sp>
       <p:sp>
         <p:nvSpPr>
-          <p:cNvPr id="24" name="PlaceHolder 2"/>
+          <p:cNvPr id="26" name="PlaceHolder 2"/>
           <p:cNvSpPr>
             <a:spLocks noGrp="1"/>
           </p:cNvSpPr>
@@ -6055,9 +5879,7 @@
     </p:spTree>
   </p:cSld>
   <p:clrMap bg1="lt1" bg2="lt2" tx1="dk1" tx2="dk2" accent1="accent1" accent2="accent2" accent3="accent3" accent4="accent4" accent5="accent5" accent6="accent6" hlink="hlink" folHlink="folHlink"/>
-  <p:sldLayoutIdLst>
-    <p:sldLayoutId id="2147483659" r:id="rId3"/>
-  </p:sldLayoutIdLst>
+  <p:sldLayoutIdLst/>
 </p:sldMaster>
 </file>
 
@@ -6088,7 +5910,7 @@
       </p:grpSpPr>
       <p:sp>
         <p:nvSpPr>
-          <p:cNvPr id="25" name="PlaceHolder 1"/>
+          <p:cNvPr id="27" name="PlaceHolder 1"/>
           <p:cNvSpPr>
             <a:spLocks noGrp="1"/>
           </p:cNvSpPr>
@@ -6137,7 +5959,7 @@
       </p:sp>
       <p:sp>
         <p:nvSpPr>
-          <p:cNvPr id="26" name="PlaceHolder 2"/>
+          <p:cNvPr id="28" name="PlaceHolder 2"/>
           <p:cNvSpPr>
             <a:spLocks noGrp="1"/>
           </p:cNvSpPr>
@@ -6385,7 +6207,7 @@
   </p:cSld>
   <p:clrMap bg1="lt1" bg2="lt2" tx1="dk1" tx2="dk2" accent1="accent1" accent2="accent2" accent3="accent3" accent4="accent4" accent5="accent5" accent6="accent6" hlink="hlink" folHlink="folHlink"/>
   <p:sldLayoutIdLst>
-    <p:sldLayoutId id="2147483661" r:id="rId3"/>
+    <p:sldLayoutId id="2147483659" r:id="rId3"/>
   </p:sldLayoutIdLst>
 </p:sldMaster>
 </file>
@@ -6417,7 +6239,7 @@
       </p:grpSpPr>
       <p:sp>
         <p:nvSpPr>
-          <p:cNvPr id="27" name="PlaceHolder 1"/>
+          <p:cNvPr id="29" name="PlaceHolder 1"/>
           <p:cNvSpPr>
             <a:spLocks noGrp="1"/>
           </p:cNvSpPr>
@@ -6485,7 +6307,7 @@
       </p:sp>
       <p:sp>
         <p:nvSpPr>
-          <p:cNvPr id="28" name="PlaceHolder 2"/>
+          <p:cNvPr id="30" name="PlaceHolder 2"/>
           <p:cNvSpPr>
             <a:spLocks noGrp="1"/>
           </p:cNvSpPr>
@@ -6545,7 +6367,7 @@
       </p:sp>
       <p:sp>
         <p:nvSpPr>
-          <p:cNvPr id="29" name="PlaceHolder 3"/>
+          <p:cNvPr id="31" name="PlaceHolder 3"/>
           <p:cNvSpPr>
             <a:spLocks noGrp="1"/>
           </p:cNvSpPr>
@@ -6592,7 +6414,7 @@
               </a:lnSpc>
               <a:buNone/>
             </a:pPr>
-            <a:fld id="{748D42F8-AE78-458F-935F-80E0526B8976}" type="slidenum">
+            <a:fld id="{EDA35CBE-64BA-4808-9452-6E9C1A2D75FE}" type="slidenum">
               <a:rPr b="1" lang="en-US" sz="1200" spc="-1" strike="noStrike">
                 <a:solidFill>
                   <a:srgbClr val="c00000"/>
@@ -6613,7 +6435,7 @@
       </p:sp>
       <p:sp>
         <p:nvSpPr>
-          <p:cNvPr id="30" name="PlaceHolder 4"/>
+          <p:cNvPr id="32" name="PlaceHolder 4"/>
           <p:cNvSpPr>
             <a:spLocks noGrp="1"/>
           </p:cNvSpPr>
@@ -6666,7 +6488,7 @@
       </p:sp>
       <p:sp>
         <p:nvSpPr>
-          <p:cNvPr id="31" name="PlaceHolder 5"/>
+          <p:cNvPr id="33" name="PlaceHolder 5"/>
           <p:cNvSpPr>
             <a:spLocks noGrp="1"/>
           </p:cNvSpPr>
@@ -6692,7 +6514,7 @@
             <a:noAutofit/>
           </a:bodyPr>
           <a:p>
-            <a:pPr marL="228600" indent="-228600" defTabSz="914400">
+            <a:pPr marL="432000" indent="-324000" defTabSz="914400">
               <a:lnSpc>
                 <a:spcPct val="90000"/>
               </a:lnSpc>
@@ -6702,8 +6524,9 @@
               <a:buClr>
                 <a:srgbClr val="000000"/>
               </a:buClr>
-              <a:buFont typeface="Arial"/>
-              <a:buChar char="•"/>
+              <a:buSzPct val="45000"/>
+              <a:buFont typeface="Wingdings" charset="2"/>
+              <a:buChar char=""/>
             </a:pPr>
             <a:r>
               <a:rPr b="0" lang="en-US" sz="2800" spc="-1" strike="noStrike">
@@ -6713,17 +6536,7 @@
                 <a:latin typeface="Lato"/>
                 <a:ea typeface="Lato"/>
               </a:rPr>
-              <a:t>Click to edit Master </a:t>
-            </a:r>
-            <a:r>
-              <a:rPr b="0" lang="en-US" sz="2800" spc="-1" strike="noStrike">
-                <a:solidFill>
-                  <a:schemeClr val="dk1"/>
-                </a:solidFill>
-                <a:latin typeface="Lato"/>
-                <a:ea typeface="Lato"/>
-              </a:rPr>
-              <a:t>text styles</a:t>
+              <a:t>Click to edit Master text styles</a:t>
             </a:r>
             <a:endParaRPr b="0" lang="en-US" sz="2800" spc="-1" strike="noStrike">
               <a:solidFill>
@@ -6733,7 +6546,7 @@
             </a:endParaRPr>
           </a:p>
           <a:p>
-            <a:pPr lvl="1" marL="685800" indent="-228600" defTabSz="914400">
+            <a:pPr lvl="1" marL="864000" indent="-324000" defTabSz="914400">
               <a:lnSpc>
                 <a:spcPct val="90000"/>
               </a:lnSpc>
@@ -6743,8 +6556,9 @@
               <a:buClr>
                 <a:srgbClr val="000000"/>
               </a:buClr>
-              <a:buFont typeface="Arial"/>
-              <a:buChar char="•"/>
+              <a:buSzPct val="75000"/>
+              <a:buFont typeface="Symbol" charset="2"/>
+              <a:buChar char=""/>
             </a:pPr>
             <a:r>
               <a:rPr b="0" lang="en-US" sz="2400" spc="-1" strike="noStrike">
@@ -6764,7 +6578,7 @@
             </a:endParaRPr>
           </a:p>
           <a:p>
-            <a:pPr lvl="2" marL="1143000" indent="-228600" defTabSz="914400">
+            <a:pPr lvl="2" marL="1296000" indent="-288000" defTabSz="914400">
               <a:lnSpc>
                 <a:spcPct val="90000"/>
               </a:lnSpc>
@@ -6774,8 +6588,9 @@
               <a:buClr>
                 <a:srgbClr val="000000"/>
               </a:buClr>
-              <a:buFont typeface="Arial"/>
-              <a:buChar char="•"/>
+              <a:buSzPct val="45000"/>
+              <a:buFont typeface="Wingdings" charset="2"/>
+              <a:buChar char=""/>
             </a:pPr>
             <a:r>
               <a:rPr b="0" lang="en-US" sz="2000" spc="-1" strike="noStrike">
@@ -6795,7 +6610,7 @@
             </a:endParaRPr>
           </a:p>
           <a:p>
-            <a:pPr lvl="3" marL="1600200" indent="-228600" defTabSz="914400">
+            <a:pPr lvl="3" marL="1728000" indent="-216000" defTabSz="914400">
               <a:lnSpc>
                 <a:spcPct val="90000"/>
               </a:lnSpc>
@@ -6805,8 +6620,9 @@
               <a:buClr>
                 <a:srgbClr val="000000"/>
               </a:buClr>
-              <a:buFont typeface="Arial"/>
-              <a:buChar char="•"/>
+              <a:buSzPct val="75000"/>
+              <a:buFont typeface="Symbol" charset="2"/>
+              <a:buChar char=""/>
             </a:pPr>
             <a:r>
               <a:rPr b="0" lang="en-US" sz="1800" spc="-1" strike="noStrike">
@@ -6826,7 +6642,7 @@
             </a:endParaRPr>
           </a:p>
           <a:p>
-            <a:pPr lvl="4" marL="2057400" indent="-228600" defTabSz="914400">
+            <a:pPr lvl="4" marL="2160000" indent="-216000" defTabSz="914400">
               <a:lnSpc>
                 <a:spcPct val="90000"/>
               </a:lnSpc>
@@ -6836,8 +6652,9 @@
               <a:buClr>
                 <a:srgbClr val="000000"/>
               </a:buClr>
-              <a:buFont typeface="Arial"/>
-              <a:buChar char="•"/>
+              <a:buSzPct val="45000"/>
+              <a:buFont typeface="Wingdings" charset="2"/>
+              <a:buChar char=""/>
             </a:pPr>
             <a:r>
               <a:rPr b="0" lang="en-US" sz="1800" spc="-1" strike="noStrike">
@@ -6862,7 +6679,7 @@
   </p:cSld>
   <p:clrMap bg1="lt1" bg2="lt2" tx1="dk1" tx2="dk2" accent1="accent1" accent2="accent2" accent3="accent3" accent4="accent4" accent5="accent5" accent6="accent6" hlink="hlink" folHlink="folHlink"/>
   <p:sldLayoutIdLst>
-    <p:sldLayoutId id="2147483663" r:id="rId3"/>
+    <p:sldLayoutId id="2147483661" r:id="rId3"/>
   </p:sldLayoutIdLst>
 </p:sldMaster>
 </file>
@@ -6894,7 +6711,7 @@
       </p:grpSpPr>
       <p:sp>
         <p:nvSpPr>
-          <p:cNvPr id="32" name="PlaceHolder 1"/>
+          <p:cNvPr id="34" name="PlaceHolder 1"/>
           <p:cNvSpPr>
             <a:spLocks noGrp="1"/>
           </p:cNvSpPr>
@@ -6962,7 +6779,7 @@
       </p:sp>
       <p:sp>
         <p:nvSpPr>
-          <p:cNvPr id="33" name="PlaceHolder 2"/>
+          <p:cNvPr id="35" name="PlaceHolder 2"/>
           <p:cNvSpPr>
             <a:spLocks noGrp="1"/>
           </p:cNvSpPr>
@@ -7022,7 +6839,7 @@
       </p:sp>
       <p:sp>
         <p:nvSpPr>
-          <p:cNvPr id="34" name="PlaceHolder 3"/>
+          <p:cNvPr id="36" name="PlaceHolder 3"/>
           <p:cNvSpPr>
             <a:spLocks noGrp="1"/>
           </p:cNvSpPr>
@@ -7069,7 +6886,7 @@
               </a:lnSpc>
               <a:buNone/>
             </a:pPr>
-            <a:fld id="{4D7DBEE9-3489-488E-9381-20ADA70BE4D3}" type="slidenum">
+            <a:fld id="{3FBEB389-DB29-49E8-A0CF-EE23985EF004}" type="slidenum">
               <a:rPr b="1" lang="en-US" sz="1200" spc="-1" strike="noStrike">
                 <a:solidFill>
                   <a:srgbClr val="c00000"/>
@@ -7090,7 +6907,7 @@
       </p:sp>
       <p:sp>
         <p:nvSpPr>
-          <p:cNvPr id="35" name="PlaceHolder 4"/>
+          <p:cNvPr id="37" name="PlaceHolder 4"/>
           <p:cNvSpPr>
             <a:spLocks noGrp="1"/>
           </p:cNvSpPr>
@@ -7116,7 +6933,7 @@
             <a:noAutofit/>
           </a:bodyPr>
           <a:p>
-            <a:pPr marL="228600" indent="-228600" defTabSz="914400">
+            <a:pPr marL="432000" indent="-324000" defTabSz="914400">
               <a:lnSpc>
                 <a:spcPct val="90000"/>
               </a:lnSpc>
@@ -7126,8 +6943,9 @@
               <a:buClr>
                 <a:srgbClr val="000000"/>
               </a:buClr>
-              <a:buFont typeface="Arial"/>
-              <a:buChar char="•"/>
+              <a:buSzPct val="45000"/>
+              <a:buFont typeface="Wingdings" charset="2"/>
+              <a:buChar char=""/>
             </a:pPr>
             <a:r>
               <a:rPr b="0" lang="en-US" sz="2800" spc="-1" strike="noStrike">
@@ -7147,7 +6965,7 @@
             </a:endParaRPr>
           </a:p>
           <a:p>
-            <a:pPr lvl="1" marL="685800" indent="-228600" defTabSz="914400">
+            <a:pPr lvl="1" marL="864000" indent="-324000" defTabSz="914400">
               <a:lnSpc>
                 <a:spcPct val="90000"/>
               </a:lnSpc>
@@ -7157,8 +6975,9 @@
               <a:buClr>
                 <a:srgbClr val="000000"/>
               </a:buClr>
-              <a:buFont typeface="Arial"/>
-              <a:buChar char="•"/>
+              <a:buSzPct val="75000"/>
+              <a:buFont typeface="Symbol" charset="2"/>
+              <a:buChar char=""/>
             </a:pPr>
             <a:r>
               <a:rPr b="0" lang="en-US" sz="2400" spc="-1" strike="noStrike">
@@ -7178,7 +6997,7 @@
             </a:endParaRPr>
           </a:p>
           <a:p>
-            <a:pPr lvl="2" marL="1143000" indent="-228600" defTabSz="914400">
+            <a:pPr lvl="2" marL="1296000" indent="-288000" defTabSz="914400">
               <a:lnSpc>
                 <a:spcPct val="90000"/>
               </a:lnSpc>
@@ -7188,8 +7007,9 @@
               <a:buClr>
                 <a:srgbClr val="000000"/>
               </a:buClr>
-              <a:buFont typeface="Arial"/>
-              <a:buChar char="•"/>
+              <a:buSzPct val="45000"/>
+              <a:buFont typeface="Wingdings" charset="2"/>
+              <a:buChar char=""/>
             </a:pPr>
             <a:r>
               <a:rPr b="0" lang="en-US" sz="2000" spc="-1" strike="noStrike">
@@ -7209,7 +7029,7 @@
             </a:endParaRPr>
           </a:p>
           <a:p>
-            <a:pPr lvl="3" marL="1600200" indent="-228600" defTabSz="914400">
+            <a:pPr lvl="3" marL="1728000" indent="-216000" defTabSz="914400">
               <a:lnSpc>
                 <a:spcPct val="90000"/>
               </a:lnSpc>
@@ -7219,8 +7039,9 @@
               <a:buClr>
                 <a:srgbClr val="000000"/>
               </a:buClr>
-              <a:buFont typeface="Arial"/>
-              <a:buChar char="•"/>
+              <a:buSzPct val="75000"/>
+              <a:buFont typeface="Symbol" charset="2"/>
+              <a:buChar char=""/>
             </a:pPr>
             <a:r>
               <a:rPr b="0" lang="en-US" sz="1800" spc="-1" strike="noStrike">
@@ -7240,7 +7061,7 @@
             </a:endParaRPr>
           </a:p>
           <a:p>
-            <a:pPr lvl="4" marL="2057400" indent="-228600" defTabSz="914400">
+            <a:pPr lvl="4" marL="2160000" indent="-216000" defTabSz="914400">
               <a:lnSpc>
                 <a:spcPct val="90000"/>
               </a:lnSpc>
@@ -7250,8 +7071,9 @@
               <a:buClr>
                 <a:srgbClr val="000000"/>
               </a:buClr>
-              <a:buFont typeface="Arial"/>
-              <a:buChar char="•"/>
+              <a:buSzPct val="45000"/>
+              <a:buFont typeface="Wingdings" charset="2"/>
+              <a:buChar char=""/>
             </a:pPr>
             <a:r>
               <a:rPr b="0" lang="en-US" sz="1800" spc="-1" strike="noStrike">
@@ -7274,7 +7096,7 @@
       </p:sp>
       <p:sp>
         <p:nvSpPr>
-          <p:cNvPr id="36" name="PlaceHolder 5"/>
+          <p:cNvPr id="38" name="PlaceHolder 5"/>
           <p:cNvSpPr>
             <a:spLocks noGrp="1"/>
           </p:cNvSpPr>
@@ -7458,7 +7280,7 @@
       </p:sp>
       <p:sp>
         <p:nvSpPr>
-          <p:cNvPr id="37" name="PlaceHolder 6"/>
+          <p:cNvPr id="39" name="PlaceHolder 6"/>
           <p:cNvSpPr>
             <a:spLocks noGrp="1"/>
           </p:cNvSpPr>
@@ -7498,47 +7320,7 @@
                 <a:latin typeface="Lato"/>
                 <a:ea typeface="Lato"/>
               </a:rPr>
-              <a:t>Title 2: </a:t>
-            </a:r>
-            <a:r>
-              <a:rPr b="1" lang="en-US" sz="2800" spc="-1" strike="noStrike">
-                <a:solidFill>
-                  <a:schemeClr val="lt1"/>
-                </a:solidFill>
-                <a:latin typeface="Lato"/>
-                <a:ea typeface="Lato"/>
-              </a:rPr>
-              <a:t>…………</a:t>
-            </a:r>
-            <a:r>
-              <a:rPr b="1" lang="en-US" sz="2800" spc="-1" strike="noStrike">
-                <a:solidFill>
-                  <a:schemeClr val="lt1"/>
-                </a:solidFill>
-                <a:latin typeface="Lato"/>
-                <a:ea typeface="Lato"/>
-              </a:rPr>
-              <a:t>…………</a:t>
-            </a:r>
-            <a:r>
-              <a:rPr b="1" lang="en-US" sz="2800" spc="-1" strike="noStrike">
-                <a:solidFill>
-                  <a:schemeClr val="lt1"/>
-                </a:solidFill>
-                <a:latin typeface="Lato"/>
-                <a:ea typeface="Lato"/>
-              </a:rPr>
-              <a:t>…………</a:t>
-            </a:r>
-            <a:r>
-              <a:rPr b="1" lang="en-US" sz="2800" spc="-1" strike="noStrike">
-                <a:solidFill>
-                  <a:schemeClr val="lt1"/>
-                </a:solidFill>
-                <a:latin typeface="Lato"/>
-                <a:ea typeface="Lato"/>
-              </a:rPr>
-              <a:t>………</a:t>
+              <a:t>Title 2: ………………………………………</a:t>
             </a:r>
             <a:endParaRPr b="0" lang="en-US" sz="2800" spc="-1" strike="noStrike">
               <a:solidFill>
@@ -7553,7 +7335,7 @@
   </p:cSld>
   <p:clrMap bg1="lt1" bg2="lt2" tx1="dk1" tx2="dk2" accent1="accent1" accent2="accent2" accent3="accent3" accent4="accent4" accent5="accent5" accent6="accent6" hlink="hlink" folHlink="folHlink"/>
   <p:sldLayoutIdLst>
-    <p:sldLayoutId id="2147483665" r:id="rId3"/>
+    <p:sldLayoutId id="2147483663" r:id="rId3"/>
   </p:sldLayoutIdLst>
 </p:sldMaster>
 </file>
@@ -7607,7 +7389,7 @@
       </p:grpSpPr>
       <p:sp>
         <p:nvSpPr>
-          <p:cNvPr id="114" name=""/>
+          <p:cNvPr id="116" name=""/>
           <p:cNvSpPr txBox="1"/>
           <p:nvPr/>
         </p:nvSpPr>
@@ -7690,7 +7472,7 @@
       </p:sp>
       <p:sp>
         <p:nvSpPr>
-          <p:cNvPr id="115" name="PlaceHolder 1"/>
+          <p:cNvPr id="117" name="PlaceHolder 1"/>
           <p:cNvSpPr>
             <a:spLocks noGrp="1"/>
           </p:cNvSpPr>
@@ -7722,15 +7504,15 @@
             <a:r>
               <a:rPr b="1" lang="en-US" sz="2800" spc="-1" strike="noStrike">
                 <a:solidFill>
-                  <a:srgbClr val="ffffff"/>
+                  <a:schemeClr val="dk1"/>
                 </a:solidFill>
                 <a:latin typeface="Calibri"/>
               </a:rPr>
               <a:t>2. Mô tả sản phẩm</a:t>
             </a:r>
-            <a:endParaRPr b="1" lang="en-US" sz="2800" spc="-1" strike="noStrike">
-              <a:solidFill>
-                <a:srgbClr val="ffffff"/>
+            <a:endParaRPr b="0" lang="en-US" sz="2800" spc="-1" strike="noStrike">
+              <a:solidFill>
+                <a:schemeClr val="dk1"/>
               </a:solidFill>
               <a:latin typeface="Calibri"/>
             </a:endParaRPr>
@@ -7739,7 +7521,7 @@
       </p:sp>
       <p:sp>
         <p:nvSpPr>
-          <p:cNvPr id="116" name=""/>
+          <p:cNvPr id="118" name=""/>
           <p:cNvSpPr txBox="1"/>
           <p:nvPr/>
         </p:nvSpPr>
@@ -7770,7 +7552,7 @@
               </a:rPr>
               <a:t>2.1 Chức năng chính của sản phẩm</a:t>
             </a:r>
-            <a:endParaRPr b="1" lang="en-US" sz="1800" spc="-1" strike="noStrike">
+            <a:endParaRPr b="0" lang="en-US" sz="1800" spc="-1" strike="noStrike">
               <a:solidFill>
                 <a:srgbClr val="000000"/>
               </a:solidFill>
@@ -7781,7 +7563,7 @@
       </p:sp>
       <p:sp>
         <p:nvSpPr>
-          <p:cNvPr id="117" name=""/>
+          <p:cNvPr id="119" name=""/>
           <p:cNvSpPr txBox="1"/>
           <p:nvPr/>
         </p:nvSpPr>
@@ -7821,7 +7603,7 @@
               </a:rPr>
               <a:t>2.1.3 Nền tảng phát triển sản phẩm</a:t>
             </a:r>
-            <a:endParaRPr b="1" lang="en-US" sz="1800" spc="-1" strike="noStrike">
+            <a:endParaRPr b="0" lang="en-US" sz="1800" spc="-1" strike="noStrike">
               <a:solidFill>
                 <a:srgbClr val="000000"/>
               </a:solidFill>
@@ -7844,7 +7626,7 @@
         <p:txBody>
           <a:bodyPr/>
           <a:p>
-            <a:fld id="{24475400-7745-4F19-B302-EC195C4DEA0C}" type="slidenum">
+            <a:fld id="{EF9A9CDB-21C8-4972-A535-5DA5B8A27B55}" type="slidenum">
               <a:t>10</a:t>
             </a:fld>
           </a:p>
@@ -7882,14 +7664,14 @@
       </p:grpSpPr>
       <p:sp>
         <p:nvSpPr>
-          <p:cNvPr id="118" name=""/>
+          <p:cNvPr id="120" name=""/>
           <p:cNvSpPr txBox="1"/>
           <p:nvPr/>
         </p:nvSpPr>
         <p:spPr>
           <a:xfrm>
             <a:off x="1143000" y="2057400"/>
-            <a:ext cx="7086600" cy="4114800"/>
+            <a:ext cx="7315200" cy="4114800"/>
           </a:xfrm>
           <a:prstGeom prst="rect">
             <a:avLst/>
@@ -7904,15 +7686,6 @@
             <a:noAutofit/>
           </a:bodyPr>
           <a:p>
-            <a:r>
-              <a:rPr b="0" lang="en-US" sz="1800" spc="-1" strike="noStrike">
-                <a:solidFill>
-                  <a:srgbClr val="000000"/>
-                </a:solidFill>
-                <a:latin typeface="Arial"/>
-              </a:rPr>
-              <a:t>- Ưu điểm: Có thể tìm ra được những phương pháp mới mà dùng thuật toán thông thường không tìm ra được </a:t>
-            </a:r>
             <a:endParaRPr b="0" lang="en-US" sz="1800" spc="-1" strike="noStrike">
               <a:solidFill>
                 <a:srgbClr val="000000"/>
@@ -7921,15 +7694,6 @@
             </a:endParaRPr>
           </a:p>
           <a:p>
-            <a:r>
-              <a:rPr b="0" lang="en-US" sz="1800" spc="-1" strike="noStrike">
-                <a:solidFill>
-                  <a:srgbClr val="000000"/>
-                </a:solidFill>
-                <a:latin typeface="Arial"/>
-              </a:rPr>
-              <a:t>- Nhược điểm:</a:t>
-            </a:r>
             <a:endParaRPr b="0" lang="en-US" sz="1800" spc="-1" strike="noStrike">
               <a:solidFill>
                 <a:srgbClr val="000000"/>
@@ -7938,24 +7702,6 @@
             </a:endParaRPr>
           </a:p>
           <a:p>
-            <a:r>
-              <a:rPr b="0" lang="en-US" sz="1800" spc="-1" strike="noStrike">
-                <a:solidFill>
-                  <a:srgbClr val="000000"/>
-                </a:solidFill>
-                <a:latin typeface="Arial"/>
-              </a:rPr>
-              <a:t>	</a:t>
-            </a:r>
-            <a:r>
-              <a:rPr b="0" lang="en-US" sz="1800" spc="-1" strike="noStrike">
-                <a:solidFill>
-                  <a:srgbClr val="000000"/>
-                </a:solidFill>
-                <a:latin typeface="Arial"/>
-              </a:rPr>
-              <a:t>+ Tốn nhiều tài nguyên để huấn luyện</a:t>
-            </a:r>
             <a:endParaRPr b="0" lang="en-US" sz="1800" spc="-1" strike="noStrike">
               <a:solidFill>
                 <a:srgbClr val="000000"/>
@@ -7964,24 +7710,6 @@
             </a:endParaRPr>
           </a:p>
           <a:p>
-            <a:r>
-              <a:rPr b="0" lang="en-US" sz="1800" spc="-1" strike="noStrike">
-                <a:solidFill>
-                  <a:srgbClr val="000000"/>
-                </a:solidFill>
-                <a:latin typeface="Arial"/>
-              </a:rPr>
-              <a:t>	</a:t>
-            </a:r>
-            <a:r>
-              <a:rPr b="0" lang="en-US" sz="1800" spc="-1" strike="noStrike">
-                <a:solidFill>
-                  <a:srgbClr val="000000"/>
-                </a:solidFill>
-                <a:latin typeface="Arial"/>
-              </a:rPr>
-              <a:t>+ Cần phải huấn luyện lại khi thay đổi dữ liệu thực phẩm</a:t>
-            </a:r>
             <a:endParaRPr b="0" lang="en-US" sz="1800" spc="-1" strike="noStrike">
               <a:solidFill>
                 <a:srgbClr val="000000"/>
@@ -7989,52 +7717,11 @@
               <a:latin typeface="Arial"/>
             </a:endParaRPr>
           </a:p>
-          <a:p>
-            <a:endParaRPr b="0" lang="en-US" sz="1800" spc="-1" strike="noStrike">
-              <a:solidFill>
-                <a:srgbClr val="000000"/>
-              </a:solidFill>
-              <a:latin typeface="Arial"/>
-            </a:endParaRPr>
-          </a:p>
-          <a:p>
-            <a:r>
-              <a:rPr b="0" lang="en-US" sz="1800" spc="-1" strike="noStrike">
-                <a:solidFill>
-                  <a:srgbClr val="000000"/>
-                </a:solidFill>
-                <a:latin typeface="Arial"/>
-              </a:rPr>
-              <a:t>- Kết quả trong thực tế: Chưa có kết quả cụ thể vì vấn đề về cơ sở hạ tầng</a:t>
-            </a:r>
-            <a:endParaRPr b="0" lang="en-US" sz="1800" spc="-1" strike="noStrike">
-              <a:solidFill>
-                <a:srgbClr val="000000"/>
-              </a:solidFill>
-              <a:latin typeface="Arial"/>
-            </a:endParaRPr>
-          </a:p>
-          <a:p>
-            <a:endParaRPr b="0" lang="en-US" sz="1800" spc="-1" strike="noStrike">
-              <a:solidFill>
-                <a:srgbClr val="000000"/>
-              </a:solidFill>
-              <a:latin typeface="Arial"/>
-            </a:endParaRPr>
-          </a:p>
-          <a:p>
-            <a:endParaRPr b="0" lang="en-US" sz="1800" spc="-1" strike="noStrike">
-              <a:solidFill>
-                <a:srgbClr val="000000"/>
-              </a:solidFill>
-              <a:latin typeface="Arial"/>
-            </a:endParaRPr>
-          </a:p>
-        </p:txBody>
-      </p:sp>
-      <p:sp>
-        <p:nvSpPr>
-          <p:cNvPr id="119" name="PlaceHolder 1"/>
+        </p:txBody>
+      </p:sp>
+      <p:sp>
+        <p:nvSpPr>
+          <p:cNvPr id="121" name="PlaceHolder 1"/>
           <p:cNvSpPr>
             <a:spLocks noGrp="1"/>
           </p:cNvSpPr>
@@ -8066,15 +7753,15 @@
             <a:r>
               <a:rPr b="1" lang="en-US" sz="2800" spc="-1" strike="noStrike">
                 <a:solidFill>
-                  <a:srgbClr val="ffffff"/>
+                  <a:schemeClr val="dk1"/>
                 </a:solidFill>
                 <a:latin typeface="Calibri"/>
               </a:rPr>
               <a:t>2. Mô tả sản phẩm</a:t>
             </a:r>
-            <a:endParaRPr b="1" lang="en-US" sz="2800" spc="-1" strike="noStrike">
-              <a:solidFill>
-                <a:srgbClr val="ffffff"/>
+            <a:endParaRPr b="0" lang="en-US" sz="2800" spc="-1" strike="noStrike">
+              <a:solidFill>
+                <a:schemeClr val="dk1"/>
               </a:solidFill>
               <a:latin typeface="Calibri"/>
             </a:endParaRPr>
@@ -8083,7 +7770,7 @@
       </p:sp>
       <p:sp>
         <p:nvSpPr>
-          <p:cNvPr id="120" name=""/>
+          <p:cNvPr id="122" name=""/>
           <p:cNvSpPr txBox="1"/>
           <p:nvPr/>
         </p:nvSpPr>
@@ -8114,7 +7801,7 @@
               </a:rPr>
               <a:t>2.1 Chức năng chính của sản phẩm</a:t>
             </a:r>
-            <a:endParaRPr b="1" lang="en-US" sz="1800" spc="-1" strike="noStrike">
+            <a:endParaRPr b="0" lang="en-US" sz="1800" spc="-1" strike="noStrike">
               <a:solidFill>
                 <a:srgbClr val="000000"/>
               </a:solidFill>
@@ -8125,7 +7812,7 @@
       </p:sp>
       <p:sp>
         <p:nvSpPr>
-          <p:cNvPr id="121" name=""/>
+          <p:cNvPr id="123" name=""/>
           <p:cNvSpPr txBox="1"/>
           <p:nvPr/>
         </p:nvSpPr>
@@ -8163,9 +7850,9 @@
                 </a:solidFill>
                 <a:latin typeface="Arial"/>
               </a:rPr>
-              <a:t>2.1.4 Kết luận</a:t>
-            </a:r>
-            <a:endParaRPr b="1" lang="en-US" sz="1800" spc="-1" strike="noStrike">
+              <a:t>2.1.4 Mô tả hoạt động</a:t>
+            </a:r>
+            <a:endParaRPr b="0" lang="en-US" sz="1800" spc="-1" strike="noStrike">
               <a:solidFill>
                 <a:srgbClr val="000000"/>
               </a:solidFill>
@@ -8188,7 +7875,7 @@
         <p:txBody>
           <a:bodyPr/>
           <a:p>
-            <a:fld id="{E80301FB-6C6D-4CA2-8BCD-5E6DC00E6115}" type="slidenum">
+            <a:fld id="{FA2453E1-F551-42F0-8F2C-0CE370DC4147}" type="slidenum">
               <a:t>11</a:t>
             </a:fld>
           </a:p>
@@ -8226,13 +7913,13 @@
       </p:grpSpPr>
       <p:sp>
         <p:nvSpPr>
-          <p:cNvPr id="122" name=""/>
+          <p:cNvPr id="124" name=""/>
           <p:cNvSpPr txBox="1"/>
           <p:nvPr/>
         </p:nvSpPr>
         <p:spPr>
           <a:xfrm>
-            <a:off x="685800" y="1600200"/>
+            <a:off x="1143000" y="2057400"/>
             <a:ext cx="7086600" cy="4114800"/>
           </a:xfrm>
           <a:prstGeom prst="rect">
@@ -8255,7 +7942,16 @@
                 </a:solidFill>
                 <a:latin typeface="Arial"/>
               </a:rPr>
-              <a:t>- Sản phẩm có thể được sử dụng trong việc lập kế hoạch ăn uống của sinh viên sao cho phù hợp, từ đó làm cải thiện chất lượng bữa ăn, tăng hiệu quả của sinh viên trong quá trình học tập, rèn luyện trong khi vẫn kiểm soát được chi tiêu ở mức độ phù hợp</a:t>
+              <a:t>- Ưu điểm: Có thể tìm ra được những phương pháp mới mà dùng </a:t>
+            </a:r>
+            <a:r>
+              <a:rPr b="0" lang="en-US" sz="1800" spc="-1" strike="noStrike">
+                <a:solidFill>
+                  <a:srgbClr val="000000"/>
+                </a:solidFill>
+                <a:latin typeface="Arial"/>
+              </a:rPr>
+              <a:t>thuật toán thông thường không tìm ra được </a:t>
             </a:r>
             <a:endParaRPr b="0" lang="en-US" sz="1800" spc="-1" strike="noStrike">
               <a:solidFill>
@@ -8264,11 +7960,130 @@
               <a:latin typeface="Arial"/>
             </a:endParaRPr>
           </a:p>
-        </p:txBody>
-      </p:sp>
-      <p:sp>
-        <p:nvSpPr>
-          <p:cNvPr id="123" name="PlaceHolder 1"/>
+          <a:p>
+            <a:r>
+              <a:rPr b="0" lang="en-US" sz="1800" spc="-1" strike="noStrike">
+                <a:solidFill>
+                  <a:srgbClr val="000000"/>
+                </a:solidFill>
+                <a:latin typeface="Arial"/>
+              </a:rPr>
+              <a:t>- Nhược điểm:</a:t>
+            </a:r>
+            <a:endParaRPr b="0" lang="en-US" sz="1800" spc="-1" strike="noStrike">
+              <a:solidFill>
+                <a:srgbClr val="000000"/>
+              </a:solidFill>
+              <a:latin typeface="Arial"/>
+            </a:endParaRPr>
+          </a:p>
+          <a:p>
+            <a:r>
+              <a:rPr b="0" lang="en-US" sz="1800" spc="-1" strike="noStrike">
+                <a:solidFill>
+                  <a:srgbClr val="000000"/>
+                </a:solidFill>
+                <a:latin typeface="Arial"/>
+              </a:rPr>
+              <a:t>	</a:t>
+            </a:r>
+            <a:r>
+              <a:rPr b="0" lang="en-US" sz="1800" spc="-1" strike="noStrike">
+                <a:solidFill>
+                  <a:srgbClr val="000000"/>
+                </a:solidFill>
+                <a:latin typeface="Arial"/>
+              </a:rPr>
+              <a:t>+ Tốn nhiều tài nguyên để huấn luyện</a:t>
+            </a:r>
+            <a:endParaRPr b="0" lang="en-US" sz="1800" spc="-1" strike="noStrike">
+              <a:solidFill>
+                <a:srgbClr val="000000"/>
+              </a:solidFill>
+              <a:latin typeface="Arial"/>
+            </a:endParaRPr>
+          </a:p>
+          <a:p>
+            <a:r>
+              <a:rPr b="0" lang="en-US" sz="1800" spc="-1" strike="noStrike">
+                <a:solidFill>
+                  <a:srgbClr val="000000"/>
+                </a:solidFill>
+                <a:latin typeface="Arial"/>
+              </a:rPr>
+              <a:t>	</a:t>
+            </a:r>
+            <a:r>
+              <a:rPr b="0" lang="en-US" sz="1800" spc="-1" strike="noStrike">
+                <a:solidFill>
+                  <a:srgbClr val="000000"/>
+                </a:solidFill>
+                <a:latin typeface="Arial"/>
+              </a:rPr>
+              <a:t>+ Cần phải huấn luyện lại khi thay đổi dữ liệu thực phẩm</a:t>
+            </a:r>
+            <a:endParaRPr b="0" lang="en-US" sz="1800" spc="-1" strike="noStrike">
+              <a:solidFill>
+                <a:srgbClr val="000000"/>
+              </a:solidFill>
+              <a:latin typeface="Arial"/>
+            </a:endParaRPr>
+          </a:p>
+          <a:p>
+            <a:endParaRPr b="0" lang="en-US" sz="1800" spc="-1" strike="noStrike">
+              <a:solidFill>
+                <a:srgbClr val="000000"/>
+              </a:solidFill>
+              <a:latin typeface="Arial"/>
+            </a:endParaRPr>
+          </a:p>
+          <a:p>
+            <a:r>
+              <a:rPr b="0" lang="en-US" sz="1800" spc="-1" strike="noStrike">
+                <a:solidFill>
+                  <a:srgbClr val="000000"/>
+                </a:solidFill>
+                <a:latin typeface="Arial"/>
+              </a:rPr>
+              <a:t>- Kết quả trong thực tế: Chưa có kết quả cụ thể vì vấn đề về cơ sở hạ </a:t>
+            </a:r>
+            <a:r>
+              <a:rPr b="0" lang="en-US" sz="1800" spc="-1" strike="noStrike">
+                <a:solidFill>
+                  <a:srgbClr val="000000"/>
+                </a:solidFill>
+                <a:latin typeface="Arial"/>
+              </a:rPr>
+              <a:t>tầng</a:t>
+            </a:r>
+            <a:endParaRPr b="0" lang="en-US" sz="1800" spc="-1" strike="noStrike">
+              <a:solidFill>
+                <a:srgbClr val="000000"/>
+              </a:solidFill>
+              <a:latin typeface="Arial"/>
+            </a:endParaRPr>
+          </a:p>
+          <a:p>
+            <a:endParaRPr b="0" lang="en-US" sz="1800" spc="-1" strike="noStrike">
+              <a:solidFill>
+                <a:srgbClr val="000000"/>
+              </a:solidFill>
+              <a:latin typeface="Arial"/>
+            </a:endParaRPr>
+          </a:p>
+          <a:p>
+            <a:endParaRPr b="0" lang="en-US" sz="1800" spc="-1" strike="noStrike">
+              <a:solidFill>
+                <a:srgbClr val="000000"/>
+              </a:solidFill>
+              <a:latin typeface="Arial"/>
+            </a:endParaRPr>
+          </a:p>
+        </p:txBody>
+      </p:sp>
+      <p:sp>
+        <p:nvSpPr>
+          <p:cNvPr id="125" name="PlaceHolder 1"/>
           <p:cNvSpPr>
             <a:spLocks noGrp="1"/>
           </p:cNvSpPr>
@@ -8300,15 +8115,15 @@
             <a:r>
               <a:rPr b="1" lang="en-US" sz="2800" spc="-1" strike="noStrike">
                 <a:solidFill>
-                  <a:srgbClr val="ffffff"/>
+                  <a:schemeClr val="dk1"/>
                 </a:solidFill>
                 <a:latin typeface="Calibri"/>
               </a:rPr>
               <a:t>2. Mô tả sản phẩm</a:t>
             </a:r>
-            <a:endParaRPr b="1" lang="en-US" sz="2800" spc="-1" strike="noStrike">
-              <a:solidFill>
-                <a:srgbClr val="ffffff"/>
+            <a:endParaRPr b="0" lang="en-US" sz="2800" spc="-1" strike="noStrike">
+              <a:solidFill>
+                <a:schemeClr val="dk1"/>
               </a:solidFill>
               <a:latin typeface="Calibri"/>
             </a:endParaRPr>
@@ -8317,7 +8132,7 @@
       </p:sp>
       <p:sp>
         <p:nvSpPr>
-          <p:cNvPr id="124" name=""/>
+          <p:cNvPr id="126" name=""/>
           <p:cNvSpPr txBox="1"/>
           <p:nvPr/>
         </p:nvSpPr>
@@ -8346,9 +8161,60 @@
                 </a:solidFill>
                 <a:latin typeface="Arial"/>
               </a:rPr>
-              <a:t>2.2 Đánh giá sản phẩm</a:t>
-            </a:r>
-            <a:endParaRPr b="1" lang="en-US" sz="1800" spc="-1" strike="noStrike">
+              <a:t>2.1 Chức năng chính của sản phẩm</a:t>
+            </a:r>
+            <a:endParaRPr b="0" lang="en-US" sz="1800" spc="-1" strike="noStrike">
+              <a:solidFill>
+                <a:srgbClr val="000000"/>
+              </a:solidFill>
+              <a:latin typeface="Arial"/>
+            </a:endParaRPr>
+          </a:p>
+        </p:txBody>
+      </p:sp>
+      <p:sp>
+        <p:nvSpPr>
+          <p:cNvPr id="127" name=""/>
+          <p:cNvSpPr txBox="1"/>
+          <p:nvPr/>
+        </p:nvSpPr>
+        <p:spPr>
+          <a:xfrm>
+            <a:off x="228600" y="1600200"/>
+            <a:ext cx="8686800" cy="457200"/>
+          </a:xfrm>
+          <a:prstGeom prst="rect">
+            <a:avLst/>
+          </a:prstGeom>
+          <a:noFill/>
+          <a:ln w="0">
+            <a:noFill/>
+          </a:ln>
+        </p:spPr>
+        <p:txBody>
+          <a:bodyPr lIns="90000" rIns="90000" tIns="45000" bIns="45000" anchor="t">
+            <a:noAutofit/>
+          </a:bodyPr>
+          <a:p>
+            <a:r>
+              <a:rPr b="1" lang="en-US" sz="1800" spc="-1" strike="noStrike">
+                <a:solidFill>
+                  <a:srgbClr val="000000"/>
+                </a:solidFill>
+                <a:latin typeface="Arial"/>
+              </a:rPr>
+              <a:t>	</a:t>
+            </a:r>
+            <a:r>
+              <a:rPr b="1" lang="en-US" sz="1800" spc="-1" strike="noStrike">
+                <a:solidFill>
+                  <a:srgbClr val="000000"/>
+                </a:solidFill>
+                <a:latin typeface="Arial"/>
+              </a:rPr>
+              <a:t>2.1.5 Kết luận</a:t>
+            </a:r>
+            <a:endParaRPr b="0" lang="en-US" sz="1800" spc="-1" strike="noStrike">
               <a:solidFill>
                 <a:srgbClr val="000000"/>
               </a:solidFill>
@@ -8371,7 +8237,7 @@
         <p:txBody>
           <a:bodyPr/>
           <a:p>
-            <a:fld id="{1A1D5E36-4B3C-4F3E-B116-E7146EBFB096}" type="slidenum">
+            <a:fld id="{1FCB18E1-7C80-4B22-A787-8AE56805ADDB}" type="slidenum">
               <a:t>12</a:t>
             </a:fld>
           </a:p>
@@ -8409,7 +8275,7 @@
       </p:grpSpPr>
       <p:sp>
         <p:nvSpPr>
-          <p:cNvPr id="125" name=""/>
+          <p:cNvPr id="128" name=""/>
           <p:cNvSpPr txBox="1"/>
           <p:nvPr/>
         </p:nvSpPr>
@@ -8438,7 +8304,7 @@
                 </a:solidFill>
                 <a:latin typeface="Arial"/>
               </a:rPr>
-              <a:t>- Thiết bị có GPU rời, khuyến nghị PC (cho quá trình huấn luyện)</a:t>
+              <a:t>- Sản phẩm có thể được sử dụng trong việc lập kế hoạch ăn uống của sinh viên sao cho phù hợp, từ đó làm cải thiện chất lượng bữa ăn, tăng hiệu quả của sinh viên trong quá trình học tập, rèn luyện trong khi vẫn kiểm soát được chi tiêu ở mức độ phù hợp</a:t>
             </a:r>
             <a:endParaRPr b="0" lang="en-US" sz="1800" spc="-1" strike="noStrike">
               <a:solidFill>
@@ -8447,19 +8313,11 @@
               <a:latin typeface="Arial"/>
             </a:endParaRPr>
           </a:p>
-          <a:p>
-            <a:endParaRPr b="0" lang="en-US" sz="1800" spc="-1" strike="noStrike">
-              <a:solidFill>
-                <a:srgbClr val="000000"/>
-              </a:solidFill>
-              <a:latin typeface="Arial"/>
-            </a:endParaRPr>
-          </a:p>
-        </p:txBody>
-      </p:sp>
-      <p:sp>
-        <p:nvSpPr>
-          <p:cNvPr id="126" name="PlaceHolder 1"/>
+        </p:txBody>
+      </p:sp>
+      <p:sp>
+        <p:nvSpPr>
+          <p:cNvPr id="129" name="PlaceHolder 1"/>
           <p:cNvSpPr>
             <a:spLocks noGrp="1"/>
           </p:cNvSpPr>
@@ -8491,15 +8349,15 @@
             <a:r>
               <a:rPr b="1" lang="en-US" sz="2800" spc="-1" strike="noStrike">
                 <a:solidFill>
-                  <a:srgbClr val="ffffff"/>
+                  <a:schemeClr val="dk1"/>
                 </a:solidFill>
                 <a:latin typeface="Calibri"/>
               </a:rPr>
               <a:t>2. Mô tả sản phẩm</a:t>
             </a:r>
-            <a:endParaRPr b="1" lang="en-US" sz="2800" spc="-1" strike="noStrike">
-              <a:solidFill>
-                <a:srgbClr val="ffffff"/>
+            <a:endParaRPr b="0" lang="en-US" sz="2800" spc="-1" strike="noStrike">
+              <a:solidFill>
+                <a:schemeClr val="dk1"/>
               </a:solidFill>
               <a:latin typeface="Calibri"/>
             </a:endParaRPr>
@@ -8508,7 +8366,7 @@
       </p:sp>
       <p:sp>
         <p:nvSpPr>
-          <p:cNvPr id="127" name=""/>
+          <p:cNvPr id="130" name=""/>
           <p:cNvSpPr txBox="1"/>
           <p:nvPr/>
         </p:nvSpPr>
@@ -8537,9 +8395,9 @@
                 </a:solidFill>
                 <a:latin typeface="Arial"/>
               </a:rPr>
-              <a:t>2.3 Yêu cầu cơ sở hạ tầng</a:t>
-            </a:r>
-            <a:endParaRPr b="1" lang="en-US" sz="1800" spc="-1" strike="noStrike">
+              <a:t>2.2 Đánh giá sản phẩm</a:t>
+            </a:r>
+            <a:endParaRPr b="0" lang="en-US" sz="1800" spc="-1" strike="noStrike">
               <a:solidFill>
                 <a:srgbClr val="000000"/>
               </a:solidFill>
@@ -8562,7 +8420,7 @@
         <p:txBody>
           <a:bodyPr/>
           <a:p>
-            <a:fld id="{22995076-99C7-44F3-A8E2-E301C09641A9}" type="slidenum">
+            <a:fld id="{EC38060C-9571-4613-A044-60E1F1FADD7E}" type="slidenum">
               <a:t>13</a:t>
             </a:fld>
           </a:p>
@@ -8600,7 +8458,7 @@
       </p:grpSpPr>
       <p:sp>
         <p:nvSpPr>
-          <p:cNvPr id="128" name=""/>
+          <p:cNvPr id="131" name=""/>
           <p:cNvSpPr txBox="1"/>
           <p:nvPr/>
         </p:nvSpPr>
@@ -8629,7 +8487,7 @@
                 </a:solidFill>
                 <a:latin typeface="Arial"/>
               </a:rPr>
-              <a:t>- Thêm dữ liệu vào tệp data.csv theo mong muốn của người dùng</a:t>
+              <a:t>- Thiết bị có GPU rời, khuyến nghị PC (cho quá trình huấn luyện)</a:t>
             </a:r>
             <a:endParaRPr b="0" lang="en-US" sz="1800" spc="-1" strike="noStrike">
               <a:solidFill>
@@ -8639,15 +8497,6 @@
             </a:endParaRPr>
           </a:p>
           <a:p>
-            <a:r>
-              <a:rPr b="0" lang="en-US" sz="1800" spc="-1" strike="noStrike">
-                <a:solidFill>
-                  <a:srgbClr val="000000"/>
-                </a:solidFill>
-                <a:latin typeface="Arial"/>
-              </a:rPr>
-              <a:t>- Chạy tệp train.py để huấn luyện</a:t>
-            </a:r>
             <a:endParaRPr b="0" lang="en-US" sz="1800" spc="-1" strike="noStrike">
               <a:solidFill>
                 <a:srgbClr val="000000"/>
@@ -8655,45 +8504,11 @@
               <a:latin typeface="Arial"/>
             </a:endParaRPr>
           </a:p>
-          <a:p>
-            <a:r>
-              <a:rPr b="0" lang="en-US" sz="1800" spc="-1" strike="noStrike">
-                <a:solidFill>
-                  <a:srgbClr val="000000"/>
-                </a:solidFill>
-                <a:latin typeface="Arial"/>
-              </a:rPr>
-              <a:t>- Đợi cho đến khi tệp chạy xong hoặc nhấn Enter để ngắt giữa chừng. Kết quả sẽ được lưu vào tệp model.pth</a:t>
-            </a:r>
-            <a:endParaRPr b="0" lang="en-US" sz="1800" spc="-1" strike="noStrike">
-              <a:solidFill>
-                <a:srgbClr val="000000"/>
-              </a:solidFill>
-              <a:latin typeface="Arial"/>
-            </a:endParaRPr>
-          </a:p>
-          <a:p>
-            <a:r>
-              <a:rPr b="0" lang="en-US" sz="1800" spc="-1" strike="noStrike">
-                <a:solidFill>
-                  <a:srgbClr val="000000"/>
-                </a:solidFill>
-                <a:latin typeface="Arial"/>
-              </a:rPr>
-              <a:t>- Chạy tệp run.py với tệp model.pth ở thư mục hiện tại, nhập dữ liệu vào và xem kết quả</a:t>
-            </a:r>
-            <a:endParaRPr b="0" lang="en-US" sz="1800" spc="-1" strike="noStrike">
-              <a:solidFill>
-                <a:srgbClr val="000000"/>
-              </a:solidFill>
-              <a:latin typeface="Arial"/>
-            </a:endParaRPr>
-          </a:p>
-        </p:txBody>
-      </p:sp>
-      <p:sp>
-        <p:nvSpPr>
-          <p:cNvPr id="129" name="PlaceHolder 1"/>
+        </p:txBody>
+      </p:sp>
+      <p:sp>
+        <p:nvSpPr>
+          <p:cNvPr id="132" name="PlaceHolder 1"/>
           <p:cNvSpPr>
             <a:spLocks noGrp="1"/>
           </p:cNvSpPr>
@@ -8725,15 +8540,15 @@
             <a:r>
               <a:rPr b="1" lang="en-US" sz="2800" spc="-1" strike="noStrike">
                 <a:solidFill>
-                  <a:srgbClr val="ffffff"/>
+                  <a:schemeClr val="dk1"/>
                 </a:solidFill>
                 <a:latin typeface="Calibri"/>
               </a:rPr>
               <a:t>2. Mô tả sản phẩm</a:t>
             </a:r>
-            <a:endParaRPr b="1" lang="en-US" sz="2800" spc="-1" strike="noStrike">
-              <a:solidFill>
-                <a:srgbClr val="ffffff"/>
+            <a:endParaRPr b="0" lang="en-US" sz="2800" spc="-1" strike="noStrike">
+              <a:solidFill>
+                <a:schemeClr val="dk1"/>
               </a:solidFill>
               <a:latin typeface="Calibri"/>
             </a:endParaRPr>
@@ -8742,7 +8557,7 @@
       </p:sp>
       <p:sp>
         <p:nvSpPr>
-          <p:cNvPr id="130" name=""/>
+          <p:cNvPr id="133" name=""/>
           <p:cNvSpPr txBox="1"/>
           <p:nvPr/>
         </p:nvSpPr>
@@ -8771,9 +8586,9 @@
                 </a:solidFill>
                 <a:latin typeface="Arial"/>
               </a:rPr>
-              <a:t>2.4 Hướng dẫn sử dụng</a:t>
-            </a:r>
-            <a:endParaRPr b="1" lang="en-US" sz="1800" spc="-1" strike="noStrike">
+              <a:t>2.3 Yêu cầu cơ sở hạ tầng</a:t>
+            </a:r>
+            <a:endParaRPr b="0" lang="en-US" sz="1800" spc="-1" strike="noStrike">
               <a:solidFill>
                 <a:srgbClr val="000000"/>
               </a:solidFill>
@@ -8796,7 +8611,7 @@
         <p:txBody>
           <a:bodyPr/>
           <a:p>
-            <a:fld id="{55BA0BD5-BF18-470F-9889-4E7C10FD1612}" type="slidenum">
+            <a:fld id="{9A5E858D-D84E-49B7-B669-B8AE21512A8A}" type="slidenum">
               <a:t>14</a:t>
             </a:fld>
           </a:p>
@@ -8834,7 +8649,7 @@
       </p:grpSpPr>
       <p:sp>
         <p:nvSpPr>
-          <p:cNvPr id="131" name=""/>
+          <p:cNvPr id="134" name=""/>
           <p:cNvSpPr txBox="1"/>
           <p:nvPr/>
         </p:nvSpPr>
@@ -8863,7 +8678,7 @@
                 </a:solidFill>
                 <a:latin typeface="Arial"/>
               </a:rPr>
-              <a:t>Các khuyết điểm đang có:</a:t>
+              <a:t>- Thêm dữ liệu vào tệp data.csv theo mong muốn của người dùng</a:t>
             </a:r>
             <a:endParaRPr b="0" lang="en-US" sz="1800" spc="-1" strike="noStrike">
               <a:solidFill>
@@ -8880,7 +8695,7 @@
                 </a:solidFill>
                 <a:latin typeface="Arial"/>
               </a:rPr>
-              <a:t>- Sản phẩm cần phải huấn luyện lại khi thay đổi dữ liệu thực phẩm</a:t>
+              <a:t>- Chạy tệp train.py để huấn luyện</a:t>
             </a:r>
             <a:endParaRPr b="0" lang="en-US" sz="1800" spc="-1" strike="noStrike">
               <a:solidFill>
@@ -8897,7 +8712,7 @@
                 </a:solidFill>
                 <a:latin typeface="Arial"/>
               </a:rPr>
-              <a:t>=&gt; Tìm cách vector hóa dữ liệu</a:t>
+              <a:t>- Đợi cho đến khi tệp chạy xong hoặc nhấn Enter để ngắt giữa chừng. Kết quả sẽ được lưu vào tệp model.pth</a:t>
             </a:r>
             <a:endParaRPr b="0" lang="en-US" sz="1800" spc="-1" strike="noStrike">
               <a:solidFill>
@@ -8914,7 +8729,7 @@
                 </a:solidFill>
                 <a:latin typeface="Arial"/>
               </a:rPr>
-              <a:t>- Sản phẩm tốn nhiều tài nguyên để huấn luyện</a:t>
+              <a:t>- Chạy tệp run.py với tệp model.pth ở thư mục hiện tại, nhập dữ liệu vào và xem kết quả</a:t>
             </a:r>
             <a:endParaRPr b="0" lang="en-US" sz="1800" spc="-1" strike="noStrike">
               <a:solidFill>
@@ -8923,28 +8738,11 @@
               <a:latin typeface="Arial"/>
             </a:endParaRPr>
           </a:p>
-          <a:p>
-            <a:r>
-              <a:rPr b="0" lang="en-US" sz="1800" spc="-1" strike="noStrike">
-                <a:solidFill>
-                  <a:srgbClr val="000000"/>
-                </a:solidFill>
-                <a:latin typeface="Arial"/>
-              </a:rPr>
-              <a:t>=&gt; Sự dụng cơ sở hạ tầng tốt hơn</a:t>
-            </a:r>
-            <a:endParaRPr b="0" lang="en-US" sz="1800" spc="-1" strike="noStrike">
-              <a:solidFill>
-                <a:srgbClr val="000000"/>
-              </a:solidFill>
-              <a:latin typeface="Arial"/>
-            </a:endParaRPr>
-          </a:p>
-        </p:txBody>
-      </p:sp>
-      <p:sp>
-        <p:nvSpPr>
-          <p:cNvPr id="132" name="PlaceHolder 1"/>
+        </p:txBody>
+      </p:sp>
+      <p:sp>
+        <p:nvSpPr>
+          <p:cNvPr id="135" name="PlaceHolder 1"/>
           <p:cNvSpPr>
             <a:spLocks noGrp="1"/>
           </p:cNvSpPr>
@@ -8976,15 +8774,15 @@
             <a:r>
               <a:rPr b="1" lang="en-US" sz="2800" spc="-1" strike="noStrike">
                 <a:solidFill>
-                  <a:srgbClr val="ffffff"/>
+                  <a:schemeClr val="dk1"/>
                 </a:solidFill>
                 <a:latin typeface="Calibri"/>
               </a:rPr>
               <a:t>2. Mô tả sản phẩm</a:t>
             </a:r>
-            <a:endParaRPr b="1" lang="en-US" sz="2800" spc="-1" strike="noStrike">
-              <a:solidFill>
-                <a:srgbClr val="ffffff"/>
+            <a:endParaRPr b="0" lang="en-US" sz="2800" spc="-1" strike="noStrike">
+              <a:solidFill>
+                <a:schemeClr val="dk1"/>
               </a:solidFill>
               <a:latin typeface="Calibri"/>
             </a:endParaRPr>
@@ -8993,7 +8791,7 @@
       </p:sp>
       <p:sp>
         <p:nvSpPr>
-          <p:cNvPr id="133" name=""/>
+          <p:cNvPr id="136" name=""/>
           <p:cNvSpPr txBox="1"/>
           <p:nvPr/>
         </p:nvSpPr>
@@ -9022,9 +8820,9 @@
                 </a:solidFill>
                 <a:latin typeface="Arial"/>
               </a:rPr>
-              <a:t>2.5 Tự đánh giá</a:t>
-            </a:r>
-            <a:endParaRPr b="1" lang="en-US" sz="1800" spc="-1" strike="noStrike">
+              <a:t>2.4 Hướng dẫn sử dụng</a:t>
+            </a:r>
+            <a:endParaRPr b="0" lang="en-US" sz="1800" spc="-1" strike="noStrike">
               <a:solidFill>
                 <a:srgbClr val="000000"/>
               </a:solidFill>
@@ -9047,7 +8845,7 @@
         <p:txBody>
           <a:bodyPr/>
           <a:p>
-            <a:fld id="{38FD95BD-2511-4469-8B22-FE9EDEE06038}" type="slidenum">
+            <a:fld id="{D60BE839-1908-46E5-8FEA-97F1C973E2AC}" type="slidenum">
               <a:t>15</a:t>
             </a:fld>
           </a:p>
@@ -9085,7 +8883,117 @@
       </p:grpSpPr>
       <p:sp>
         <p:nvSpPr>
-          <p:cNvPr id="134" name="PlaceHolder 1"/>
+          <p:cNvPr id="137" name=""/>
+          <p:cNvSpPr txBox="1"/>
+          <p:nvPr/>
+        </p:nvSpPr>
+        <p:spPr>
+          <a:xfrm>
+            <a:off x="685800" y="1600200"/>
+            <a:ext cx="7086600" cy="4114800"/>
+          </a:xfrm>
+          <a:prstGeom prst="rect">
+            <a:avLst/>
+          </a:prstGeom>
+          <a:noFill/>
+          <a:ln w="0">
+            <a:noFill/>
+          </a:ln>
+        </p:spPr>
+        <p:txBody>
+          <a:bodyPr lIns="90000" rIns="90000" tIns="45000" bIns="45000" anchor="t">
+            <a:noAutofit/>
+          </a:bodyPr>
+          <a:p>
+            <a:r>
+              <a:rPr b="0" lang="en-US" sz="1800" spc="-1" strike="noStrike">
+                <a:solidFill>
+                  <a:srgbClr val="000000"/>
+                </a:solidFill>
+                <a:latin typeface="Arial"/>
+              </a:rPr>
+              <a:t>Các khuyết điểm đang có:</a:t>
+            </a:r>
+            <a:endParaRPr b="0" lang="en-US" sz="1800" spc="-1" strike="noStrike">
+              <a:solidFill>
+                <a:srgbClr val="000000"/>
+              </a:solidFill>
+              <a:latin typeface="Arial"/>
+            </a:endParaRPr>
+          </a:p>
+          <a:p>
+            <a:r>
+              <a:rPr b="0" lang="en-US" sz="1800" spc="-1" strike="noStrike">
+                <a:solidFill>
+                  <a:srgbClr val="000000"/>
+                </a:solidFill>
+                <a:latin typeface="Arial"/>
+              </a:rPr>
+              <a:t>- Sản phẩm cần phải huấn luyện lại khi thay đổi dữ liệu thực phẩm</a:t>
+            </a:r>
+            <a:endParaRPr b="0" lang="en-US" sz="1800" spc="-1" strike="noStrike">
+              <a:solidFill>
+                <a:srgbClr val="000000"/>
+              </a:solidFill>
+              <a:latin typeface="Arial"/>
+            </a:endParaRPr>
+          </a:p>
+          <a:p>
+            <a:r>
+              <a:rPr b="0" lang="en-US" sz="1800" spc="-1" strike="noStrike">
+                <a:solidFill>
+                  <a:srgbClr val="000000"/>
+                </a:solidFill>
+                <a:latin typeface="Arial"/>
+              </a:rPr>
+              <a:t>=&gt; Tìm cách vector hóa dữ liệu</a:t>
+            </a:r>
+            <a:endParaRPr b="0" lang="en-US" sz="1800" spc="-1" strike="noStrike">
+              <a:solidFill>
+                <a:srgbClr val="000000"/>
+              </a:solidFill>
+              <a:latin typeface="Arial"/>
+            </a:endParaRPr>
+          </a:p>
+          <a:p>
+            <a:r>
+              <a:rPr b="0" lang="en-US" sz="1800" spc="-1" strike="noStrike">
+                <a:solidFill>
+                  <a:srgbClr val="000000"/>
+                </a:solidFill>
+                <a:latin typeface="Arial"/>
+              </a:rPr>
+              <a:t>- Sản phẩm tốn nhiều tài nguyên để huấn luyện</a:t>
+            </a:r>
+            <a:endParaRPr b="0" lang="en-US" sz="1800" spc="-1" strike="noStrike">
+              <a:solidFill>
+                <a:srgbClr val="000000"/>
+              </a:solidFill>
+              <a:latin typeface="Arial"/>
+            </a:endParaRPr>
+          </a:p>
+          <a:p>
+            <a:r>
+              <a:rPr b="0" lang="en-US" sz="1800" spc="-1" strike="noStrike">
+                <a:solidFill>
+                  <a:srgbClr val="000000"/>
+                </a:solidFill>
+                <a:latin typeface="Arial"/>
+              </a:rPr>
+              <a:t>=&gt; Sự dụng cơ sở hạ tầng tốt hơn</a:t>
+            </a:r>
+            <a:endParaRPr b="0" lang="en-US" sz="1800" spc="-1" strike="noStrike">
+              <a:solidFill>
+                <a:srgbClr val="000000"/>
+              </a:solidFill>
+              <a:latin typeface="Arial"/>
+            </a:endParaRPr>
+          </a:p>
+        </p:txBody>
+      </p:sp>
+      <p:sp>
+        <p:nvSpPr>
+          <p:cNvPr id="138" name="PlaceHolder 1"/>
           <p:cNvSpPr>
             <a:spLocks noGrp="1"/>
           </p:cNvSpPr>
@@ -9111,45 +9019,37 @@
             <a:noAutofit/>
           </a:bodyPr>
           <a:p>
-            <a:pPr indent="0" defTabSz="914400">
-              <a:lnSpc>
-                <a:spcPct val="90000"/>
-              </a:lnSpc>
+            <a:pPr indent="0">
               <a:buNone/>
             </a:pPr>
             <a:r>
               <a:rPr b="1" lang="en-US" sz="2800" spc="-1" strike="noStrike">
                 <a:solidFill>
-                  <a:schemeClr val="lt1"/>
-                </a:solidFill>
-                <a:latin typeface="Lato"/>
-              </a:rPr>
-              <a:t>Kết luận</a:t>
-            </a:r>
-            <a:endParaRPr b="1" lang="en-US" sz="2800" spc="-1" strike="noStrike">
-              <a:solidFill>
-                <a:schemeClr val="lt1"/>
-              </a:solidFill>
-              <a:latin typeface="Lato"/>
-              <a:ea typeface="Lato"/>
-            </a:endParaRPr>
-          </a:p>
-        </p:txBody>
-      </p:sp>
-      <p:sp>
-        <p:nvSpPr>
-          <p:cNvPr id="135" name="PlaceHolder 2"/>
-          <p:cNvSpPr>
-            <a:spLocks noGrp="1"/>
-          </p:cNvSpPr>
-          <p:nvPr>
-            <p:ph/>
-          </p:nvPr>
+                  <a:schemeClr val="dk1"/>
+                </a:solidFill>
+                <a:latin typeface="Calibri"/>
+              </a:rPr>
+              <a:t>2. Mô tả sản phẩm</a:t>
+            </a:r>
+            <a:endParaRPr b="0" lang="en-US" sz="2800" spc="-1" strike="noStrike">
+              <a:solidFill>
+                <a:schemeClr val="dk1"/>
+              </a:solidFill>
+              <a:latin typeface="Calibri"/>
+            </a:endParaRPr>
+          </a:p>
+        </p:txBody>
+      </p:sp>
+      <p:sp>
+        <p:nvSpPr>
+          <p:cNvPr id="139" name=""/>
+          <p:cNvSpPr txBox="1"/>
+          <p:nvPr/>
         </p:nvSpPr>
         <p:spPr>
           <a:xfrm>
-            <a:off x="235080" y="1227600"/>
-            <a:ext cx="8673840" cy="4867920"/>
+            <a:off x="228600" y="1143000"/>
+            <a:ext cx="8686800" cy="457200"/>
           </a:xfrm>
           <a:prstGeom prst="rect">
             <a:avLst/>
@@ -9164,88 +9064,39 @@
             <a:noAutofit/>
           </a:bodyPr>
           <a:p>
-            <a:pPr marL="228600" indent="-228600" defTabSz="914400">
-              <a:lnSpc>
-                <a:spcPct val="90000"/>
-              </a:lnSpc>
-              <a:spcBef>
-                <a:spcPts val="1001"/>
-              </a:spcBef>
-              <a:buClr>
-                <a:srgbClr val="000000"/>
-              </a:buClr>
-              <a:buFont typeface="Arial"/>
-              <a:buChar char="•"/>
-            </a:pPr>
-            <a:r>
-              <a:rPr b="0" lang="en-US" sz="1800" spc="-1" strike="noStrike">
-                <a:solidFill>
-                  <a:schemeClr val="dk1"/>
-                </a:solidFill>
-                <a:latin typeface="Lato"/>
-              </a:rPr>
-              <a:t>Hướng phát triển:</a:t>
+            <a:r>
+              <a:rPr b="1" lang="en-US" sz="1800" spc="-1" strike="noStrike">
+                <a:solidFill>
+                  <a:srgbClr val="000000"/>
+                </a:solidFill>
+                <a:latin typeface="Arial"/>
+              </a:rPr>
+              <a:t>2.5 Tự đánh giá</a:t>
             </a:r>
             <a:endParaRPr b="0" lang="en-US" sz="1800" spc="-1" strike="noStrike">
               <a:solidFill>
-                <a:schemeClr val="dk1"/>
-              </a:solidFill>
-              <a:latin typeface="Lato"/>
-              <a:ea typeface="Lato"/>
-            </a:endParaRPr>
-          </a:p>
-          <a:p>
-            <a:pPr lvl="1" marL="864000" indent="0" defTabSz="914400">
-              <a:lnSpc>
-                <a:spcPct val="90000"/>
-              </a:lnSpc>
-              <a:spcBef>
-                <a:spcPts val="1134"/>
-              </a:spcBef>
-              <a:buNone/>
-            </a:pPr>
-            <a:r>
-              <a:rPr b="0" lang="en-US" sz="1800" spc="-1" strike="noStrike">
-                <a:solidFill>
-                  <a:schemeClr val="dk1"/>
-                </a:solidFill>
-                <a:latin typeface="Calibri"/>
-              </a:rPr>
-              <a:t>Sản phẩm có thể sử dụng để hỗ trợ các xí nghiệp có nhà ăn cho nhân viên nhằm tối đa hóa doanh thu, đồng thời đảm bảo nhân viên luôn được làm việc trong trạng thái tốt nhất có thể </a:t>
-            </a:r>
-            <a:r>
-              <a:rPr b="0" lang="en-US" sz="2000" spc="-1" strike="noStrike">
-                <a:solidFill>
-                  <a:schemeClr val="dk1"/>
-                </a:solidFill>
-                <a:latin typeface="Calibri"/>
-              </a:rPr>
-              <a:t> </a:t>
-            </a:r>
-            <a:endParaRPr b="0" lang="en-US" sz="2000" spc="-1" strike="noStrike">
-              <a:solidFill>
-                <a:schemeClr val="dk1"/>
-              </a:solidFill>
-              <a:latin typeface="Calibri"/>
-            </a:endParaRPr>
-          </a:p>
-        </p:txBody>
-      </p:sp>
-      <p:sp>
-        <p:nvSpPr>
-          <p:cNvPr id="4" name="PlaceHolder 3"/>
+                <a:srgbClr val="000000"/>
+              </a:solidFill>
+              <a:latin typeface="Arial"/>
+            </a:endParaRPr>
+          </a:p>
+        </p:txBody>
+      </p:sp>
+      <p:sp>
+        <p:nvSpPr>
+          <p:cNvPr id="3" name="PlaceHolder 2"/>
           <p:cNvSpPr>
             <a:spLocks noGrp="1"/>
           </p:cNvSpPr>
           <p:nvPr>
-            <p:ph type="sldNum" idx="3"/>
+            <p:ph type="sldNum" idx="30"/>
           </p:nvPr>
         </p:nvSpPr>
         <p:spPr/>
         <p:txBody>
           <a:bodyPr/>
           <a:p>
-            <a:fld id="{57635E5E-732C-4FE3-8A8A-4D753E585D47}" type="slidenum">
+            <a:fld id="{48D1D779-7516-4743-881B-06D92DB6B798}" type="slidenum">
               <a:t>16</a:t>
             </a:fld>
           </a:p>
@@ -9283,7 +9134,7 @@
       </p:grpSpPr>
       <p:sp>
         <p:nvSpPr>
-          <p:cNvPr id="136" name="PlaceHolder 1"/>
+          <p:cNvPr id="140" name="PlaceHolder 1"/>
           <p:cNvSpPr>
             <a:spLocks noGrp="1"/>
           </p:cNvSpPr>
@@ -9321,22 +9172,22 @@
                   <a:schemeClr val="lt1"/>
                 </a:solidFill>
                 <a:latin typeface="Lato"/>
-              </a:rPr>
-              <a:t>Tài liệu tham khảo </a:t>
-            </a:r>
-            <a:endParaRPr b="1" lang="en-US" sz="2800" spc="-1" strike="noStrike">
-              <a:solidFill>
-                <a:schemeClr val="lt1"/>
-              </a:solidFill>
-              <a:latin typeface="Lato"/>
-              <a:ea typeface="Lato"/>
-            </a:endParaRPr>
-          </a:p>
-        </p:txBody>
-      </p:sp>
-      <p:sp>
-        <p:nvSpPr>
-          <p:cNvPr id="137" name="PlaceHolder 2"/>
+                <a:ea typeface="Lato"/>
+              </a:rPr>
+              <a:t>Kết luận</a:t>
+            </a:r>
+            <a:endParaRPr b="0" lang="en-US" sz="2800" spc="-1" strike="noStrike">
+              <a:solidFill>
+                <a:schemeClr val="dk1"/>
+              </a:solidFill>
+              <a:latin typeface="Calibri"/>
+            </a:endParaRPr>
+          </a:p>
+        </p:txBody>
+      </p:sp>
+      <p:sp>
+        <p:nvSpPr>
+          <p:cNvPr id="141" name="PlaceHolder 2"/>
           <p:cNvSpPr>
             <a:spLocks noGrp="1"/>
           </p:cNvSpPr>
@@ -9346,8 +9197,8 @@
         </p:nvSpPr>
         <p:spPr>
           <a:xfrm>
-            <a:off x="595800" y="1532880"/>
-            <a:ext cx="8319600" cy="4350960"/>
+            <a:off x="235080" y="1227600"/>
+            <a:ext cx="8673840" cy="4867920"/>
           </a:xfrm>
           <a:prstGeom prst="rect">
             <a:avLst/>
@@ -9362,29 +9213,28 @@
             <a:noAutofit/>
           </a:bodyPr>
           <a:p>
-            <a:pPr marL="432000" indent="-324000">
+            <a:pPr marL="228600" indent="-228600" defTabSz="914400">
               <a:lnSpc>
                 <a:spcPct val="90000"/>
               </a:lnSpc>
               <a:spcBef>
-                <a:spcPts val="1417"/>
+                <a:spcPts val="1001"/>
               </a:spcBef>
               <a:buClr>
                 <a:srgbClr val="000000"/>
               </a:buClr>
-              <a:buSzPct val="45000"/>
-              <a:buFont typeface="Wingdings" charset="2"/>
-              <a:buChar char=""/>
+              <a:buFont typeface="Arial"/>
+              <a:buChar char="•"/>
             </a:pPr>
             <a:r>
               <a:rPr b="0" lang="en-US" sz="1800" spc="-1" strike="noStrike">
                 <a:solidFill>
                   <a:schemeClr val="dk1"/>
                 </a:solidFill>
-                <a:latin typeface="Calibri"/>
-                <a:hlinkClick r:id="rId1"/>
-              </a:rPr>
-              <a:t>https://github.com/tsmatz/reinforcement-learning-tutorials/blob/master/01-dqn.ipynb</a:t>
+                <a:latin typeface="Lato"/>
+                <a:ea typeface="Lato"/>
+              </a:rPr>
+              <a:t>Hướng phát triển:</a:t>
             </a:r>
             <a:endParaRPr b="0" lang="en-US" sz="1800" spc="-1" strike="noStrike">
               <a:solidFill>
@@ -9394,80 +9244,34 @@
             </a:endParaRPr>
           </a:p>
           <a:p>
-            <a:pPr marL="432000" indent="-324000">
+            <a:pPr lvl="1" marL="864000" indent="0" defTabSz="914400">
               <a:lnSpc>
                 <a:spcPct val="90000"/>
               </a:lnSpc>
               <a:spcBef>
-                <a:spcPts val="1417"/>
-              </a:spcBef>
-              <a:buClr>
-                <a:srgbClr val="000000"/>
-              </a:buClr>
-              <a:buSzPct val="45000"/>
-              <a:buFont typeface="Wingdings" charset="2"/>
-              <a:buChar char=""/>
-            </a:pPr>
-            <a:r>
-              <a:rPr b="0" lang="en-US" sz="1800" spc="-1" strike="noStrike">
-                <a:solidFill>
-                  <a:schemeClr val="dk1"/>
-                </a:solidFill>
-                <a:latin typeface="Calibri"/>
-                <a:hlinkClick r:id="rId2"/>
-              </a:rPr>
-              <a:t>https://viblo.asia/p/gioi-thieu-ve-reinforcement-learning-rl-djeZ1GEY5Wz</a:t>
-            </a:r>
-            <a:endParaRPr b="0" lang="en-US" sz="1800" spc="-1" strike="noStrike">
-              <a:solidFill>
-                <a:schemeClr val="dk1"/>
-              </a:solidFill>
-              <a:latin typeface="Calibri"/>
-            </a:endParaRPr>
-          </a:p>
-          <a:p>
-            <a:pPr marL="432000" indent="-324000">
-              <a:lnSpc>
-                <a:spcPct val="90000"/>
-              </a:lnSpc>
-              <a:spcBef>
-                <a:spcPts val="1417"/>
-              </a:spcBef>
-              <a:buClr>
-                <a:srgbClr val="000000"/>
-              </a:buClr>
-              <a:buSzPct val="45000"/>
-              <a:buFont typeface="Wingdings" charset="2"/>
-              <a:buChar char=""/>
-            </a:pPr>
-            <a:r>
-              <a:rPr b="0" lang="en-US" sz="1800" spc="-1" strike="noStrike">
-                <a:solidFill>
-                  <a:schemeClr val="dk1"/>
-                </a:solidFill>
-                <a:latin typeface="Calibri"/>
-                <a:hlinkClick r:id="rId3"/>
-              </a:rPr>
-              <a:t>https://fdc.nal.usda.gov/fdc-app.html</a:t>
-            </a:r>
-            <a:endParaRPr b="0" lang="en-US" sz="1800" spc="-1" strike="noStrike">
-              <a:solidFill>
-                <a:schemeClr val="dk1"/>
-              </a:solidFill>
-              <a:latin typeface="Calibri"/>
-            </a:endParaRPr>
-          </a:p>
-          <a:p>
-            <a:pPr marL="432000" indent="0">
-              <a:lnSpc>
-                <a:spcPct val="90000"/>
-              </a:lnSpc>
-              <a:spcBef>
-                <a:spcPts val="1417"/>
+                <a:spcPts val="1134"/>
               </a:spcBef>
               <a:buNone/>
             </a:pPr>
-            <a:endParaRPr b="0" lang="en-US" sz="1800" spc="-1" strike="noStrike">
+            <a:r>
+              <a:rPr b="0" lang="en-US" sz="1800" spc="-1" strike="noStrike">
+                <a:solidFill>
+                  <a:schemeClr val="dk1"/>
+                </a:solidFill>
+                <a:latin typeface="Calibri"/>
+              </a:rPr>
+              <a:t>Sản phẩm có thể sử dụng để hỗ trợ các xí nghiệp có nhà ăn cho nhân viên nhằm tối đa hóa doanh thu, đồng thời đảm bảo nhân viên luôn được làm việc trong trạng thái tốt nhất có thể </a:t>
+            </a:r>
+            <a:r>
+              <a:rPr b="0" lang="en-US" sz="2000" spc="-1" strike="noStrike">
+                <a:solidFill>
+                  <a:schemeClr val="dk1"/>
+                </a:solidFill>
+                <a:latin typeface="Calibri"/>
+              </a:rPr>
+              <a:t> </a:t>
+            </a:r>
+            <a:endParaRPr b="0" lang="en-US" sz="2000" spc="-1" strike="noStrike">
               <a:solidFill>
                 <a:schemeClr val="dk1"/>
               </a:solidFill>
@@ -9483,14 +9287,14 @@
             <a:spLocks noGrp="1"/>
           </p:cNvSpPr>
           <p:nvPr>
-            <p:ph type="sldNum" idx="6"/>
+            <p:ph type="sldNum" idx="3"/>
           </p:nvPr>
         </p:nvSpPr>
         <p:spPr/>
         <p:txBody>
           <a:bodyPr/>
           <a:p>
-            <a:fld id="{500436BA-A164-4CF3-93D9-8A03CB79E9D2}" type="slidenum">
+            <a:fld id="{345C98DF-965A-4E77-A71F-D348750CE022}" type="slidenum">
               <a:t>17</a:t>
             </a:fld>
           </a:p>
@@ -9528,7 +9332,252 @@
       </p:grpSpPr>
       <p:sp>
         <p:nvSpPr>
-          <p:cNvPr id="138" name="Title 10"/>
+          <p:cNvPr id="142" name="PlaceHolder 1"/>
+          <p:cNvSpPr>
+            <a:spLocks noGrp="1"/>
+          </p:cNvSpPr>
+          <p:nvPr>
+            <p:ph type="title"/>
+          </p:nvPr>
+        </p:nvSpPr>
+        <p:spPr>
+          <a:xfrm>
+            <a:off x="235080" y="78480"/>
+            <a:ext cx="8673480" cy="451440"/>
+          </a:xfrm>
+          <a:prstGeom prst="rect">
+            <a:avLst/>
+          </a:prstGeom>
+          <a:noFill/>
+          <a:ln w="0">
+            <a:noFill/>
+          </a:ln>
+        </p:spPr>
+        <p:txBody>
+          <a:bodyPr lIns="90000" rIns="90000" tIns="45000" bIns="45000" anchor="t">
+            <a:noAutofit/>
+          </a:bodyPr>
+          <a:p>
+            <a:pPr indent="0" defTabSz="914400">
+              <a:lnSpc>
+                <a:spcPct val="90000"/>
+              </a:lnSpc>
+              <a:buNone/>
+            </a:pPr>
+            <a:r>
+              <a:rPr b="1" lang="en-US" sz="2800" spc="-1" strike="noStrike">
+                <a:solidFill>
+                  <a:schemeClr val="lt1"/>
+                </a:solidFill>
+                <a:latin typeface="Lato"/>
+                <a:ea typeface="Lato"/>
+              </a:rPr>
+              <a:t>Tài liệu tham khảo </a:t>
+            </a:r>
+            <a:endParaRPr b="0" lang="en-US" sz="2800" spc="-1" strike="noStrike">
+              <a:solidFill>
+                <a:schemeClr val="dk1"/>
+              </a:solidFill>
+              <a:latin typeface="Calibri"/>
+            </a:endParaRPr>
+          </a:p>
+        </p:txBody>
+      </p:sp>
+      <p:sp>
+        <p:nvSpPr>
+          <p:cNvPr id="143" name="PlaceHolder 2"/>
+          <p:cNvSpPr>
+            <a:spLocks noGrp="1"/>
+          </p:cNvSpPr>
+          <p:nvPr>
+            <p:ph/>
+          </p:nvPr>
+        </p:nvSpPr>
+        <p:spPr>
+          <a:xfrm>
+            <a:off x="595800" y="1532880"/>
+            <a:ext cx="8319600" cy="4350960"/>
+          </a:xfrm>
+          <a:prstGeom prst="rect">
+            <a:avLst/>
+          </a:prstGeom>
+          <a:noFill/>
+          <a:ln w="0">
+            <a:noFill/>
+          </a:ln>
+        </p:spPr>
+        <p:txBody>
+          <a:bodyPr lIns="90000" rIns="90000" tIns="45000" bIns="45000" anchor="t">
+            <a:noAutofit/>
+          </a:bodyPr>
+          <a:p>
+            <a:pPr marL="432000" indent="-324000">
+              <a:lnSpc>
+                <a:spcPct val="90000"/>
+              </a:lnSpc>
+              <a:spcBef>
+                <a:spcPts val="1417"/>
+              </a:spcBef>
+              <a:buClr>
+                <a:srgbClr val="000000"/>
+              </a:buClr>
+              <a:buSzPct val="45000"/>
+              <a:buFont typeface="Wingdings" charset="2"/>
+              <a:buChar char=""/>
+            </a:pPr>
+            <a:r>
+              <a:rPr b="0" lang="en-US" sz="1800" spc="-1" strike="noStrike">
+                <a:solidFill>
+                  <a:schemeClr val="dk1"/>
+                </a:solidFill>
+                <a:latin typeface="Calibri"/>
+                <a:hlinkClick r:id="rId1"/>
+              </a:rPr>
+              <a:t>https://github.com/tsmatz/reinforcement-learning-tutorials/blob/master/01-dqn.ipynb</a:t>
+            </a:r>
+            <a:endParaRPr b="0" lang="en-US" sz="1800" spc="-1" strike="noStrike">
+              <a:solidFill>
+                <a:schemeClr val="dk1"/>
+              </a:solidFill>
+              <a:latin typeface="Calibri"/>
+            </a:endParaRPr>
+          </a:p>
+          <a:p>
+            <a:pPr marL="432000" indent="-324000">
+              <a:lnSpc>
+                <a:spcPct val="90000"/>
+              </a:lnSpc>
+              <a:spcBef>
+                <a:spcPts val="1417"/>
+              </a:spcBef>
+              <a:buClr>
+                <a:srgbClr val="000000"/>
+              </a:buClr>
+              <a:buSzPct val="45000"/>
+              <a:buFont typeface="Wingdings" charset="2"/>
+              <a:buChar char=""/>
+            </a:pPr>
+            <a:r>
+              <a:rPr b="0" lang="en-US" sz="1800" spc="-1" strike="noStrike">
+                <a:solidFill>
+                  <a:schemeClr val="dk1"/>
+                </a:solidFill>
+                <a:latin typeface="Calibri"/>
+                <a:hlinkClick r:id="rId2"/>
+              </a:rPr>
+              <a:t>https://viblo.asia/p/gioi-thieu-ve-reinforcement-learning-rl-djeZ1GEY5Wz</a:t>
+            </a:r>
+            <a:endParaRPr b="0" lang="en-US" sz="1800" spc="-1" strike="noStrike">
+              <a:solidFill>
+                <a:schemeClr val="dk1"/>
+              </a:solidFill>
+              <a:latin typeface="Calibri"/>
+            </a:endParaRPr>
+          </a:p>
+          <a:p>
+            <a:pPr marL="432000" indent="-324000">
+              <a:lnSpc>
+                <a:spcPct val="90000"/>
+              </a:lnSpc>
+              <a:spcBef>
+                <a:spcPts val="1417"/>
+              </a:spcBef>
+              <a:buClr>
+                <a:srgbClr val="000000"/>
+              </a:buClr>
+              <a:buSzPct val="45000"/>
+              <a:buFont typeface="Wingdings" charset="2"/>
+              <a:buChar char=""/>
+            </a:pPr>
+            <a:r>
+              <a:rPr b="0" lang="en-US" sz="1800" spc="-1" strike="noStrike">
+                <a:solidFill>
+                  <a:schemeClr val="dk1"/>
+                </a:solidFill>
+                <a:latin typeface="Calibri"/>
+                <a:hlinkClick r:id="rId3"/>
+              </a:rPr>
+              <a:t>https://fdc.nal.usda.gov/fdc-app.html</a:t>
+            </a:r>
+            <a:endParaRPr b="0" lang="en-US" sz="1800" spc="-1" strike="noStrike">
+              <a:solidFill>
+                <a:schemeClr val="dk1"/>
+              </a:solidFill>
+              <a:latin typeface="Calibri"/>
+            </a:endParaRPr>
+          </a:p>
+          <a:p>
+            <a:pPr marL="432000" indent="0">
+              <a:lnSpc>
+                <a:spcPct val="90000"/>
+              </a:lnSpc>
+              <a:spcBef>
+                <a:spcPts val="1417"/>
+              </a:spcBef>
+              <a:buNone/>
+            </a:pPr>
+            <a:endParaRPr b="0" lang="en-US" sz="1800" spc="-1" strike="noStrike">
+              <a:solidFill>
+                <a:schemeClr val="dk1"/>
+              </a:solidFill>
+              <a:latin typeface="Calibri"/>
+            </a:endParaRPr>
+          </a:p>
+        </p:txBody>
+      </p:sp>
+      <p:sp>
+        <p:nvSpPr>
+          <p:cNvPr id="4" name="PlaceHolder 3"/>
+          <p:cNvSpPr>
+            <a:spLocks noGrp="1"/>
+          </p:cNvSpPr>
+          <p:nvPr>
+            <p:ph type="sldNum" idx="6"/>
+          </p:nvPr>
+        </p:nvSpPr>
+        <p:spPr/>
+        <p:txBody>
+          <a:bodyPr/>
+          <a:p>
+            <a:fld id="{2FD2AFD4-FD32-4194-B18C-92D4F1DCB8F5}" type="slidenum">
+              <a:t>18</a:t>
+            </a:fld>
+          </a:p>
+        </p:txBody>
+      </p:sp>
+    </p:spTree>
+  </p:cSld>
+  <mc:AlternateContent>
+    <mc:Choice Requires="p14">
+      <p:transition spd="slow" p14:dur="2000"/>
+    </mc:Choice>
+    <mc:Fallback>
+      <p:transition spd="slow"/>
+    </mc:Fallback>
+  </mc:AlternateContent>
+</p:sld>
+</file>
+
+<file path=ppt/slides/slide19.xml><?xml version="1.0" encoding="utf-8"?>
+<p:sld xmlns:a="http://schemas.openxmlformats.org/drawingml/2006/main" xmlns:p="http://schemas.openxmlformats.org/presentationml/2006/main" xmlns:r="http://schemas.openxmlformats.org/officeDocument/2006/relationships" xmlns:p14="http://schemas.microsoft.com/office/powerpoint/2010/main" xmlns:p15="http://schemas.microsoft.com/office/powerpoint/2012/main" xmlns:mc="http://schemas.openxmlformats.org/markup-compatibility/2006">
+  <p:cSld>
+    <p:spTree>
+      <p:nvGrpSpPr>
+        <p:cNvPr id="1" name=""/>
+        <p:cNvGrpSpPr/>
+        <p:nvPr/>
+      </p:nvGrpSpPr>
+      <p:grpSpPr>
+        <a:xfrm>
+          <a:off x="0" y="0"/>
+          <a:ext cx="0" cy="0"/>
+          <a:chOff x="0" y="0"/>
+          <a:chExt cx="0" cy="0"/>
+        </a:xfrm>
+      </p:grpSpPr>
+      <p:sp>
+        <p:nvSpPr>
+          <p:cNvPr id="144" name="Title 10"/>
           <p:cNvSpPr/>
           <p:nvPr/>
         </p:nvSpPr>
@@ -9594,8 +9643,8 @@
         <p:txBody>
           <a:bodyPr/>
           <a:p>
-            <a:fld id="{7CA418F6-32DD-41E0-BACD-799A62816800}" type="slidenum">
-              <a:t>18</a:t>
+            <a:fld id="{EE57837B-A1FC-4A92-9514-52DB4B2A1CD9}" type="slidenum">
+              <a:t>19</a:t>
             </a:fld>
           </a:p>
         </p:txBody>
@@ -9632,7 +9681,7 @@
       </p:grpSpPr>
       <p:pic>
         <p:nvPicPr>
-          <p:cNvPr id="60" name="Picture 3" descr=""/>
+          <p:cNvPr id="62" name="Picture 3" descr=""/>
           <p:cNvPicPr/>
           <p:nvPr/>
         </p:nvPicPr>
@@ -9655,7 +9704,7 @@
       </p:pic>
       <p:sp>
         <p:nvSpPr>
-          <p:cNvPr id="61" name="Title 6"/>
+          <p:cNvPr id="63" name="Title 6"/>
           <p:cNvSpPr/>
           <p:nvPr/>
         </p:nvSpPr>
@@ -9696,7 +9745,57 @@
                 <a:latin typeface="Lato"/>
                 <a:ea typeface="Lato"/>
               </a:rPr>
-              <a:t>DỰ ÁN CUỐI KHÓA</a:t>
+              <a:t>DỰ </a:t>
+            </a:r>
+            <a:r>
+              <a:rPr b="1" lang="en-US" sz="5400" spc="-1" strike="noStrike">
+                <a:solidFill>
+                  <a:srgbClr val="c00000"/>
+                </a:solidFill>
+                <a:latin typeface="Lato"/>
+                <a:ea typeface="Lato"/>
+              </a:rPr>
+              <a:t>ÁN </a:t>
+            </a:r>
+            <a:r>
+              <a:rPr b="1" lang="en-US" sz="5400" spc="-1" strike="noStrike">
+                <a:solidFill>
+                  <a:srgbClr val="c00000"/>
+                </a:solidFill>
+                <a:latin typeface="Lato"/>
+                <a:ea typeface="Lato"/>
+              </a:rPr>
+              <a:t>CU</a:t>
+            </a:r>
+            <a:r>
+              <a:rPr b="1" lang="en-US" sz="5400" spc="-1" strike="noStrike">
+                <a:solidFill>
+                  <a:srgbClr val="c00000"/>
+                </a:solidFill>
+                <a:latin typeface="Lato"/>
+                <a:ea typeface="Lato"/>
+              </a:rPr>
+              <a:t>ỐI </a:t>
+            </a:r>
+            <a:r>
+              <a:rPr b="1" lang="en-US" sz="5400" spc="-1" strike="noStrike">
+                <a:solidFill>
+                  <a:srgbClr val="c00000"/>
+                </a:solidFill>
+                <a:latin typeface="Lato"/>
+                <a:ea typeface="Lato"/>
+              </a:rPr>
+              <a:t>KH</a:t>
+            </a:r>
+            <a:r>
+              <a:rPr b="1" lang="en-US" sz="5400" spc="-1" strike="noStrike">
+                <a:solidFill>
+                  <a:srgbClr val="c00000"/>
+                </a:solidFill>
+                <a:latin typeface="Lato"/>
+                <a:ea typeface="Lato"/>
+              </a:rPr>
+              <a:t>ÓA</a:t>
             </a:r>
             <a:endParaRPr b="0" lang="en-US" sz="5400" spc="-1" strike="noStrike">
               <a:solidFill>
@@ -9709,7 +9808,7 @@
       </p:sp>
       <p:sp>
         <p:nvSpPr>
-          <p:cNvPr id="62" name="Title 6"/>
+          <p:cNvPr id="64" name="Title 6"/>
           <p:cNvSpPr/>
           <p:nvPr/>
         </p:nvSpPr>
@@ -9750,7 +9849,107 @@
                 <a:latin typeface="Lato"/>
                 <a:ea typeface="Lato"/>
               </a:rPr>
-              <a:t>Xây dựng mô hình AI hỗ trợ lập lịch trình ăn uống cho sinh viên</a:t>
+              <a:t>Xây </a:t>
+            </a:r>
+            <a:r>
+              <a:rPr b="0" lang="en-US" sz="2800" spc="-1" strike="noStrike">
+                <a:solidFill>
+                  <a:srgbClr val="c00000"/>
+                </a:solidFill>
+                <a:latin typeface="Lato"/>
+                <a:ea typeface="Lato"/>
+              </a:rPr>
+              <a:t>dựng </a:t>
+            </a:r>
+            <a:r>
+              <a:rPr b="0" lang="en-US" sz="2800" spc="-1" strike="noStrike">
+                <a:solidFill>
+                  <a:srgbClr val="c00000"/>
+                </a:solidFill>
+                <a:latin typeface="Lato"/>
+                <a:ea typeface="Lato"/>
+              </a:rPr>
+              <a:t>mô </a:t>
+            </a:r>
+            <a:r>
+              <a:rPr b="0" lang="en-US" sz="2800" spc="-1" strike="noStrike">
+                <a:solidFill>
+                  <a:srgbClr val="c00000"/>
+                </a:solidFill>
+                <a:latin typeface="Lato"/>
+                <a:ea typeface="Lato"/>
+              </a:rPr>
+              <a:t>hình AI </a:t>
+            </a:r>
+            <a:r>
+              <a:rPr b="0" lang="en-US" sz="2800" spc="-1" strike="noStrike">
+                <a:solidFill>
+                  <a:srgbClr val="c00000"/>
+                </a:solidFill>
+                <a:latin typeface="Lato"/>
+                <a:ea typeface="Lato"/>
+              </a:rPr>
+              <a:t>hỗ trợ </a:t>
+            </a:r>
+            <a:r>
+              <a:rPr b="0" lang="en-US" sz="2800" spc="-1" strike="noStrike">
+                <a:solidFill>
+                  <a:srgbClr val="c00000"/>
+                </a:solidFill>
+                <a:latin typeface="Lato"/>
+                <a:ea typeface="Lato"/>
+              </a:rPr>
+              <a:t>lập lịch </a:t>
+            </a:r>
+            <a:r>
+              <a:rPr b="0" lang="en-US" sz="2800" spc="-1" strike="noStrike">
+                <a:solidFill>
+                  <a:srgbClr val="c00000"/>
+                </a:solidFill>
+                <a:latin typeface="Lato"/>
+                <a:ea typeface="Lato"/>
+              </a:rPr>
+              <a:t>trình ăn </a:t>
+            </a:r>
+            <a:r>
+              <a:rPr b="0" lang="en-US" sz="2800" spc="-1" strike="noStrike">
+                <a:solidFill>
+                  <a:srgbClr val="c00000"/>
+                </a:solidFill>
+                <a:latin typeface="Lato"/>
+                <a:ea typeface="Lato"/>
+              </a:rPr>
+              <a:t>uống </a:t>
+            </a:r>
+            <a:r>
+              <a:rPr b="0" lang="en-US" sz="2800" spc="-1" strike="noStrike">
+                <a:solidFill>
+                  <a:srgbClr val="c00000"/>
+                </a:solidFill>
+                <a:latin typeface="Lato"/>
+                <a:ea typeface="Lato"/>
+              </a:rPr>
+              <a:t>cho </a:t>
+            </a:r>
+            <a:r>
+              <a:rPr b="0" lang="en-US" sz="2800" spc="-1" strike="noStrike">
+                <a:solidFill>
+                  <a:srgbClr val="c00000"/>
+                </a:solidFill>
+                <a:latin typeface="Lato"/>
+                <a:ea typeface="Lato"/>
+              </a:rPr>
+              <a:t>sinh </a:t>
+            </a:r>
+            <a:r>
+              <a:rPr b="0" lang="en-US" sz="2800" spc="-1" strike="noStrike">
+                <a:solidFill>
+                  <a:srgbClr val="c00000"/>
+                </a:solidFill>
+                <a:latin typeface="Lato"/>
+                <a:ea typeface="Lato"/>
+              </a:rPr>
+              <a:t>viên</a:t>
             </a:r>
             <a:endParaRPr b="0" lang="en-US" sz="2800" spc="-1" strike="noStrike">
               <a:solidFill>
@@ -9832,7 +10031,7 @@
       </p:grpSpPr>
       <p:sp>
         <p:nvSpPr>
-          <p:cNvPr id="63" name="PlaceHolder 1"/>
+          <p:cNvPr id="65" name="PlaceHolder 1"/>
           <p:cNvSpPr>
             <a:spLocks noGrp="1"/>
           </p:cNvSpPr>
@@ -9870,22 +10069,22 @@
                   <a:schemeClr val="lt1"/>
                 </a:solidFill>
                 <a:latin typeface="Lato"/>
+                <a:ea typeface="Lato"/>
               </a:rPr>
               <a:t>Nội dung</a:t>
             </a:r>
-            <a:endParaRPr b="1" lang="en-US" sz="2800" spc="-1" strike="noStrike">
-              <a:solidFill>
-                <a:schemeClr val="lt1"/>
-              </a:solidFill>
-              <a:latin typeface="Lato"/>
-              <a:ea typeface="Lato"/>
-            </a:endParaRPr>
-          </a:p>
-        </p:txBody>
-      </p:sp>
-      <p:sp>
-        <p:nvSpPr>
-          <p:cNvPr id="64" name="PlaceHolder 2"/>
+            <a:endParaRPr b="0" lang="en-US" sz="2800" spc="-1" strike="noStrike">
+              <a:solidFill>
+                <a:schemeClr val="dk1"/>
+              </a:solidFill>
+              <a:latin typeface="Calibri"/>
+            </a:endParaRPr>
+          </a:p>
+        </p:txBody>
+      </p:sp>
+      <p:sp>
+        <p:nvSpPr>
+          <p:cNvPr id="66" name="PlaceHolder 2"/>
           <p:cNvSpPr>
             <a:spLocks noGrp="1"/>
           </p:cNvSpPr>
@@ -9930,15 +10129,15 @@
                   <a:schemeClr val="dk1"/>
                 </a:solidFill>
                 <a:latin typeface="Lato"/>
+                <a:ea typeface="Lato"/>
               </a:rPr>
               <a:t>Giới thiệu về sản phẩm</a:t>
             </a:r>
-            <a:endParaRPr b="1" lang="en-US" sz="2800" spc="-1" strike="noStrike">
+            <a:endParaRPr b="0" lang="en-US" sz="2800" spc="-1" strike="noStrike">
               <a:solidFill>
                 <a:schemeClr val="dk1"/>
               </a:solidFill>
-              <a:latin typeface="Lato"/>
-              <a:ea typeface="Lato"/>
+              <a:latin typeface="Calibri"/>
             </a:endParaRPr>
           </a:p>
           <a:p>
@@ -9961,15 +10160,15 @@
                   <a:schemeClr val="dk1"/>
                 </a:solidFill>
                 <a:latin typeface="Lato"/>
+                <a:ea typeface="Lato"/>
               </a:rPr>
               <a:t>Mô tả sản phẩm</a:t>
             </a:r>
-            <a:endParaRPr b="1" lang="en-US" sz="2800" spc="-1" strike="noStrike">
+            <a:endParaRPr b="0" lang="en-US" sz="2800" spc="-1" strike="noStrike">
               <a:solidFill>
                 <a:schemeClr val="dk1"/>
               </a:solidFill>
-              <a:latin typeface="Lato"/>
-              <a:ea typeface="Lato"/>
+              <a:latin typeface="Calibri"/>
             </a:endParaRPr>
           </a:p>
           <a:p>
@@ -9992,15 +10191,15 @@
                   <a:schemeClr val="dk1"/>
                 </a:solidFill>
                 <a:latin typeface="Lato"/>
+                <a:ea typeface="Lato"/>
               </a:rPr>
               <a:t>Kết luận</a:t>
             </a:r>
-            <a:endParaRPr b="1" lang="en-US" sz="2800" spc="-1" strike="noStrike">
+            <a:endParaRPr b="0" lang="en-US" sz="2800" spc="-1" strike="noStrike">
               <a:solidFill>
                 <a:schemeClr val="dk1"/>
               </a:solidFill>
-              <a:latin typeface="Lato"/>
-              <a:ea typeface="Lato"/>
+              <a:latin typeface="Calibri"/>
             </a:endParaRPr>
           </a:p>
         </p:txBody>
@@ -10019,7 +10218,7 @@
         <p:txBody>
           <a:bodyPr/>
           <a:p>
-            <a:fld id="{A2FCC413-ADC9-43BF-B845-FB9FBBB5DFC0}" type="slidenum">
+            <a:fld id="{350BB965-A29C-4784-9CB3-2D85948A32FB}" type="slidenum">
               <a:t>3</a:t>
             </a:fld>
           </a:p>
@@ -10057,7 +10256,7 @@
       </p:grpSpPr>
       <p:sp>
         <p:nvSpPr>
-          <p:cNvPr id="65" name="PlaceHolder 1"/>
+          <p:cNvPr id="67" name="PlaceHolder 1"/>
           <p:cNvSpPr>
             <a:spLocks noGrp="1"/>
           </p:cNvSpPr>
@@ -10104,7 +10303,7 @@
               </a:lnSpc>
               <a:buNone/>
             </a:pPr>
-            <a:fld id="{550AB695-FE46-4FF2-B662-D15CD5820987}" type="slidenum">
+            <a:fld id="{B87950AE-D964-476A-85E3-BEDCECC688B8}" type="slidenum">
               <a:rPr b="1" lang="en-US" sz="1200" spc="-1" strike="noStrike">
                 <a:solidFill>
                   <a:srgbClr val="c00000"/>
@@ -10125,7 +10324,7 @@
       </p:sp>
       <p:sp>
         <p:nvSpPr>
-          <p:cNvPr id="66" name="PlaceHolder 2"/>
+          <p:cNvPr id="68" name="PlaceHolder 2"/>
           <p:cNvSpPr>
             <a:spLocks noGrp="1"/>
           </p:cNvSpPr>
@@ -10157,15 +10356,15 @@
             <a:r>
               <a:rPr b="1" lang="en-US" sz="2800" spc="-1" strike="noStrike">
                 <a:solidFill>
-                  <a:srgbClr val="ffffff"/>
+                  <a:schemeClr val="dk1"/>
                 </a:solidFill>
                 <a:latin typeface="Calibri"/>
               </a:rPr>
               <a:t>1. Giới thiệu về sản phẩm</a:t>
             </a:r>
-            <a:endParaRPr b="1" lang="en-US" sz="2800" spc="-1" strike="noStrike">
-              <a:solidFill>
-                <a:srgbClr val="ffffff"/>
+            <a:endParaRPr b="0" lang="en-US" sz="2800" spc="-1" strike="noStrike">
+              <a:solidFill>
+                <a:schemeClr val="dk1"/>
               </a:solidFill>
               <a:latin typeface="Calibri"/>
             </a:endParaRPr>
@@ -10174,7 +10373,7 @@
       </p:sp>
       <p:pic>
         <p:nvPicPr>
-          <p:cNvPr id="67" name="Picture Placeholder 3" descr=""/>
+          <p:cNvPr id="69" name="Picture Placeholder 3" descr=""/>
           <p:cNvPicPr/>
           <p:nvPr/>
         </p:nvPicPr>
@@ -10197,7 +10396,7 @@
       </p:pic>
       <p:sp>
         <p:nvSpPr>
-          <p:cNvPr id="68" name=""/>
+          <p:cNvPr id="70" name=""/>
           <p:cNvSpPr txBox="1"/>
           <p:nvPr/>
         </p:nvSpPr>
@@ -10228,7 +10427,7 @@
               </a:rPr>
               <a:t>1.1 Đặt vấn đề</a:t>
             </a:r>
-            <a:endParaRPr b="1" lang="en-US" sz="1800" spc="-1" strike="noStrike">
+            <a:endParaRPr b="0" lang="en-US" sz="1800" spc="-1" strike="noStrike">
               <a:solidFill>
                 <a:srgbClr val="000000"/>
               </a:solidFill>
@@ -10239,7 +10438,7 @@
       </p:sp>
       <p:pic>
         <p:nvPicPr>
-          <p:cNvPr id="69" name="" descr=""/>
+          <p:cNvPr id="71" name="" descr=""/>
           <p:cNvPicPr/>
           <p:nvPr/>
         </p:nvPicPr>
@@ -10262,7 +10461,7 @@
       </p:pic>
       <p:sp>
         <p:nvSpPr>
-          <p:cNvPr id="70" name=""/>
+          <p:cNvPr id="72" name=""/>
           <p:cNvSpPr txBox="1"/>
           <p:nvPr/>
         </p:nvSpPr>
@@ -10304,7 +10503,7 @@
       </p:sp>
       <p:sp>
         <p:nvSpPr>
-          <p:cNvPr id="71" name=""/>
+          <p:cNvPr id="73" name=""/>
           <p:cNvSpPr txBox="1"/>
           <p:nvPr/>
         </p:nvSpPr>
@@ -10333,16 +10532,7 @@
                 </a:solidFill>
                 <a:latin typeface="Arial"/>
               </a:rPr>
-              <a:t>=&gt; Không có đủ năng lượng cho </a:t>
-            </a:r>
-            <a:r>
-              <a:rPr b="0" lang="en-US" sz="1800" spc="-1" strike="noStrike">
-                <a:solidFill>
-                  <a:srgbClr val="000000"/>
-                </a:solidFill>
-                <a:latin typeface="Arial"/>
-              </a:rPr>
-              <a:t>các hoạt động của bản thân</a:t>
+              <a:t>=&gt; Không có đủ năng lượng cho các hoạt động của bản thân</a:t>
             </a:r>
             <a:endParaRPr b="0" lang="en-US" sz="1800" spc="-1" strike="noStrike">
               <a:solidFill>
@@ -10355,7 +10545,7 @@
       </p:sp>
       <p:sp>
         <p:nvSpPr>
-          <p:cNvPr id="72" name=""/>
+          <p:cNvPr id="74" name=""/>
           <p:cNvSpPr txBox="1"/>
           <p:nvPr/>
         </p:nvSpPr>
@@ -10384,16 +10574,7 @@
                 </a:solidFill>
                 <a:latin typeface="Arial"/>
               </a:rPr>
-              <a:t>=&gt; Kết quả học tập, rèn luyện </a:t>
-            </a:r>
-            <a:r>
-              <a:rPr b="0" lang="en-US" sz="1800" spc="-1" strike="noStrike">
-                <a:solidFill>
-                  <a:srgbClr val="000000"/>
-                </a:solidFill>
-                <a:latin typeface="Arial"/>
-              </a:rPr>
-              <a:t>thấp hơn khả năng của họ</a:t>
+              <a:t>=&gt; Kết quả học tập, rèn luyện thấp hơn khả năng của họ</a:t>
             </a:r>
             <a:endParaRPr b="0" lang="en-US" sz="1800" spc="-1" strike="noStrike">
               <a:solidFill>
@@ -10448,7 +10629,7 @@
                                           </p:stCondLst>
                                         </p:cTn>
                                         <p:tgtEl>
-                                          <p:spTgt spid="70">
+                                          <p:spTgt spid="72">
                                             <p:txEl>
                                               <p:pRg st="0" end="0"/>
                                             </p:txEl>
@@ -10466,7 +10647,7 @@
                                       <p:cBhvr additive="repl">
                                         <p:cTn id="7" dur="500" fill="hold"/>
                                         <p:tgtEl>
-                                          <p:spTgt spid="70">
+                                          <p:spTgt spid="72">
                                             <p:txEl>
                                               <p:pRg st="0" end="0"/>
                                             </p:txEl>
@@ -10493,7 +10674,7 @@
                                       <p:cBhvr additive="repl">
                                         <p:cTn id="8" dur="500" fill="hold"/>
                                         <p:tgtEl>
-                                          <p:spTgt spid="70">
+                                          <p:spTgt spid="72">
                                             <p:txEl>
                                               <p:pRg st="0" end="0"/>
                                             </p:txEl>
@@ -10551,7 +10732,7 @@
                                           </p:stCondLst>
                                         </p:cTn>
                                         <p:tgtEl>
-                                          <p:spTgt spid="71">
+                                          <p:spTgt spid="73">
                                             <p:txEl>
                                               <p:pRg st="0" end="0"/>
                                             </p:txEl>
@@ -10569,7 +10750,7 @@
                                       <p:cBhvr additive="repl">
                                         <p:cTn id="13" dur="500" fill="hold"/>
                                         <p:tgtEl>
-                                          <p:spTgt spid="71">
+                                          <p:spTgt spid="73">
                                             <p:txEl>
                                               <p:pRg st="0" end="0"/>
                                             </p:txEl>
@@ -10596,7 +10777,7 @@
                                       <p:cBhvr additive="repl">
                                         <p:cTn id="14" dur="500" fill="hold"/>
                                         <p:tgtEl>
-                                          <p:spTgt spid="71">
+                                          <p:spTgt spid="73">
                                             <p:txEl>
                                               <p:pRg st="0" end="0"/>
                                             </p:txEl>
@@ -10654,7 +10835,7 @@
                                           </p:stCondLst>
                                         </p:cTn>
                                         <p:tgtEl>
-                                          <p:spTgt spid="72">
+                                          <p:spTgt spid="74">
                                             <p:txEl>
                                               <p:pRg st="0" end="0"/>
                                             </p:txEl>
@@ -10672,7 +10853,7 @@
                                       <p:cBhvr additive="repl">
                                         <p:cTn id="19" dur="500" fill="hold"/>
                                         <p:tgtEl>
-                                          <p:spTgt spid="72">
+                                          <p:spTgt spid="74">
                                             <p:txEl>
                                               <p:pRg st="0" end="0"/>
                                             </p:txEl>
@@ -10699,7 +10880,7 @@
                                       <p:cBhvr additive="repl">
                                         <p:cTn id="20" dur="500" fill="hold"/>
                                         <p:tgtEl>
-                                          <p:spTgt spid="72">
+                                          <p:spTgt spid="74">
                                             <p:txEl>
                                               <p:pRg st="0" end="0"/>
                                             </p:txEl>
@@ -10775,7 +10956,7 @@
       </p:grpSpPr>
       <p:sp>
         <p:nvSpPr>
-          <p:cNvPr id="73" name="PlaceHolder 1"/>
+          <p:cNvPr id="75" name="PlaceHolder 1"/>
           <p:cNvSpPr>
             <a:spLocks noGrp="1"/>
           </p:cNvSpPr>
@@ -10813,22 +10994,22 @@
                   <a:schemeClr val="lt1"/>
                 </a:solidFill>
                 <a:latin typeface="Lato"/>
+                <a:ea typeface="Lato"/>
               </a:rPr>
               <a:t>1. Giới thiệu về sản phẩm</a:t>
             </a:r>
-            <a:endParaRPr b="1" lang="en-US" sz="2800" spc="-1" strike="noStrike">
-              <a:solidFill>
-                <a:schemeClr val="lt1"/>
-              </a:solidFill>
-              <a:latin typeface="Lato"/>
-              <a:ea typeface="Lato"/>
-            </a:endParaRPr>
-          </a:p>
-        </p:txBody>
-      </p:sp>
-      <p:sp>
-        <p:nvSpPr>
-          <p:cNvPr id="74" name="PlaceHolder 2"/>
+            <a:endParaRPr b="0" lang="en-US" sz="2800" spc="-1" strike="noStrike">
+              <a:solidFill>
+                <a:schemeClr val="dk1"/>
+              </a:solidFill>
+              <a:latin typeface="Calibri"/>
+            </a:endParaRPr>
+          </a:p>
+        </p:txBody>
+      </p:sp>
+      <p:sp>
+        <p:nvSpPr>
+          <p:cNvPr id="76" name="PlaceHolder 2"/>
           <p:cNvSpPr>
             <a:spLocks noGrp="1"/>
           </p:cNvSpPr>
@@ -10906,16 +11087,7 @@
                 </a:solidFill>
                 <a:latin typeface="Calibri"/>
               </a:rPr>
-              <a:t>Chia nhỏ vào các bữa ăn </a:t>
-            </a:r>
-            <a:r>
-              <a:rPr b="0" lang="en-US" sz="2000" spc="-1" strike="noStrike">
-                <a:solidFill>
-                  <a:schemeClr val="dk1"/>
-                </a:solidFill>
-                <a:latin typeface="Calibri"/>
-              </a:rPr>
-              <a:t>khác nhau</a:t>
+              <a:t>Chia nhỏ vào các bữa ăn khác nhau</a:t>
             </a:r>
             <a:endParaRPr b="0" lang="en-US" sz="2000" spc="-1" strike="noStrike">
               <a:solidFill>
@@ -10946,25 +11118,7 @@
                 </a:solidFill>
                 <a:latin typeface="Calibri"/>
               </a:rPr>
-              <a:t>Đảm bảo giá trị dinh </a:t>
-            </a:r>
-            <a:r>
-              <a:rPr b="0" lang="en-US" sz="2000" spc="-1" strike="noStrike">
-                <a:solidFill>
-                  <a:schemeClr val="dk1"/>
-                </a:solidFill>
-                <a:latin typeface="Calibri"/>
-              </a:rPr>
-              <a:t>dưỡng lớn hơn một mức </a:t>
-            </a:r>
-            <a:r>
-              <a:rPr b="0" lang="en-US" sz="2000" spc="-1" strike="noStrike">
-                <a:solidFill>
-                  <a:schemeClr val="dk1"/>
-                </a:solidFill>
-                <a:latin typeface="Calibri"/>
-              </a:rPr>
-              <a:t>tối thiểu</a:t>
+              <a:t>Đảm bảo giá trị dinh dưỡng lớn hơn một mức tối thiểu</a:t>
             </a:r>
             <a:endParaRPr b="0" lang="en-US" sz="2000" spc="-1" strike="noStrike">
               <a:solidFill>
@@ -10995,25 +11149,7 @@
                 </a:solidFill>
                 <a:latin typeface="Calibri"/>
               </a:rPr>
-              <a:t>Cố gắng tránh cho giá trị </a:t>
-            </a:r>
-            <a:r>
-              <a:rPr b="0" lang="en-US" sz="2000" spc="-1" strike="noStrike">
-                <a:solidFill>
-                  <a:schemeClr val="dk1"/>
-                </a:solidFill>
-                <a:latin typeface="Calibri"/>
-              </a:rPr>
-              <a:t>dinh dưỡng vượt quá mức </a:t>
-            </a:r>
-            <a:r>
-              <a:rPr b="0" lang="en-US" sz="2000" spc="-1" strike="noStrike">
-                <a:solidFill>
-                  <a:schemeClr val="dk1"/>
-                </a:solidFill>
-                <a:latin typeface="Calibri"/>
-              </a:rPr>
-              <a:t>tối đa</a:t>
+              <a:t>Cố gắng tránh cho giá trị dinh dưỡng vượt quá mức tối đa</a:t>
             </a:r>
             <a:endParaRPr b="0" lang="en-US" sz="2000" spc="-1" strike="noStrike">
               <a:solidFill>
@@ -11026,7 +11162,7 @@
       </p:sp>
       <p:sp>
         <p:nvSpPr>
-          <p:cNvPr id="75" name=""/>
+          <p:cNvPr id="77" name=""/>
           <p:cNvSpPr txBox="1"/>
           <p:nvPr/>
         </p:nvSpPr>
@@ -11057,7 +11193,7 @@
               </a:rPr>
               <a:t>1.2 Ý tưởng của sản phẩm</a:t>
             </a:r>
-            <a:endParaRPr b="1" lang="en-US" sz="1800" spc="-1" strike="noStrike">
+            <a:endParaRPr b="0" lang="en-US" sz="1800" spc="-1" strike="noStrike">
               <a:solidFill>
                 <a:srgbClr val="000000"/>
               </a:solidFill>
@@ -11080,7 +11216,7 @@
         <p:txBody>
           <a:bodyPr/>
           <a:p>
-            <a:fld id="{FC6C1552-11AF-482E-BE1B-93771341BA0A}" type="slidenum">
+            <a:fld id="{4F659DE2-BD8C-44F7-A57E-56BBD856C9D4}" type="slidenum">
               <a:t>5</a:t>
             </a:fld>
           </a:p>
@@ -11130,7 +11266,7 @@
                                           </p:stCondLst>
                                         </p:cTn>
                                         <p:tgtEl>
-                                          <p:spTgt spid="74">
+                                          <p:spTgt spid="76">
                                             <p:txEl>
                                               <p:pRg st="0" end="0"/>
                                             </p:txEl>
@@ -11148,7 +11284,7 @@
                                       <p:cBhvr additive="repl">
                                         <p:cTn id="27" dur="500" fill="hold"/>
                                         <p:tgtEl>
-                                          <p:spTgt spid="74">
+                                          <p:spTgt spid="76">
                                             <p:txEl>
                                               <p:pRg st="0" end="0"/>
                                             </p:txEl>
@@ -11175,7 +11311,7 @@
                                       <p:cBhvr additive="repl">
                                         <p:cTn id="28" dur="500" fill="hold"/>
                                         <p:tgtEl>
-                                          <p:spTgt spid="74">
+                                          <p:spTgt spid="76">
                                             <p:txEl>
                                               <p:pRg st="0" end="0"/>
                                             </p:txEl>
@@ -11233,7 +11369,7 @@
                                           </p:stCondLst>
                                         </p:cTn>
                                         <p:tgtEl>
-                                          <p:spTgt spid="74">
+                                          <p:spTgt spid="76">
                                             <p:txEl>
                                               <p:pRg st="1" end="1"/>
                                             </p:txEl>
@@ -11251,7 +11387,7 @@
                                       <p:cBhvr additive="repl">
                                         <p:cTn id="33" dur="500" fill="hold"/>
                                         <p:tgtEl>
-                                          <p:spTgt spid="74">
+                                          <p:spTgt spid="76">
                                             <p:txEl>
                                               <p:pRg st="1" end="1"/>
                                             </p:txEl>
@@ -11278,7 +11414,7 @@
                                       <p:cBhvr additive="repl">
                                         <p:cTn id="34" dur="500" fill="hold"/>
                                         <p:tgtEl>
-                                          <p:spTgt spid="74">
+                                          <p:spTgt spid="76">
                                             <p:txEl>
                                               <p:pRg st="1" end="1"/>
                                             </p:txEl>
@@ -11336,7 +11472,7 @@
                                           </p:stCondLst>
                                         </p:cTn>
                                         <p:tgtEl>
-                                          <p:spTgt spid="74">
+                                          <p:spTgt spid="76">
                                             <p:txEl>
                                               <p:pRg st="2" end="2"/>
                                             </p:txEl>
@@ -11354,7 +11490,7 @@
                                       <p:cBhvr additive="repl">
                                         <p:cTn id="39" dur="500" fill="hold"/>
                                         <p:tgtEl>
-                                          <p:spTgt spid="74">
+                                          <p:spTgt spid="76">
                                             <p:txEl>
                                               <p:pRg st="2" end="2"/>
                                             </p:txEl>
@@ -11381,7 +11517,7 @@
                                       <p:cBhvr additive="repl">
                                         <p:cTn id="40" dur="500" fill="hold"/>
                                         <p:tgtEl>
-                                          <p:spTgt spid="74">
+                                          <p:spTgt spid="76">
                                             <p:txEl>
                                               <p:pRg st="2" end="2"/>
                                             </p:txEl>
@@ -11439,7 +11575,7 @@
                                           </p:stCondLst>
                                         </p:cTn>
                                         <p:tgtEl>
-                                          <p:spTgt spid="74">
+                                          <p:spTgt spid="76">
                                             <p:txEl>
                                               <p:pRg st="3" end="3"/>
                                             </p:txEl>
@@ -11457,7 +11593,7 @@
                                       <p:cBhvr additive="repl">
                                         <p:cTn id="45" dur="500" fill="hold"/>
                                         <p:tgtEl>
-                                          <p:spTgt spid="74">
+                                          <p:spTgt spid="76">
                                             <p:txEl>
                                               <p:pRg st="3" end="3"/>
                                             </p:txEl>
@@ -11484,7 +11620,7 @@
                                       <p:cBhvr additive="repl">
                                         <p:cTn id="46" dur="500" fill="hold"/>
                                         <p:tgtEl>
-                                          <p:spTgt spid="74">
+                                          <p:spTgt spid="76">
                                             <p:txEl>
                                               <p:pRg st="3" end="3"/>
                                             </p:txEl>
@@ -11560,7 +11696,7 @@
       </p:grpSpPr>
       <p:sp>
         <p:nvSpPr>
-          <p:cNvPr id="76" name="PlaceHolder 1"/>
+          <p:cNvPr id="78" name="PlaceHolder 1"/>
           <p:cNvSpPr>
             <a:spLocks noGrp="1"/>
           </p:cNvSpPr>
@@ -11598,22 +11734,22 @@
                   <a:schemeClr val="lt1"/>
                 </a:solidFill>
                 <a:latin typeface="Lato"/>
+                <a:ea typeface="Lato"/>
               </a:rPr>
               <a:t>1. Giới thiệu về sản phẩm</a:t>
             </a:r>
-            <a:endParaRPr b="1" lang="en-US" sz="2800" spc="-1" strike="noStrike">
-              <a:solidFill>
-                <a:schemeClr val="lt1"/>
-              </a:solidFill>
-              <a:latin typeface="Lato"/>
-              <a:ea typeface="Lato"/>
-            </a:endParaRPr>
-          </a:p>
-        </p:txBody>
-      </p:sp>
-      <p:sp>
-        <p:nvSpPr>
-          <p:cNvPr id="77" name=""/>
+            <a:endParaRPr b="0" lang="en-US" sz="2800" spc="-1" strike="noStrike">
+              <a:solidFill>
+                <a:schemeClr val="dk1"/>
+              </a:solidFill>
+              <a:latin typeface="Calibri"/>
+            </a:endParaRPr>
+          </a:p>
+        </p:txBody>
+      </p:sp>
+      <p:sp>
+        <p:nvSpPr>
+          <p:cNvPr id="79" name=""/>
           <p:cNvSpPr txBox="1"/>
           <p:nvPr/>
         </p:nvSpPr>
@@ -11644,7 +11780,7 @@
               </a:rPr>
               <a:t>1.3 Giới thiệu tổng quan</a:t>
             </a:r>
-            <a:endParaRPr b="1" lang="en-US" sz="1800" spc="-1" strike="noStrike">
+            <a:endParaRPr b="0" lang="en-US" sz="1800" spc="-1" strike="noStrike">
               <a:solidFill>
                 <a:srgbClr val="000000"/>
               </a:solidFill>
@@ -11655,7 +11791,7 @@
       </p:sp>
       <p:sp>
         <p:nvSpPr>
-          <p:cNvPr id="78" name=""/>
+          <p:cNvPr id="80" name=""/>
           <p:cNvSpPr/>
           <p:nvPr/>
         </p:nvSpPr>
@@ -11710,7 +11846,7 @@
       </p:sp>
       <p:sp>
         <p:nvSpPr>
-          <p:cNvPr id="79" name=""/>
+          <p:cNvPr id="81" name=""/>
           <p:cNvSpPr/>
           <p:nvPr/>
         </p:nvSpPr>
@@ -11765,7 +11901,7 @@
       </p:sp>
       <p:sp>
         <p:nvSpPr>
-          <p:cNvPr id="80" name=""/>
+          <p:cNvPr id="82" name=""/>
           <p:cNvSpPr/>
           <p:nvPr/>
         </p:nvSpPr>
@@ -11820,7 +11956,7 @@
       </p:sp>
       <p:sp>
         <p:nvSpPr>
-          <p:cNvPr id="81" name=""/>
+          <p:cNvPr id="83" name=""/>
           <p:cNvSpPr/>
           <p:nvPr/>
         </p:nvSpPr>
@@ -11861,7 +11997,7 @@
       </p:sp>
       <p:sp>
         <p:nvSpPr>
-          <p:cNvPr id="82" name=""/>
+          <p:cNvPr id="84" name=""/>
           <p:cNvSpPr/>
           <p:nvPr/>
         </p:nvSpPr>
@@ -11902,9 +12038,9 @@
       </p:sp>
       <p:cxnSp>
         <p:nvCxnSpPr>
-          <p:cNvPr id="83" name=""/>
+          <p:cNvPr id="85" name=""/>
           <p:cNvCxnSpPr>
-            <a:stCxn id="80" idx="-1"/>
+            <a:stCxn id="82" idx="-1"/>
           </p:cNvCxnSpPr>
           <p:nvPr/>
         </p:nvCxnSpPr>
@@ -11927,9 +12063,9 @@
       </p:cxnSp>
       <p:cxnSp>
         <p:nvCxnSpPr>
-          <p:cNvPr id="84" name=""/>
+          <p:cNvPr id="86" name=""/>
           <p:cNvCxnSpPr>
-            <a:stCxn id="83" idx="1"/>
+            <a:stCxn id="85" idx="1"/>
           </p:cNvCxnSpPr>
           <p:nvPr/>
         </p:nvCxnSpPr>
@@ -11950,7 +12086,7 @@
       </p:cxnSp>
       <p:sp>
         <p:nvSpPr>
-          <p:cNvPr id="85" name=""/>
+          <p:cNvPr id="87" name=""/>
           <p:cNvSpPr/>
           <p:nvPr/>
         </p:nvSpPr>
@@ -11991,7 +12127,7 @@
       </p:sp>
       <p:sp>
         <p:nvSpPr>
-          <p:cNvPr id="86" name=""/>
+          <p:cNvPr id="88" name=""/>
           <p:cNvSpPr txBox="1"/>
           <p:nvPr/>
         </p:nvSpPr>
@@ -12033,7 +12169,7 @@
       </p:sp>
       <p:sp>
         <p:nvSpPr>
-          <p:cNvPr id="87" name=""/>
+          <p:cNvPr id="89" name=""/>
           <p:cNvSpPr txBox="1"/>
           <p:nvPr/>
         </p:nvSpPr>
@@ -12075,7 +12211,7 @@
       </p:sp>
       <p:sp>
         <p:nvSpPr>
-          <p:cNvPr id="88" name=""/>
+          <p:cNvPr id="90" name=""/>
           <p:cNvSpPr/>
           <p:nvPr/>
         </p:nvSpPr>
@@ -12116,7 +12252,7 @@
       </p:sp>
       <p:sp>
         <p:nvSpPr>
-          <p:cNvPr id="89" name=""/>
+          <p:cNvPr id="91" name=""/>
           <p:cNvSpPr txBox="1"/>
           <p:nvPr/>
         </p:nvSpPr>
@@ -12158,9 +12294,9 @@
       </p:sp>
       <p:cxnSp>
         <p:nvCxnSpPr>
-          <p:cNvPr id="90" name=""/>
+          <p:cNvPr id="92" name=""/>
           <p:cNvCxnSpPr>
-            <a:stCxn id="80" idx="2"/>
+            <a:stCxn id="82" idx="2"/>
           </p:cNvCxnSpPr>
           <p:nvPr/>
         </p:nvCxnSpPr>
@@ -12181,9 +12317,9 @@
       </p:cxnSp>
       <p:cxnSp>
         <p:nvCxnSpPr>
-          <p:cNvPr id="91" name=""/>
+          <p:cNvPr id="93" name=""/>
           <p:cNvCxnSpPr>
-            <a:stCxn id="90" idx="1"/>
+            <a:stCxn id="92" idx="1"/>
           </p:cNvCxnSpPr>
           <p:nvPr/>
         </p:nvCxnSpPr>
@@ -12204,7 +12340,7 @@
       </p:cxnSp>
       <p:sp>
         <p:nvSpPr>
-          <p:cNvPr id="92" name=""/>
+          <p:cNvPr id="94" name=""/>
           <p:cNvSpPr/>
           <p:nvPr/>
         </p:nvSpPr>
@@ -12245,7 +12381,7 @@
       </p:sp>
       <p:sp>
         <p:nvSpPr>
-          <p:cNvPr id="93" name=""/>
+          <p:cNvPr id="95" name=""/>
           <p:cNvSpPr txBox="1"/>
           <p:nvPr/>
         </p:nvSpPr>
@@ -12287,9 +12423,9 @@
       </p:sp>
       <p:cxnSp>
         <p:nvCxnSpPr>
-          <p:cNvPr id="94" name=""/>
+          <p:cNvPr id="96" name=""/>
           <p:cNvCxnSpPr>
-            <a:stCxn id="80" idx="3"/>
+            <a:stCxn id="82" idx="3"/>
           </p:cNvCxnSpPr>
           <p:nvPr/>
         </p:nvCxnSpPr>
@@ -12310,7 +12446,7 @@
       </p:cxnSp>
       <p:sp>
         <p:nvSpPr>
-          <p:cNvPr id="95" name=""/>
+          <p:cNvPr id="97" name=""/>
           <p:cNvSpPr/>
           <p:nvPr/>
         </p:nvSpPr>
@@ -12351,7 +12487,7 @@
       </p:sp>
       <p:sp>
         <p:nvSpPr>
-          <p:cNvPr id="96" name=""/>
+          <p:cNvPr id="98" name=""/>
           <p:cNvSpPr txBox="1"/>
           <p:nvPr/>
         </p:nvSpPr>
@@ -12393,7 +12529,7 @@
       </p:sp>
       <p:sp>
         <p:nvSpPr>
-          <p:cNvPr id="97" name=""/>
+          <p:cNvPr id="99" name=""/>
           <p:cNvSpPr/>
           <p:nvPr/>
         </p:nvSpPr>
@@ -12436,7 +12572,7 @@
       </p:sp>
       <p:sp>
         <p:nvSpPr>
-          <p:cNvPr id="98" name=""/>
+          <p:cNvPr id="100" name=""/>
           <p:cNvSpPr txBox="1"/>
           <p:nvPr/>
         </p:nvSpPr>
@@ -12478,7 +12614,7 @@
       </p:sp>
       <p:sp>
         <p:nvSpPr>
-          <p:cNvPr id="99" name=""/>
+          <p:cNvPr id="101" name=""/>
           <p:cNvSpPr/>
           <p:nvPr/>
         </p:nvSpPr>
@@ -12519,9 +12655,9 @@
       </p:sp>
       <p:cxnSp>
         <p:nvCxnSpPr>
-          <p:cNvPr id="100" name=""/>
+          <p:cNvPr id="102" name=""/>
           <p:cNvCxnSpPr>
-            <a:stCxn id="99" idx="0"/>
+            <a:stCxn id="101" idx="0"/>
           </p:cNvCxnSpPr>
           <p:nvPr/>
         </p:nvCxnSpPr>
@@ -12542,7 +12678,7 @@
       </p:cxnSp>
       <p:sp>
         <p:nvSpPr>
-          <p:cNvPr id="101" name=""/>
+          <p:cNvPr id="103" name=""/>
           <p:cNvSpPr txBox="1"/>
           <p:nvPr/>
         </p:nvSpPr>
@@ -12596,7 +12732,7 @@
         <p:txBody>
           <a:bodyPr/>
           <a:p>
-            <a:fld id="{7CCB654B-FE75-4522-9E30-071705568AFB}" type="slidenum">
+            <a:fld id="{5415F205-468A-4D54-A03A-0E90E9B1EAFD}" type="slidenum">
               <a:t>6</a:t>
             </a:fld>
           </a:p>
@@ -12634,7 +12770,7 @@
       </p:grpSpPr>
       <p:sp>
         <p:nvSpPr>
-          <p:cNvPr id="102" name="PlaceHolder 1"/>
+          <p:cNvPr id="104" name="PlaceHolder 1"/>
           <p:cNvSpPr>
             <a:spLocks noGrp="1"/>
           </p:cNvSpPr>
@@ -12666,15 +12802,15 @@
             <a:r>
               <a:rPr b="1" lang="en-US" sz="2800" spc="-1" strike="noStrike">
                 <a:solidFill>
-                  <a:srgbClr val="ffffff"/>
+                  <a:schemeClr val="dk1"/>
                 </a:solidFill>
                 <a:latin typeface="Calibri"/>
               </a:rPr>
               <a:t>2. Mô tả sản phẩm</a:t>
             </a:r>
-            <a:endParaRPr b="1" lang="en-US" sz="2800" spc="-1" strike="noStrike">
-              <a:solidFill>
-                <a:srgbClr val="ffffff"/>
+            <a:endParaRPr b="0" lang="en-US" sz="2800" spc="-1" strike="noStrike">
+              <a:solidFill>
+                <a:schemeClr val="dk1"/>
               </a:solidFill>
               <a:latin typeface="Calibri"/>
             </a:endParaRPr>
@@ -12683,7 +12819,7 @@
       </p:sp>
       <p:sp>
         <p:nvSpPr>
-          <p:cNvPr id="103" name=""/>
+          <p:cNvPr id="105" name=""/>
           <p:cNvSpPr txBox="1"/>
           <p:nvPr/>
         </p:nvSpPr>
@@ -12714,7 +12850,7 @@
               </a:rPr>
               <a:t>2.1 Chức năng chính của sản phẩm</a:t>
             </a:r>
-            <a:endParaRPr b="1" lang="en-US" sz="1800" spc="-1" strike="noStrike">
+            <a:endParaRPr b="0" lang="en-US" sz="1800" spc="-1" strike="noStrike">
               <a:solidFill>
                 <a:srgbClr val="000000"/>
               </a:solidFill>
@@ -12725,7 +12861,7 @@
       </p:sp>
       <p:sp>
         <p:nvSpPr>
-          <p:cNvPr id="104" name=""/>
+          <p:cNvPr id="106" name=""/>
           <p:cNvSpPr txBox="1"/>
           <p:nvPr/>
         </p:nvSpPr>
@@ -12765,7 +12901,7 @@
               </a:rPr>
               <a:t>2.1.1 Tính năng của sản phẩm</a:t>
             </a:r>
-            <a:endParaRPr b="1" lang="en-US" sz="1800" spc="-1" strike="noStrike">
+            <a:endParaRPr b="0" lang="en-US" sz="1800" spc="-1" strike="noStrike">
               <a:solidFill>
                 <a:srgbClr val="000000"/>
               </a:solidFill>
@@ -12776,7 +12912,7 @@
       </p:sp>
       <p:sp>
         <p:nvSpPr>
-          <p:cNvPr id="105" name=""/>
+          <p:cNvPr id="107" name=""/>
           <p:cNvSpPr txBox="1"/>
           <p:nvPr/>
         </p:nvSpPr>
@@ -12866,7 +13002,7 @@
         <p:txBody>
           <a:bodyPr/>
           <a:p>
-            <a:fld id="{425F1942-9243-4EE5-9DF2-57DF52308F98}" type="slidenum">
+            <a:fld id="{036E37E7-8536-432A-BDC9-16E68941B8BB}" type="slidenum">
               <a:t>7</a:t>
             </a:fld>
           </a:p>
@@ -12904,7 +13040,7 @@
       </p:grpSpPr>
       <p:sp>
         <p:nvSpPr>
-          <p:cNvPr id="106" name=""/>
+          <p:cNvPr id="108" name=""/>
           <p:cNvSpPr txBox="1"/>
           <p:nvPr/>
         </p:nvSpPr>
@@ -12987,7 +13123,7 @@
       </p:sp>
       <p:sp>
         <p:nvSpPr>
-          <p:cNvPr id="107" name="PlaceHolder 1"/>
+          <p:cNvPr id="109" name="PlaceHolder 1"/>
           <p:cNvSpPr>
             <a:spLocks noGrp="1"/>
           </p:cNvSpPr>
@@ -13019,15 +13155,15 @@
             <a:r>
               <a:rPr b="1" lang="en-US" sz="2800" spc="-1" strike="noStrike">
                 <a:solidFill>
-                  <a:srgbClr val="ffffff"/>
+                  <a:schemeClr val="dk1"/>
                 </a:solidFill>
                 <a:latin typeface="Calibri"/>
               </a:rPr>
               <a:t>2. Mô tả sản phẩm</a:t>
             </a:r>
-            <a:endParaRPr b="1" lang="en-US" sz="2800" spc="-1" strike="noStrike">
-              <a:solidFill>
-                <a:srgbClr val="ffffff"/>
+            <a:endParaRPr b="0" lang="en-US" sz="2800" spc="-1" strike="noStrike">
+              <a:solidFill>
+                <a:schemeClr val="dk1"/>
               </a:solidFill>
               <a:latin typeface="Calibri"/>
             </a:endParaRPr>
@@ -13036,7 +13172,7 @@
       </p:sp>
       <p:sp>
         <p:nvSpPr>
-          <p:cNvPr id="108" name=""/>
+          <p:cNvPr id="110" name=""/>
           <p:cNvSpPr txBox="1"/>
           <p:nvPr/>
         </p:nvSpPr>
@@ -13067,7 +13203,7 @@
               </a:rPr>
               <a:t>2.1 Chức năng chính của sản phẩm</a:t>
             </a:r>
-            <a:endParaRPr b="1" lang="en-US" sz="1800" spc="-1" strike="noStrike">
+            <a:endParaRPr b="0" lang="en-US" sz="1800" spc="-1" strike="noStrike">
               <a:solidFill>
                 <a:srgbClr val="000000"/>
               </a:solidFill>
@@ -13078,7 +13214,7 @@
       </p:sp>
       <p:sp>
         <p:nvSpPr>
-          <p:cNvPr id="109" name=""/>
+          <p:cNvPr id="111" name=""/>
           <p:cNvSpPr txBox="1"/>
           <p:nvPr/>
         </p:nvSpPr>
@@ -13118,7 +13254,7 @@
               </a:rPr>
               <a:t>2.1.2 Thuật toán Deep Q-learning</a:t>
             </a:r>
-            <a:endParaRPr b="1" lang="en-US" sz="1800" spc="-1" strike="noStrike">
+            <a:endParaRPr b="0" lang="en-US" sz="1800" spc="-1" strike="noStrike">
               <a:solidFill>
                 <a:srgbClr val="000000"/>
               </a:solidFill>
@@ -13141,7 +13277,7 @@
         <p:txBody>
           <a:bodyPr/>
           <a:p>
-            <a:fld id="{E8976D8B-D1A8-47D1-8C54-A5E394E7C223}" type="slidenum">
+            <a:fld id="{B2C1C14F-2F40-46DF-AE99-5855A03FFE27}" type="slidenum">
               <a:t>8</a:t>
             </a:fld>
           </a:p>
@@ -13179,7 +13315,7 @@
       </p:grpSpPr>
       <p:sp>
         <p:nvSpPr>
-          <p:cNvPr id="110" name=""/>
+          <p:cNvPr id="112" name=""/>
           <p:cNvSpPr txBox="1"/>
           <p:nvPr/>
         </p:nvSpPr>
@@ -13650,7 +13786,7 @@
       </p:sp>
       <p:sp>
         <p:nvSpPr>
-          <p:cNvPr id="111" name="PlaceHolder 1"/>
+          <p:cNvPr id="113" name="PlaceHolder 1"/>
           <p:cNvSpPr>
             <a:spLocks noGrp="1"/>
           </p:cNvSpPr>
@@ -13682,15 +13818,15 @@
             <a:r>
               <a:rPr b="1" lang="en-US" sz="2800" spc="-1" strike="noStrike">
                 <a:solidFill>
-                  <a:srgbClr val="ffffff"/>
+                  <a:schemeClr val="dk1"/>
                 </a:solidFill>
                 <a:latin typeface="Calibri"/>
               </a:rPr>
               <a:t>2. Mô tả sản phẩm</a:t>
             </a:r>
-            <a:endParaRPr b="1" lang="en-US" sz="2800" spc="-1" strike="noStrike">
-              <a:solidFill>
-                <a:srgbClr val="ffffff"/>
+            <a:endParaRPr b="0" lang="en-US" sz="2800" spc="-1" strike="noStrike">
+              <a:solidFill>
+                <a:schemeClr val="dk1"/>
               </a:solidFill>
               <a:latin typeface="Calibri"/>
             </a:endParaRPr>
@@ -13699,7 +13835,7 @@
       </p:sp>
       <p:sp>
         <p:nvSpPr>
-          <p:cNvPr id="112" name=""/>
+          <p:cNvPr id="114" name=""/>
           <p:cNvSpPr txBox="1"/>
           <p:nvPr/>
         </p:nvSpPr>
@@ -13730,7 +13866,7 @@
               </a:rPr>
               <a:t>2.1 Chức năng chính của sản phẩm</a:t>
             </a:r>
-            <a:endParaRPr b="1" lang="en-US" sz="1800" spc="-1" strike="noStrike">
+            <a:endParaRPr b="0" lang="en-US" sz="1800" spc="-1" strike="noStrike">
               <a:solidFill>
                 <a:srgbClr val="000000"/>
               </a:solidFill>
@@ -13741,7 +13877,7 @@
       </p:sp>
       <p:sp>
         <p:nvSpPr>
-          <p:cNvPr id="113" name=""/>
+          <p:cNvPr id="115" name=""/>
           <p:cNvSpPr txBox="1"/>
           <p:nvPr/>
         </p:nvSpPr>
@@ -13781,7 +13917,7 @@
               </a:rPr>
               <a:t>2.1.2 Thuật toán Deep Q-learning</a:t>
             </a:r>
-            <a:endParaRPr b="1" lang="en-US" sz="1800" spc="-1" strike="noStrike">
+            <a:endParaRPr b="0" lang="en-US" sz="1800" spc="-1" strike="noStrike">
               <a:solidFill>
                 <a:srgbClr val="000000"/>
               </a:solidFill>
@@ -13804,7 +13940,7 @@
         <p:txBody>
           <a:bodyPr/>
           <a:p>
-            <a:fld id="{612888A8-2862-4BFF-9C1B-54C272301540}" type="slidenum">
+            <a:fld id="{AF2B130F-8C76-4123-933F-B4EA1D8154C2}" type="slidenum">
               <a:t>9</a:t>
             </a:fld>
           </a:p>
@@ -13864,16 +14000,16 @@
         <a:srgbClr val="954f72"/>
       </a:folHlink>
     </a:clrScheme>
-    <a:fontScheme name="Office Theme">
+    <a:fontScheme name="Office">
       <a:majorFont>
-        <a:latin typeface="Calibri Light" panose="020F0302020204030204" pitchFamily="0" charset="1"/>
-        <a:ea typeface=""/>
-        <a:cs typeface=""/>
+        <a:latin typeface="Arial" pitchFamily="0" charset="1"/>
+        <a:ea typeface="DejaVu Sans" pitchFamily="0" charset="1"/>
+        <a:cs typeface="DejaVu Sans" pitchFamily="0" charset="1"/>
       </a:majorFont>
       <a:minorFont>
-        <a:latin typeface="Calibri" panose="020F0502020204030204" pitchFamily="0" charset="1"/>
-        <a:ea typeface=""/>
-        <a:cs typeface=""/>
+        <a:latin typeface="Arial" pitchFamily="0" charset="1"/>
+        <a:ea typeface="DejaVu Sans" pitchFamily="0" charset="1"/>
+        <a:cs typeface="DejaVu Sans" pitchFamily="0" charset="1"/>
       </a:minorFont>
     </a:fontScheme>
     <a:fmtScheme>
@@ -13881,67 +14017,25 @@
         <a:solidFill>
           <a:schemeClr val="phClr"/>
         </a:solidFill>
-        <a:gradFill>
-          <a:gsLst>
-            <a:gs pos="0">
-              <a:schemeClr val="phClr">
-                <a:lumMod val="110000"/>
-                <a:tint val="67000"/>
-              </a:schemeClr>
-            </a:gs>
-            <a:gs pos="50000">
-              <a:schemeClr val="phClr">
-                <a:lumMod val="105000"/>
-                <a:tint val="73000"/>
-              </a:schemeClr>
-            </a:gs>
-            <a:gs pos="100000">
-              <a:schemeClr val="phClr">
-                <a:lumMod val="105000"/>
-                <a:tint val="81000"/>
-              </a:schemeClr>
-            </a:gs>
-          </a:gsLst>
-          <a:lin ang="5400000" scaled="0"/>
-          <a:tileRect l="0" t="0" r="0" b="0"/>
-        </a:gradFill>
-        <a:gradFill>
-          <a:gsLst>
-            <a:gs pos="0">
-              <a:schemeClr val="phClr">
-                <a:lumMod val="102000"/>
-                <a:tint val="94000"/>
-              </a:schemeClr>
-            </a:gs>
-            <a:gs pos="50000">
-              <a:schemeClr val="phClr">
-                <a:lumMod val="100000"/>
-                <a:shade val="100000"/>
-              </a:schemeClr>
-            </a:gs>
-            <a:gs pos="100000">
-              <a:schemeClr val="phClr">
-                <a:lumMod val="99000"/>
-                <a:shade val="78000"/>
-              </a:schemeClr>
-            </a:gs>
-          </a:gsLst>
-          <a:lin ang="5400000" scaled="0"/>
-          <a:tileRect l="0" t="0" r="0" b="0"/>
-        </a:gradFill>
+        <a:solidFill>
+          <a:schemeClr val="phClr"/>
+        </a:solidFill>
+        <a:solidFill>
+          <a:schemeClr val="phClr"/>
+        </a:solidFill>
       </a:fillStyleLst>
       <a:lnStyleLst>
         <a:ln w="6350" cap="flat" cmpd="sng" algn="ctr">
           <a:prstDash val="solid"/>
-          <a:miter lim="800000"/>
+          <a:miter/>
         </a:ln>
-        <a:ln w="12700" cap="flat" cmpd="sng" algn="ctr">
+        <a:ln w="6350" cap="flat" cmpd="sng" algn="ctr">
           <a:prstDash val="solid"/>
-          <a:miter lim="800000"/>
+          <a:miter/>
         </a:ln>
-        <a:ln w="19050" cap="flat" cmpd="sng" algn="ctr">
+        <a:ln w="6350" cap="flat" cmpd="sng" algn="ctr">
           <a:prstDash val="solid"/>
-          <a:miter lim="800000"/>
+          <a:miter/>
         </a:ln>
       </a:lnStyleLst>
       <a:effectStyleLst>
@@ -13960,35 +14054,11 @@
           <a:schemeClr val="phClr"/>
         </a:solidFill>
         <a:solidFill>
-          <a:schemeClr val="phClr">
-            <a:tint val="95000"/>
-          </a:schemeClr>
+          <a:schemeClr val="phClr"/>
         </a:solidFill>
-        <a:gradFill>
-          <a:gsLst>
-            <a:gs pos="0">
-              <a:schemeClr val="phClr">
-                <a:tint val="93000"/>
-                <a:shade val="98000"/>
-                <a:lumMod val="102000"/>
-              </a:schemeClr>
-            </a:gs>
-            <a:gs pos="50000">
-              <a:schemeClr val="phClr">
-                <a:tint val="98000"/>
-                <a:shade val="90000"/>
-                <a:lumMod val="103000"/>
-              </a:schemeClr>
-            </a:gs>
-            <a:gs pos="100000">
-              <a:schemeClr val="phClr">
-                <a:shade val="63000"/>
-              </a:schemeClr>
-            </a:gs>
-          </a:gsLst>
-          <a:lin ang="5400000" scaled="0"/>
-          <a:tileRect l="0" t="0" r="0" b="0"/>
-        </a:gradFill>
+        <a:solidFill>
+          <a:schemeClr val="phClr"/>
+        </a:solidFill>
       </a:bgFillStyleLst>
     </a:fmtScheme>
   </a:themeElements>
@@ -14036,16 +14106,16 @@
         <a:srgbClr val="954f72"/>
       </a:folHlink>
     </a:clrScheme>
-    <a:fontScheme name="Office Theme">
+    <a:fontScheme name="Office">
       <a:majorFont>
-        <a:latin typeface="Calibri Light" panose="020F0302020204030204" pitchFamily="0" charset="1"/>
-        <a:ea typeface=""/>
-        <a:cs typeface=""/>
+        <a:latin typeface="Arial" pitchFamily="0" charset="1"/>
+        <a:ea typeface="DejaVu Sans" pitchFamily="0" charset="1"/>
+        <a:cs typeface="DejaVu Sans" pitchFamily="0" charset="1"/>
       </a:majorFont>
       <a:minorFont>
-        <a:latin typeface="Calibri" panose="020F0502020204030204" pitchFamily="0" charset="1"/>
-        <a:ea typeface=""/>
-        <a:cs typeface=""/>
+        <a:latin typeface="Arial" pitchFamily="0" charset="1"/>
+        <a:ea typeface="DejaVu Sans" pitchFamily="0" charset="1"/>
+        <a:cs typeface="DejaVu Sans" pitchFamily="0" charset="1"/>
       </a:minorFont>
     </a:fontScheme>
     <a:fmtScheme>
@@ -14053,67 +14123,25 @@
         <a:solidFill>
           <a:schemeClr val="phClr"/>
         </a:solidFill>
-        <a:gradFill>
-          <a:gsLst>
-            <a:gs pos="0">
-              <a:schemeClr val="phClr">
-                <a:lumMod val="110000"/>
-                <a:tint val="67000"/>
-              </a:schemeClr>
-            </a:gs>
-            <a:gs pos="50000">
-              <a:schemeClr val="phClr">
-                <a:lumMod val="105000"/>
-                <a:tint val="73000"/>
-              </a:schemeClr>
-            </a:gs>
-            <a:gs pos="100000">
-              <a:schemeClr val="phClr">
-                <a:lumMod val="105000"/>
-                <a:tint val="81000"/>
-              </a:schemeClr>
-            </a:gs>
-          </a:gsLst>
-          <a:lin ang="5400000" scaled="0"/>
-          <a:tileRect l="0" t="0" r="0" b="0"/>
-        </a:gradFill>
-        <a:gradFill>
-          <a:gsLst>
-            <a:gs pos="0">
-              <a:schemeClr val="phClr">
-                <a:lumMod val="102000"/>
-                <a:tint val="94000"/>
-              </a:schemeClr>
-            </a:gs>
-            <a:gs pos="50000">
-              <a:schemeClr val="phClr">
-                <a:lumMod val="100000"/>
-                <a:shade val="100000"/>
-              </a:schemeClr>
-            </a:gs>
-            <a:gs pos="100000">
-              <a:schemeClr val="phClr">
-                <a:lumMod val="99000"/>
-                <a:shade val="78000"/>
-              </a:schemeClr>
-            </a:gs>
-          </a:gsLst>
-          <a:lin ang="5400000" scaled="0"/>
-          <a:tileRect l="0" t="0" r="0" b="0"/>
-        </a:gradFill>
+        <a:solidFill>
+          <a:schemeClr val="phClr"/>
+        </a:solidFill>
+        <a:solidFill>
+          <a:schemeClr val="phClr"/>
+        </a:solidFill>
       </a:fillStyleLst>
       <a:lnStyleLst>
         <a:ln w="6350" cap="flat" cmpd="sng" algn="ctr">
           <a:prstDash val="solid"/>
-          <a:miter lim="800000"/>
+          <a:miter/>
         </a:ln>
-        <a:ln w="12700" cap="flat" cmpd="sng" algn="ctr">
+        <a:ln w="6350" cap="flat" cmpd="sng" algn="ctr">
           <a:prstDash val="solid"/>
-          <a:miter lim="800000"/>
+          <a:miter/>
         </a:ln>
-        <a:ln w="19050" cap="flat" cmpd="sng" algn="ctr">
+        <a:ln w="6350" cap="flat" cmpd="sng" algn="ctr">
           <a:prstDash val="solid"/>
-          <a:miter lim="800000"/>
+          <a:miter/>
         </a:ln>
       </a:lnStyleLst>
       <a:effectStyleLst>
@@ -14132,35 +14160,11 @@
           <a:schemeClr val="phClr"/>
         </a:solidFill>
         <a:solidFill>
-          <a:schemeClr val="phClr">
-            <a:tint val="95000"/>
-          </a:schemeClr>
+          <a:schemeClr val="phClr"/>
         </a:solidFill>
-        <a:gradFill>
-          <a:gsLst>
-            <a:gs pos="0">
-              <a:schemeClr val="phClr">
-                <a:tint val="93000"/>
-                <a:shade val="98000"/>
-                <a:lumMod val="102000"/>
-              </a:schemeClr>
-            </a:gs>
-            <a:gs pos="50000">
-              <a:schemeClr val="phClr">
-                <a:tint val="98000"/>
-                <a:shade val="90000"/>
-                <a:lumMod val="103000"/>
-              </a:schemeClr>
-            </a:gs>
-            <a:gs pos="100000">
-              <a:schemeClr val="phClr">
-                <a:shade val="63000"/>
-              </a:schemeClr>
-            </a:gs>
-          </a:gsLst>
-          <a:lin ang="5400000" scaled="0"/>
-          <a:tileRect l="0" t="0" r="0" b="0"/>
-        </a:gradFill>
+        <a:solidFill>
+          <a:schemeClr val="phClr"/>
+        </a:solidFill>
       </a:bgFillStyleLst>
     </a:fmtScheme>
   </a:themeElements>
@@ -14208,16 +14212,16 @@
         <a:srgbClr val="954f72"/>
       </a:folHlink>
     </a:clrScheme>
-    <a:fontScheme name="Office Theme">
+    <a:fontScheme name="Office">
       <a:majorFont>
-        <a:latin typeface="Calibri Light" panose="020F0302020204030204" pitchFamily="0" charset="1"/>
-        <a:ea typeface=""/>
-        <a:cs typeface=""/>
+        <a:latin typeface="Arial" pitchFamily="0" charset="1"/>
+        <a:ea typeface="DejaVu Sans" pitchFamily="0" charset="1"/>
+        <a:cs typeface="DejaVu Sans" pitchFamily="0" charset="1"/>
       </a:majorFont>
       <a:minorFont>
-        <a:latin typeface="Calibri" panose="020F0502020204030204" pitchFamily="0" charset="1"/>
-        <a:ea typeface=""/>
-        <a:cs typeface=""/>
+        <a:latin typeface="Arial" pitchFamily="0" charset="1"/>
+        <a:ea typeface="DejaVu Sans" pitchFamily="0" charset="1"/>
+        <a:cs typeface="DejaVu Sans" pitchFamily="0" charset="1"/>
       </a:minorFont>
     </a:fontScheme>
     <a:fmtScheme>
@@ -14225,67 +14229,25 @@
         <a:solidFill>
           <a:schemeClr val="phClr"/>
         </a:solidFill>
-        <a:gradFill>
-          <a:gsLst>
-            <a:gs pos="0">
-              <a:schemeClr val="phClr">
-                <a:lumMod val="110000"/>
-                <a:tint val="67000"/>
-              </a:schemeClr>
-            </a:gs>
-            <a:gs pos="50000">
-              <a:schemeClr val="phClr">
-                <a:lumMod val="105000"/>
-                <a:tint val="73000"/>
-              </a:schemeClr>
-            </a:gs>
-            <a:gs pos="100000">
-              <a:schemeClr val="phClr">
-                <a:lumMod val="105000"/>
-                <a:tint val="81000"/>
-              </a:schemeClr>
-            </a:gs>
-          </a:gsLst>
-          <a:lin ang="5400000" scaled="0"/>
-          <a:tileRect l="0" t="0" r="0" b="0"/>
-        </a:gradFill>
-        <a:gradFill>
-          <a:gsLst>
-            <a:gs pos="0">
-              <a:schemeClr val="phClr">
-                <a:lumMod val="102000"/>
-                <a:tint val="94000"/>
-              </a:schemeClr>
-            </a:gs>
-            <a:gs pos="50000">
-              <a:schemeClr val="phClr">
-                <a:lumMod val="100000"/>
-                <a:shade val="100000"/>
-              </a:schemeClr>
-            </a:gs>
-            <a:gs pos="100000">
-              <a:schemeClr val="phClr">
-                <a:lumMod val="99000"/>
-                <a:shade val="78000"/>
-              </a:schemeClr>
-            </a:gs>
-          </a:gsLst>
-          <a:lin ang="5400000" scaled="0"/>
-          <a:tileRect l="0" t="0" r="0" b="0"/>
-        </a:gradFill>
+        <a:solidFill>
+          <a:schemeClr val="phClr"/>
+        </a:solidFill>
+        <a:solidFill>
+          <a:schemeClr val="phClr"/>
+        </a:solidFill>
       </a:fillStyleLst>
       <a:lnStyleLst>
         <a:ln w="6350" cap="flat" cmpd="sng" algn="ctr">
           <a:prstDash val="solid"/>
-          <a:miter lim="800000"/>
+          <a:miter/>
         </a:ln>
-        <a:ln w="12700" cap="flat" cmpd="sng" algn="ctr">
+        <a:ln w="6350" cap="flat" cmpd="sng" algn="ctr">
           <a:prstDash val="solid"/>
-          <a:miter lim="800000"/>
+          <a:miter/>
         </a:ln>
-        <a:ln w="19050" cap="flat" cmpd="sng" algn="ctr">
+        <a:ln w="6350" cap="flat" cmpd="sng" algn="ctr">
           <a:prstDash val="solid"/>
-          <a:miter lim="800000"/>
+          <a:miter/>
         </a:ln>
       </a:lnStyleLst>
       <a:effectStyleLst>
@@ -14304,35 +14266,11 @@
           <a:schemeClr val="phClr"/>
         </a:solidFill>
         <a:solidFill>
-          <a:schemeClr val="phClr">
-            <a:tint val="95000"/>
-          </a:schemeClr>
+          <a:schemeClr val="phClr"/>
         </a:solidFill>
-        <a:gradFill>
-          <a:gsLst>
-            <a:gs pos="0">
-              <a:schemeClr val="phClr">
-                <a:tint val="93000"/>
-                <a:shade val="98000"/>
-                <a:lumMod val="102000"/>
-              </a:schemeClr>
-            </a:gs>
-            <a:gs pos="50000">
-              <a:schemeClr val="phClr">
-                <a:tint val="98000"/>
-                <a:shade val="90000"/>
-                <a:lumMod val="103000"/>
-              </a:schemeClr>
-            </a:gs>
-            <a:gs pos="100000">
-              <a:schemeClr val="phClr">
-                <a:shade val="63000"/>
-              </a:schemeClr>
-            </a:gs>
-          </a:gsLst>
-          <a:lin ang="5400000" scaled="0"/>
-          <a:tileRect l="0" t="0" r="0" b="0"/>
-        </a:gradFill>
+        <a:solidFill>
+          <a:schemeClr val="phClr"/>
+        </a:solidFill>
       </a:bgFillStyleLst>
     </a:fmtScheme>
   </a:themeElements>
@@ -14380,16 +14318,16 @@
         <a:srgbClr val="954f72"/>
       </a:folHlink>
     </a:clrScheme>
-    <a:fontScheme name="Office Theme">
+    <a:fontScheme name="Office">
       <a:majorFont>
-        <a:latin typeface="Calibri Light" panose="020F0302020204030204" pitchFamily="0" charset="1"/>
-        <a:ea typeface=""/>
-        <a:cs typeface=""/>
+        <a:latin typeface="Arial" pitchFamily="0" charset="1"/>
+        <a:ea typeface="DejaVu Sans" pitchFamily="0" charset="1"/>
+        <a:cs typeface="DejaVu Sans" pitchFamily="0" charset="1"/>
       </a:majorFont>
       <a:minorFont>
-        <a:latin typeface="Calibri" panose="020F0502020204030204" pitchFamily="0" charset="1"/>
-        <a:ea typeface=""/>
-        <a:cs typeface=""/>
+        <a:latin typeface="Arial" pitchFamily="0" charset="1"/>
+        <a:ea typeface="DejaVu Sans" pitchFamily="0" charset="1"/>
+        <a:cs typeface="DejaVu Sans" pitchFamily="0" charset="1"/>
       </a:minorFont>
     </a:fontScheme>
     <a:fmtScheme>
@@ -14397,67 +14335,25 @@
         <a:solidFill>
           <a:schemeClr val="phClr"/>
         </a:solidFill>
-        <a:gradFill>
-          <a:gsLst>
-            <a:gs pos="0">
-              <a:schemeClr val="phClr">
-                <a:lumMod val="110000"/>
-                <a:tint val="67000"/>
-              </a:schemeClr>
-            </a:gs>
-            <a:gs pos="50000">
-              <a:schemeClr val="phClr">
-                <a:lumMod val="105000"/>
-                <a:tint val="73000"/>
-              </a:schemeClr>
-            </a:gs>
-            <a:gs pos="100000">
-              <a:schemeClr val="phClr">
-                <a:lumMod val="105000"/>
-                <a:tint val="81000"/>
-              </a:schemeClr>
-            </a:gs>
-          </a:gsLst>
-          <a:lin ang="5400000" scaled="0"/>
-          <a:tileRect l="0" t="0" r="0" b="0"/>
-        </a:gradFill>
-        <a:gradFill>
-          <a:gsLst>
-            <a:gs pos="0">
-              <a:schemeClr val="phClr">
-                <a:lumMod val="102000"/>
-                <a:tint val="94000"/>
-              </a:schemeClr>
-            </a:gs>
-            <a:gs pos="50000">
-              <a:schemeClr val="phClr">
-                <a:lumMod val="100000"/>
-                <a:shade val="100000"/>
-              </a:schemeClr>
-            </a:gs>
-            <a:gs pos="100000">
-              <a:schemeClr val="phClr">
-                <a:lumMod val="99000"/>
-                <a:shade val="78000"/>
-              </a:schemeClr>
-            </a:gs>
-          </a:gsLst>
-          <a:lin ang="5400000" scaled="0"/>
-          <a:tileRect l="0" t="0" r="0" b="0"/>
-        </a:gradFill>
+        <a:solidFill>
+          <a:schemeClr val="phClr"/>
+        </a:solidFill>
+        <a:solidFill>
+          <a:schemeClr val="phClr"/>
+        </a:solidFill>
       </a:fillStyleLst>
       <a:lnStyleLst>
         <a:ln w="6350" cap="flat" cmpd="sng" algn="ctr">
           <a:prstDash val="solid"/>
-          <a:miter lim="800000"/>
+          <a:miter/>
         </a:ln>
-        <a:ln w="12700" cap="flat" cmpd="sng" algn="ctr">
+        <a:ln w="6350" cap="flat" cmpd="sng" algn="ctr">
           <a:prstDash val="solid"/>
-          <a:miter lim="800000"/>
+          <a:miter/>
         </a:ln>
-        <a:ln w="19050" cap="flat" cmpd="sng" algn="ctr">
+        <a:ln w="6350" cap="flat" cmpd="sng" algn="ctr">
           <a:prstDash val="solid"/>
-          <a:miter lim="800000"/>
+          <a:miter/>
         </a:ln>
       </a:lnStyleLst>
       <a:effectStyleLst>
@@ -14476,35 +14372,11 @@
           <a:schemeClr val="phClr"/>
         </a:solidFill>
         <a:solidFill>
-          <a:schemeClr val="phClr">
-            <a:tint val="95000"/>
-          </a:schemeClr>
+          <a:schemeClr val="phClr"/>
         </a:solidFill>
-        <a:gradFill>
-          <a:gsLst>
-            <a:gs pos="0">
-              <a:schemeClr val="phClr">
-                <a:tint val="93000"/>
-                <a:shade val="98000"/>
-                <a:lumMod val="102000"/>
-              </a:schemeClr>
-            </a:gs>
-            <a:gs pos="50000">
-              <a:schemeClr val="phClr">
-                <a:tint val="98000"/>
-                <a:shade val="90000"/>
-                <a:lumMod val="103000"/>
-              </a:schemeClr>
-            </a:gs>
-            <a:gs pos="100000">
-              <a:schemeClr val="phClr">
-                <a:shade val="63000"/>
-              </a:schemeClr>
-            </a:gs>
-          </a:gsLst>
-          <a:lin ang="5400000" scaled="0"/>
-          <a:tileRect l="0" t="0" r="0" b="0"/>
-        </a:gradFill>
+        <a:solidFill>
+          <a:schemeClr val="phClr"/>
+        </a:solidFill>
       </a:bgFillStyleLst>
     </a:fmtScheme>
   </a:themeElements>
@@ -14552,16 +14424,16 @@
         <a:srgbClr val="954f72"/>
       </a:folHlink>
     </a:clrScheme>
-    <a:fontScheme name="Office Theme">
+    <a:fontScheme name="Office">
       <a:majorFont>
-        <a:latin typeface="Calibri Light" panose="020F0302020204030204" pitchFamily="0" charset="1"/>
-        <a:ea typeface=""/>
-        <a:cs typeface=""/>
+        <a:latin typeface="Arial" pitchFamily="0" charset="1"/>
+        <a:ea typeface="DejaVu Sans" pitchFamily="0" charset="1"/>
+        <a:cs typeface="DejaVu Sans" pitchFamily="0" charset="1"/>
       </a:majorFont>
       <a:minorFont>
-        <a:latin typeface="Calibri" panose="020F0502020204030204" pitchFamily="0" charset="1"/>
-        <a:ea typeface=""/>
-        <a:cs typeface=""/>
+        <a:latin typeface="Arial" pitchFamily="0" charset="1"/>
+        <a:ea typeface="DejaVu Sans" pitchFamily="0" charset="1"/>
+        <a:cs typeface="DejaVu Sans" pitchFamily="0" charset="1"/>
       </a:minorFont>
     </a:fontScheme>
     <a:fmtScheme>
@@ -14569,67 +14441,25 @@
         <a:solidFill>
           <a:schemeClr val="phClr"/>
         </a:solidFill>
-        <a:gradFill>
-          <a:gsLst>
-            <a:gs pos="0">
-              <a:schemeClr val="phClr">
-                <a:lumMod val="110000"/>
-                <a:tint val="67000"/>
-              </a:schemeClr>
-            </a:gs>
-            <a:gs pos="50000">
-              <a:schemeClr val="phClr">
-                <a:lumMod val="105000"/>
-                <a:tint val="73000"/>
-              </a:schemeClr>
-            </a:gs>
-            <a:gs pos="100000">
-              <a:schemeClr val="phClr">
-                <a:lumMod val="105000"/>
-                <a:tint val="81000"/>
-              </a:schemeClr>
-            </a:gs>
-          </a:gsLst>
-          <a:lin ang="5400000" scaled="0"/>
-          <a:tileRect l="0" t="0" r="0" b="0"/>
-        </a:gradFill>
-        <a:gradFill>
-          <a:gsLst>
-            <a:gs pos="0">
-              <a:schemeClr val="phClr">
-                <a:lumMod val="102000"/>
-                <a:tint val="94000"/>
-              </a:schemeClr>
-            </a:gs>
-            <a:gs pos="50000">
-              <a:schemeClr val="phClr">
-                <a:lumMod val="100000"/>
-                <a:shade val="100000"/>
-              </a:schemeClr>
-            </a:gs>
-            <a:gs pos="100000">
-              <a:schemeClr val="phClr">
-                <a:lumMod val="99000"/>
-                <a:shade val="78000"/>
-              </a:schemeClr>
-            </a:gs>
-          </a:gsLst>
-          <a:lin ang="5400000" scaled="0"/>
-          <a:tileRect l="0" t="0" r="0" b="0"/>
-        </a:gradFill>
+        <a:solidFill>
+          <a:schemeClr val="phClr"/>
+        </a:solidFill>
+        <a:solidFill>
+          <a:schemeClr val="phClr"/>
+        </a:solidFill>
       </a:fillStyleLst>
       <a:lnStyleLst>
         <a:ln w="6350" cap="flat" cmpd="sng" algn="ctr">
           <a:prstDash val="solid"/>
-          <a:miter lim="800000"/>
+          <a:miter/>
         </a:ln>
-        <a:ln w="12700" cap="flat" cmpd="sng" algn="ctr">
+        <a:ln w="6350" cap="flat" cmpd="sng" algn="ctr">
           <a:prstDash val="solid"/>
-          <a:miter lim="800000"/>
+          <a:miter/>
         </a:ln>
-        <a:ln w="19050" cap="flat" cmpd="sng" algn="ctr">
+        <a:ln w="6350" cap="flat" cmpd="sng" algn="ctr">
           <a:prstDash val="solid"/>
-          <a:miter lim="800000"/>
+          <a:miter/>
         </a:ln>
       </a:lnStyleLst>
       <a:effectStyleLst>
@@ -14648,35 +14478,11 @@
           <a:schemeClr val="phClr"/>
         </a:solidFill>
         <a:solidFill>
-          <a:schemeClr val="phClr">
-            <a:tint val="95000"/>
-          </a:schemeClr>
+          <a:schemeClr val="phClr"/>
         </a:solidFill>
-        <a:gradFill>
-          <a:gsLst>
-            <a:gs pos="0">
-              <a:schemeClr val="phClr">
-                <a:tint val="93000"/>
-                <a:shade val="98000"/>
-                <a:lumMod val="102000"/>
-              </a:schemeClr>
-            </a:gs>
-            <a:gs pos="50000">
-              <a:schemeClr val="phClr">
-                <a:tint val="98000"/>
-                <a:shade val="90000"/>
-                <a:lumMod val="103000"/>
-              </a:schemeClr>
-            </a:gs>
-            <a:gs pos="100000">
-              <a:schemeClr val="phClr">
-                <a:shade val="63000"/>
-              </a:schemeClr>
-            </a:gs>
-          </a:gsLst>
-          <a:lin ang="5400000" scaled="0"/>
-          <a:tileRect l="0" t="0" r="0" b="0"/>
-        </a:gradFill>
+        <a:solidFill>
+          <a:schemeClr val="phClr"/>
+        </a:solidFill>
       </a:bgFillStyleLst>
     </a:fmtScheme>
   </a:themeElements>
@@ -14724,16 +14530,16 @@
         <a:srgbClr val="954f72"/>
       </a:folHlink>
     </a:clrScheme>
-    <a:fontScheme name="Office Theme">
+    <a:fontScheme name="Office">
       <a:majorFont>
-        <a:latin typeface="Calibri Light" panose="020F0302020204030204" pitchFamily="0" charset="1"/>
-        <a:ea typeface=""/>
-        <a:cs typeface=""/>
+        <a:latin typeface="Arial" pitchFamily="0" charset="1"/>
+        <a:ea typeface="DejaVu Sans" pitchFamily="0" charset="1"/>
+        <a:cs typeface="DejaVu Sans" pitchFamily="0" charset="1"/>
       </a:majorFont>
       <a:minorFont>
-        <a:latin typeface="Calibri" panose="020F0502020204030204" pitchFamily="0" charset="1"/>
-        <a:ea typeface=""/>
-        <a:cs typeface=""/>
+        <a:latin typeface="Arial" pitchFamily="0" charset="1"/>
+        <a:ea typeface="DejaVu Sans" pitchFamily="0" charset="1"/>
+        <a:cs typeface="DejaVu Sans" pitchFamily="0" charset="1"/>
       </a:minorFont>
     </a:fontScheme>
     <a:fmtScheme>
@@ -14741,67 +14547,25 @@
         <a:solidFill>
           <a:schemeClr val="phClr"/>
         </a:solidFill>
-        <a:gradFill>
-          <a:gsLst>
-            <a:gs pos="0">
-              <a:schemeClr val="phClr">
-                <a:lumMod val="110000"/>
-                <a:tint val="67000"/>
-              </a:schemeClr>
-            </a:gs>
-            <a:gs pos="50000">
-              <a:schemeClr val="phClr">
-                <a:lumMod val="105000"/>
-                <a:tint val="73000"/>
-              </a:schemeClr>
-            </a:gs>
-            <a:gs pos="100000">
-              <a:schemeClr val="phClr">
-                <a:lumMod val="105000"/>
-                <a:tint val="81000"/>
-              </a:schemeClr>
-            </a:gs>
-          </a:gsLst>
-          <a:lin ang="5400000" scaled="0"/>
-          <a:tileRect l="0" t="0" r="0" b="0"/>
-        </a:gradFill>
-        <a:gradFill>
-          <a:gsLst>
-            <a:gs pos="0">
-              <a:schemeClr val="phClr">
-                <a:lumMod val="102000"/>
-                <a:tint val="94000"/>
-              </a:schemeClr>
-            </a:gs>
-            <a:gs pos="50000">
-              <a:schemeClr val="phClr">
-                <a:lumMod val="100000"/>
-                <a:shade val="100000"/>
-              </a:schemeClr>
-            </a:gs>
-            <a:gs pos="100000">
-              <a:schemeClr val="phClr">
-                <a:lumMod val="99000"/>
-                <a:shade val="78000"/>
-              </a:schemeClr>
-            </a:gs>
-          </a:gsLst>
-          <a:lin ang="5400000" scaled="0"/>
-          <a:tileRect l="0" t="0" r="0" b="0"/>
-        </a:gradFill>
+        <a:solidFill>
+          <a:schemeClr val="phClr"/>
+        </a:solidFill>
+        <a:solidFill>
+          <a:schemeClr val="phClr"/>
+        </a:solidFill>
       </a:fillStyleLst>
       <a:lnStyleLst>
         <a:ln w="6350" cap="flat" cmpd="sng" algn="ctr">
           <a:prstDash val="solid"/>
-          <a:miter lim="800000"/>
+          <a:miter/>
         </a:ln>
-        <a:ln w="12700" cap="flat" cmpd="sng" algn="ctr">
+        <a:ln w="6350" cap="flat" cmpd="sng" algn="ctr">
           <a:prstDash val="solid"/>
-          <a:miter lim="800000"/>
+          <a:miter/>
         </a:ln>
-        <a:ln w="19050" cap="flat" cmpd="sng" algn="ctr">
+        <a:ln w="6350" cap="flat" cmpd="sng" algn="ctr">
           <a:prstDash val="solid"/>
-          <a:miter lim="800000"/>
+          <a:miter/>
         </a:ln>
       </a:lnStyleLst>
       <a:effectStyleLst>
@@ -14820,35 +14584,11 @@
           <a:schemeClr val="phClr"/>
         </a:solidFill>
         <a:solidFill>
-          <a:schemeClr val="phClr">
-            <a:tint val="95000"/>
-          </a:schemeClr>
+          <a:schemeClr val="phClr"/>
         </a:solidFill>
-        <a:gradFill>
-          <a:gsLst>
-            <a:gs pos="0">
-              <a:schemeClr val="phClr">
-                <a:tint val="93000"/>
-                <a:shade val="98000"/>
-                <a:lumMod val="102000"/>
-              </a:schemeClr>
-            </a:gs>
-            <a:gs pos="50000">
-              <a:schemeClr val="phClr">
-                <a:tint val="98000"/>
-                <a:shade val="90000"/>
-                <a:lumMod val="103000"/>
-              </a:schemeClr>
-            </a:gs>
-            <a:gs pos="100000">
-              <a:schemeClr val="phClr">
-                <a:shade val="63000"/>
-              </a:schemeClr>
-            </a:gs>
-          </a:gsLst>
-          <a:lin ang="5400000" scaled="0"/>
-          <a:tileRect l="0" t="0" r="0" b="0"/>
-        </a:gradFill>
+        <a:solidFill>
+          <a:schemeClr val="phClr"/>
+        </a:solidFill>
       </a:bgFillStyleLst>
     </a:fmtScheme>
   </a:themeElements>
@@ -14896,16 +14636,16 @@
         <a:srgbClr val="954f72"/>
       </a:folHlink>
     </a:clrScheme>
-    <a:fontScheme name="Office Theme">
+    <a:fontScheme name="Office">
       <a:majorFont>
-        <a:latin typeface="Calibri Light" panose="020F0302020204030204" pitchFamily="0" charset="1"/>
-        <a:ea typeface=""/>
-        <a:cs typeface=""/>
+        <a:latin typeface="Arial" pitchFamily="0" charset="1"/>
+        <a:ea typeface="DejaVu Sans" pitchFamily="0" charset="1"/>
+        <a:cs typeface="DejaVu Sans" pitchFamily="0" charset="1"/>
       </a:majorFont>
       <a:minorFont>
-        <a:latin typeface="Calibri" panose="020F0502020204030204" pitchFamily="0" charset="1"/>
-        <a:ea typeface=""/>
-        <a:cs typeface=""/>
+        <a:latin typeface="Arial" pitchFamily="0" charset="1"/>
+        <a:ea typeface="DejaVu Sans" pitchFamily="0" charset="1"/>
+        <a:cs typeface="DejaVu Sans" pitchFamily="0" charset="1"/>
       </a:minorFont>
     </a:fontScheme>
     <a:fmtScheme>
@@ -14913,67 +14653,25 @@
         <a:solidFill>
           <a:schemeClr val="phClr"/>
         </a:solidFill>
-        <a:gradFill>
-          <a:gsLst>
-            <a:gs pos="0">
-              <a:schemeClr val="phClr">
-                <a:lumMod val="110000"/>
-                <a:tint val="67000"/>
-              </a:schemeClr>
-            </a:gs>
-            <a:gs pos="50000">
-              <a:schemeClr val="phClr">
-                <a:lumMod val="105000"/>
-                <a:tint val="73000"/>
-              </a:schemeClr>
-            </a:gs>
-            <a:gs pos="100000">
-              <a:schemeClr val="phClr">
-                <a:lumMod val="105000"/>
-                <a:tint val="81000"/>
-              </a:schemeClr>
-            </a:gs>
-          </a:gsLst>
-          <a:lin ang="5400000" scaled="0"/>
-          <a:tileRect l="0" t="0" r="0" b="0"/>
-        </a:gradFill>
-        <a:gradFill>
-          <a:gsLst>
-            <a:gs pos="0">
-              <a:schemeClr val="phClr">
-                <a:lumMod val="102000"/>
-                <a:tint val="94000"/>
-              </a:schemeClr>
-            </a:gs>
-            <a:gs pos="50000">
-              <a:schemeClr val="phClr">
-                <a:lumMod val="100000"/>
-                <a:shade val="100000"/>
-              </a:schemeClr>
-            </a:gs>
-            <a:gs pos="100000">
-              <a:schemeClr val="phClr">
-                <a:lumMod val="99000"/>
-                <a:shade val="78000"/>
-              </a:schemeClr>
-            </a:gs>
-          </a:gsLst>
-          <a:lin ang="5400000" scaled="0"/>
-          <a:tileRect l="0" t="0" r="0" b="0"/>
-        </a:gradFill>
+        <a:solidFill>
+          <a:schemeClr val="phClr"/>
+        </a:solidFill>
+        <a:solidFill>
+          <a:schemeClr val="phClr"/>
+        </a:solidFill>
       </a:fillStyleLst>
       <a:lnStyleLst>
         <a:ln w="6350" cap="flat" cmpd="sng" algn="ctr">
           <a:prstDash val="solid"/>
-          <a:miter lim="800000"/>
+          <a:miter/>
         </a:ln>
-        <a:ln w="12700" cap="flat" cmpd="sng" algn="ctr">
+        <a:ln w="6350" cap="flat" cmpd="sng" algn="ctr">
           <a:prstDash val="solid"/>
-          <a:miter lim="800000"/>
+          <a:miter/>
         </a:ln>
-        <a:ln w="19050" cap="flat" cmpd="sng" algn="ctr">
+        <a:ln w="6350" cap="flat" cmpd="sng" algn="ctr">
           <a:prstDash val="solid"/>
-          <a:miter lim="800000"/>
+          <a:miter/>
         </a:ln>
       </a:lnStyleLst>
       <a:effectStyleLst>
@@ -14992,35 +14690,11 @@
           <a:schemeClr val="phClr"/>
         </a:solidFill>
         <a:solidFill>
-          <a:schemeClr val="phClr">
-            <a:tint val="95000"/>
-          </a:schemeClr>
+          <a:schemeClr val="phClr"/>
         </a:solidFill>
-        <a:gradFill>
-          <a:gsLst>
-            <a:gs pos="0">
-              <a:schemeClr val="phClr">
-                <a:tint val="93000"/>
-                <a:shade val="98000"/>
-                <a:lumMod val="102000"/>
-              </a:schemeClr>
-            </a:gs>
-            <a:gs pos="50000">
-              <a:schemeClr val="phClr">
-                <a:tint val="98000"/>
-                <a:shade val="90000"/>
-                <a:lumMod val="103000"/>
-              </a:schemeClr>
-            </a:gs>
-            <a:gs pos="100000">
-              <a:schemeClr val="phClr">
-                <a:shade val="63000"/>
-              </a:schemeClr>
-            </a:gs>
-          </a:gsLst>
-          <a:lin ang="5400000" scaled="0"/>
-          <a:tileRect l="0" t="0" r="0" b="0"/>
-        </a:gradFill>
+        <a:solidFill>
+          <a:schemeClr val="phClr"/>
+        </a:solidFill>
       </a:bgFillStyleLst>
     </a:fmtScheme>
   </a:themeElements>
@@ -15068,16 +14742,16 @@
         <a:srgbClr val="954f72"/>
       </a:folHlink>
     </a:clrScheme>
-    <a:fontScheme name="Office Theme">
+    <a:fontScheme name="Office">
       <a:majorFont>
-        <a:latin typeface="Calibri Light" panose="020F0302020204030204" pitchFamily="0" charset="1"/>
-        <a:ea typeface=""/>
-        <a:cs typeface=""/>
+        <a:latin typeface="Arial" pitchFamily="0" charset="1"/>
+        <a:ea typeface="DejaVu Sans" pitchFamily="0" charset="1"/>
+        <a:cs typeface="DejaVu Sans" pitchFamily="0" charset="1"/>
       </a:majorFont>
       <a:minorFont>
-        <a:latin typeface="Calibri" panose="020F0502020204030204" pitchFamily="0" charset="1"/>
-        <a:ea typeface=""/>
-        <a:cs typeface=""/>
+        <a:latin typeface="Arial" pitchFamily="0" charset="1"/>
+        <a:ea typeface="DejaVu Sans" pitchFamily="0" charset="1"/>
+        <a:cs typeface="DejaVu Sans" pitchFamily="0" charset="1"/>
       </a:minorFont>
     </a:fontScheme>
     <a:fmtScheme>
@@ -15085,67 +14759,25 @@
         <a:solidFill>
           <a:schemeClr val="phClr"/>
         </a:solidFill>
-        <a:gradFill>
-          <a:gsLst>
-            <a:gs pos="0">
-              <a:schemeClr val="phClr">
-                <a:lumMod val="110000"/>
-                <a:tint val="67000"/>
-              </a:schemeClr>
-            </a:gs>
-            <a:gs pos="50000">
-              <a:schemeClr val="phClr">
-                <a:lumMod val="105000"/>
-                <a:tint val="73000"/>
-              </a:schemeClr>
-            </a:gs>
-            <a:gs pos="100000">
-              <a:schemeClr val="phClr">
-                <a:lumMod val="105000"/>
-                <a:tint val="81000"/>
-              </a:schemeClr>
-            </a:gs>
-          </a:gsLst>
-          <a:lin ang="5400000" scaled="0"/>
-          <a:tileRect l="0" t="0" r="0" b="0"/>
-        </a:gradFill>
-        <a:gradFill>
-          <a:gsLst>
-            <a:gs pos="0">
-              <a:schemeClr val="phClr">
-                <a:lumMod val="102000"/>
-                <a:tint val="94000"/>
-              </a:schemeClr>
-            </a:gs>
-            <a:gs pos="50000">
-              <a:schemeClr val="phClr">
-                <a:lumMod val="100000"/>
-                <a:shade val="100000"/>
-              </a:schemeClr>
-            </a:gs>
-            <a:gs pos="100000">
-              <a:schemeClr val="phClr">
-                <a:lumMod val="99000"/>
-                <a:shade val="78000"/>
-              </a:schemeClr>
-            </a:gs>
-          </a:gsLst>
-          <a:lin ang="5400000" scaled="0"/>
-          <a:tileRect l="0" t="0" r="0" b="0"/>
-        </a:gradFill>
+        <a:solidFill>
+          <a:schemeClr val="phClr"/>
+        </a:solidFill>
+        <a:solidFill>
+          <a:schemeClr val="phClr"/>
+        </a:solidFill>
       </a:fillStyleLst>
       <a:lnStyleLst>
         <a:ln w="6350" cap="flat" cmpd="sng" algn="ctr">
           <a:prstDash val="solid"/>
-          <a:miter lim="800000"/>
+          <a:miter/>
         </a:ln>
-        <a:ln w="12700" cap="flat" cmpd="sng" algn="ctr">
+        <a:ln w="6350" cap="flat" cmpd="sng" algn="ctr">
           <a:prstDash val="solid"/>
-          <a:miter lim="800000"/>
+          <a:miter/>
         </a:ln>
-        <a:ln w="19050" cap="flat" cmpd="sng" algn="ctr">
+        <a:ln w="6350" cap="flat" cmpd="sng" algn="ctr">
           <a:prstDash val="solid"/>
-          <a:miter lim="800000"/>
+          <a:miter/>
         </a:ln>
       </a:lnStyleLst>
       <a:effectStyleLst>
@@ -15164,35 +14796,11 @@
           <a:schemeClr val="phClr"/>
         </a:solidFill>
         <a:solidFill>
-          <a:schemeClr val="phClr">
-            <a:tint val="95000"/>
-          </a:schemeClr>
+          <a:schemeClr val="phClr"/>
         </a:solidFill>
-        <a:gradFill>
-          <a:gsLst>
-            <a:gs pos="0">
-              <a:schemeClr val="phClr">
-                <a:tint val="93000"/>
-                <a:shade val="98000"/>
-                <a:lumMod val="102000"/>
-              </a:schemeClr>
-            </a:gs>
-            <a:gs pos="50000">
-              <a:schemeClr val="phClr">
-                <a:tint val="98000"/>
-                <a:shade val="90000"/>
-                <a:lumMod val="103000"/>
-              </a:schemeClr>
-            </a:gs>
-            <a:gs pos="100000">
-              <a:schemeClr val="phClr">
-                <a:shade val="63000"/>
-              </a:schemeClr>
-            </a:gs>
-          </a:gsLst>
-          <a:lin ang="5400000" scaled="0"/>
-          <a:tileRect l="0" t="0" r="0" b="0"/>
-        </a:gradFill>
+        <a:solidFill>
+          <a:schemeClr val="phClr"/>
+        </a:solidFill>
       </a:bgFillStyleLst>
     </a:fmtScheme>
   </a:themeElements>
@@ -15240,16 +14848,16 @@
         <a:srgbClr val="954f72"/>
       </a:folHlink>
     </a:clrScheme>
-    <a:fontScheme name="Office Theme">
+    <a:fontScheme name="Office">
       <a:majorFont>
-        <a:latin typeface="Calibri Light" panose="020F0302020204030204" pitchFamily="0" charset="1"/>
-        <a:ea typeface=""/>
-        <a:cs typeface=""/>
+        <a:latin typeface="Arial" pitchFamily="0" charset="1"/>
+        <a:ea typeface="DejaVu Sans" pitchFamily="0" charset="1"/>
+        <a:cs typeface="DejaVu Sans" pitchFamily="0" charset="1"/>
       </a:majorFont>
       <a:minorFont>
-        <a:latin typeface="Calibri" panose="020F0502020204030204" pitchFamily="0" charset="1"/>
-        <a:ea typeface=""/>
-        <a:cs typeface=""/>
+        <a:latin typeface="Arial" pitchFamily="0" charset="1"/>
+        <a:ea typeface="DejaVu Sans" pitchFamily="0" charset="1"/>
+        <a:cs typeface="DejaVu Sans" pitchFamily="0" charset="1"/>
       </a:minorFont>
     </a:fontScheme>
     <a:fmtScheme>
@@ -15257,67 +14865,25 @@
         <a:solidFill>
           <a:schemeClr val="phClr"/>
         </a:solidFill>
-        <a:gradFill>
-          <a:gsLst>
-            <a:gs pos="0">
-              <a:schemeClr val="phClr">
-                <a:lumMod val="110000"/>
-                <a:tint val="67000"/>
-              </a:schemeClr>
-            </a:gs>
-            <a:gs pos="50000">
-              <a:schemeClr val="phClr">
-                <a:lumMod val="105000"/>
-                <a:tint val="73000"/>
-              </a:schemeClr>
-            </a:gs>
-            <a:gs pos="100000">
-              <a:schemeClr val="phClr">
-                <a:lumMod val="105000"/>
-                <a:tint val="81000"/>
-              </a:schemeClr>
-            </a:gs>
-          </a:gsLst>
-          <a:lin ang="5400000" scaled="0"/>
-          <a:tileRect l="0" t="0" r="0" b="0"/>
-        </a:gradFill>
-        <a:gradFill>
-          <a:gsLst>
-            <a:gs pos="0">
-              <a:schemeClr val="phClr">
-                <a:lumMod val="102000"/>
-                <a:tint val="94000"/>
-              </a:schemeClr>
-            </a:gs>
-            <a:gs pos="50000">
-              <a:schemeClr val="phClr">
-                <a:lumMod val="100000"/>
-                <a:shade val="100000"/>
-              </a:schemeClr>
-            </a:gs>
-            <a:gs pos="100000">
-              <a:schemeClr val="phClr">
-                <a:lumMod val="99000"/>
-                <a:shade val="78000"/>
-              </a:schemeClr>
-            </a:gs>
-          </a:gsLst>
-          <a:lin ang="5400000" scaled="0"/>
-          <a:tileRect l="0" t="0" r="0" b="0"/>
-        </a:gradFill>
+        <a:solidFill>
+          <a:schemeClr val="phClr"/>
+        </a:solidFill>
+        <a:solidFill>
+          <a:schemeClr val="phClr"/>
+        </a:solidFill>
       </a:fillStyleLst>
       <a:lnStyleLst>
         <a:ln w="6350" cap="flat" cmpd="sng" algn="ctr">
           <a:prstDash val="solid"/>
-          <a:miter lim="800000"/>
+          <a:miter/>
         </a:ln>
-        <a:ln w="12700" cap="flat" cmpd="sng" algn="ctr">
+        <a:ln w="6350" cap="flat" cmpd="sng" algn="ctr">
           <a:prstDash val="solid"/>
-          <a:miter lim="800000"/>
+          <a:miter/>
         </a:ln>
-        <a:ln w="19050" cap="flat" cmpd="sng" algn="ctr">
+        <a:ln w="6350" cap="flat" cmpd="sng" algn="ctr">
           <a:prstDash val="solid"/>
-          <a:miter lim="800000"/>
+          <a:miter/>
         </a:ln>
       </a:lnStyleLst>
       <a:effectStyleLst>
@@ -15336,35 +14902,11 @@
           <a:schemeClr val="phClr"/>
         </a:solidFill>
         <a:solidFill>
-          <a:schemeClr val="phClr">
-            <a:tint val="95000"/>
-          </a:schemeClr>
+          <a:schemeClr val="phClr"/>
         </a:solidFill>
-        <a:gradFill>
-          <a:gsLst>
-            <a:gs pos="0">
-              <a:schemeClr val="phClr">
-                <a:tint val="93000"/>
-                <a:shade val="98000"/>
-                <a:lumMod val="102000"/>
-              </a:schemeClr>
-            </a:gs>
-            <a:gs pos="50000">
-              <a:schemeClr val="phClr">
-                <a:tint val="98000"/>
-                <a:shade val="90000"/>
-                <a:lumMod val="103000"/>
-              </a:schemeClr>
-            </a:gs>
-            <a:gs pos="100000">
-              <a:schemeClr val="phClr">
-                <a:shade val="63000"/>
-              </a:schemeClr>
-            </a:gs>
-          </a:gsLst>
-          <a:lin ang="5400000" scaled="0"/>
-          <a:tileRect l="0" t="0" r="0" b="0"/>
-        </a:gradFill>
+        <a:solidFill>
+          <a:schemeClr val="phClr"/>
+        </a:solidFill>
       </a:bgFillStyleLst>
     </a:fmtScheme>
   </a:themeElements>
@@ -15412,16 +14954,16 @@
         <a:srgbClr val="954f72"/>
       </a:folHlink>
     </a:clrScheme>
-    <a:fontScheme name="Office Theme">
+    <a:fontScheme name="Office">
       <a:majorFont>
-        <a:latin typeface="Calibri Light" panose="020F0302020204030204" pitchFamily="0" charset="1"/>
-        <a:ea typeface=""/>
-        <a:cs typeface=""/>
+        <a:latin typeface="Arial" pitchFamily="0" charset="1"/>
+        <a:ea typeface="DejaVu Sans" pitchFamily="0" charset="1"/>
+        <a:cs typeface="DejaVu Sans" pitchFamily="0" charset="1"/>
       </a:majorFont>
       <a:minorFont>
-        <a:latin typeface="Calibri" panose="020F0502020204030204" pitchFamily="0" charset="1"/>
-        <a:ea typeface=""/>
-        <a:cs typeface=""/>
+        <a:latin typeface="Arial" pitchFamily="0" charset="1"/>
+        <a:ea typeface="DejaVu Sans" pitchFamily="0" charset="1"/>
+        <a:cs typeface="DejaVu Sans" pitchFamily="0" charset="1"/>
       </a:minorFont>
     </a:fontScheme>
     <a:fmtScheme>
@@ -15429,67 +14971,25 @@
         <a:solidFill>
           <a:schemeClr val="phClr"/>
         </a:solidFill>
-        <a:gradFill>
-          <a:gsLst>
-            <a:gs pos="0">
-              <a:schemeClr val="phClr">
-                <a:lumMod val="110000"/>
-                <a:tint val="67000"/>
-              </a:schemeClr>
-            </a:gs>
-            <a:gs pos="50000">
-              <a:schemeClr val="phClr">
-                <a:lumMod val="105000"/>
-                <a:tint val="73000"/>
-              </a:schemeClr>
-            </a:gs>
-            <a:gs pos="100000">
-              <a:schemeClr val="phClr">
-                <a:lumMod val="105000"/>
-                <a:tint val="81000"/>
-              </a:schemeClr>
-            </a:gs>
-          </a:gsLst>
-          <a:lin ang="5400000" scaled="0"/>
-          <a:tileRect l="0" t="0" r="0" b="0"/>
-        </a:gradFill>
-        <a:gradFill>
-          <a:gsLst>
-            <a:gs pos="0">
-              <a:schemeClr val="phClr">
-                <a:lumMod val="102000"/>
-                <a:tint val="94000"/>
-              </a:schemeClr>
-            </a:gs>
-            <a:gs pos="50000">
-              <a:schemeClr val="phClr">
-                <a:lumMod val="100000"/>
-                <a:shade val="100000"/>
-              </a:schemeClr>
-            </a:gs>
-            <a:gs pos="100000">
-              <a:schemeClr val="phClr">
-                <a:lumMod val="99000"/>
-                <a:shade val="78000"/>
-              </a:schemeClr>
-            </a:gs>
-          </a:gsLst>
-          <a:lin ang="5400000" scaled="0"/>
-          <a:tileRect l="0" t="0" r="0" b="0"/>
-        </a:gradFill>
+        <a:solidFill>
+          <a:schemeClr val="phClr"/>
+        </a:solidFill>
+        <a:solidFill>
+          <a:schemeClr val="phClr"/>
+        </a:solidFill>
       </a:fillStyleLst>
       <a:lnStyleLst>
         <a:ln w="6350" cap="flat" cmpd="sng" algn="ctr">
           <a:prstDash val="solid"/>
-          <a:miter lim="800000"/>
+          <a:miter/>
         </a:ln>
-        <a:ln w="12700" cap="flat" cmpd="sng" algn="ctr">
+        <a:ln w="6350" cap="flat" cmpd="sng" algn="ctr">
           <a:prstDash val="solid"/>
-          <a:miter lim="800000"/>
+          <a:miter/>
         </a:ln>
-        <a:ln w="19050" cap="flat" cmpd="sng" algn="ctr">
+        <a:ln w="6350" cap="flat" cmpd="sng" algn="ctr">
           <a:prstDash val="solid"/>
-          <a:miter lim="800000"/>
+          <a:miter/>
         </a:ln>
       </a:lnStyleLst>
       <a:effectStyleLst>
@@ -15508,35 +15008,11 @@
           <a:schemeClr val="phClr"/>
         </a:solidFill>
         <a:solidFill>
-          <a:schemeClr val="phClr">
-            <a:tint val="95000"/>
-          </a:schemeClr>
+          <a:schemeClr val="phClr"/>
         </a:solidFill>
-        <a:gradFill>
-          <a:gsLst>
-            <a:gs pos="0">
-              <a:schemeClr val="phClr">
-                <a:tint val="93000"/>
-                <a:shade val="98000"/>
-                <a:lumMod val="102000"/>
-              </a:schemeClr>
-            </a:gs>
-            <a:gs pos="50000">
-              <a:schemeClr val="phClr">
-                <a:tint val="98000"/>
-                <a:shade val="90000"/>
-                <a:lumMod val="103000"/>
-              </a:schemeClr>
-            </a:gs>
-            <a:gs pos="100000">
-              <a:schemeClr val="phClr">
-                <a:shade val="63000"/>
-              </a:schemeClr>
-            </a:gs>
-          </a:gsLst>
-          <a:lin ang="5400000" scaled="0"/>
-          <a:tileRect l="0" t="0" r="0" b="0"/>
-        </a:gradFill>
+        <a:solidFill>
+          <a:schemeClr val="phClr"/>
+        </a:solidFill>
       </a:bgFillStyleLst>
     </a:fmtScheme>
   </a:themeElements>
@@ -15584,16 +15060,16 @@
         <a:srgbClr val="954f72"/>
       </a:folHlink>
     </a:clrScheme>
-    <a:fontScheme name="Office Theme">
+    <a:fontScheme name="Office">
       <a:majorFont>
-        <a:latin typeface="Calibri Light" panose="020F0302020204030204" pitchFamily="0" charset="1"/>
-        <a:ea typeface=""/>
-        <a:cs typeface=""/>
+        <a:latin typeface="Arial" pitchFamily="0" charset="1"/>
+        <a:ea typeface="DejaVu Sans" pitchFamily="0" charset="1"/>
+        <a:cs typeface="DejaVu Sans" pitchFamily="0" charset="1"/>
       </a:majorFont>
       <a:minorFont>
-        <a:latin typeface="Calibri" panose="020F0502020204030204" pitchFamily="0" charset="1"/>
-        <a:ea typeface=""/>
-        <a:cs typeface=""/>
+        <a:latin typeface="Arial" pitchFamily="0" charset="1"/>
+        <a:ea typeface="DejaVu Sans" pitchFamily="0" charset="1"/>
+        <a:cs typeface="DejaVu Sans" pitchFamily="0" charset="1"/>
       </a:minorFont>
     </a:fontScheme>
     <a:fmtScheme>
@@ -15601,67 +15077,25 @@
         <a:solidFill>
           <a:schemeClr val="phClr"/>
         </a:solidFill>
-        <a:gradFill>
-          <a:gsLst>
-            <a:gs pos="0">
-              <a:schemeClr val="phClr">
-                <a:lumMod val="110000"/>
-                <a:tint val="67000"/>
-              </a:schemeClr>
-            </a:gs>
-            <a:gs pos="50000">
-              <a:schemeClr val="phClr">
-                <a:lumMod val="105000"/>
-                <a:tint val="73000"/>
-              </a:schemeClr>
-            </a:gs>
-            <a:gs pos="100000">
-              <a:schemeClr val="phClr">
-                <a:lumMod val="105000"/>
-                <a:tint val="81000"/>
-              </a:schemeClr>
-            </a:gs>
-          </a:gsLst>
-          <a:lin ang="5400000" scaled="0"/>
-          <a:tileRect l="0" t="0" r="0" b="0"/>
-        </a:gradFill>
-        <a:gradFill>
-          <a:gsLst>
-            <a:gs pos="0">
-              <a:schemeClr val="phClr">
-                <a:lumMod val="102000"/>
-                <a:tint val="94000"/>
-              </a:schemeClr>
-            </a:gs>
-            <a:gs pos="50000">
-              <a:schemeClr val="phClr">
-                <a:lumMod val="100000"/>
-                <a:shade val="100000"/>
-              </a:schemeClr>
-            </a:gs>
-            <a:gs pos="100000">
-              <a:schemeClr val="phClr">
-                <a:lumMod val="99000"/>
-                <a:shade val="78000"/>
-              </a:schemeClr>
-            </a:gs>
-          </a:gsLst>
-          <a:lin ang="5400000" scaled="0"/>
-          <a:tileRect l="0" t="0" r="0" b="0"/>
-        </a:gradFill>
+        <a:solidFill>
+          <a:schemeClr val="phClr"/>
+        </a:solidFill>
+        <a:solidFill>
+          <a:schemeClr val="phClr"/>
+        </a:solidFill>
       </a:fillStyleLst>
       <a:lnStyleLst>
         <a:ln w="6350" cap="flat" cmpd="sng" algn="ctr">
           <a:prstDash val="solid"/>
-          <a:miter lim="800000"/>
+          <a:miter/>
         </a:ln>
-        <a:ln w="12700" cap="flat" cmpd="sng" algn="ctr">
+        <a:ln w="6350" cap="flat" cmpd="sng" algn="ctr">
           <a:prstDash val="solid"/>
-          <a:miter lim="800000"/>
+          <a:miter/>
         </a:ln>
-        <a:ln w="19050" cap="flat" cmpd="sng" algn="ctr">
+        <a:ln w="6350" cap="flat" cmpd="sng" algn="ctr">
           <a:prstDash val="solid"/>
-          <a:miter lim="800000"/>
+          <a:miter/>
         </a:ln>
       </a:lnStyleLst>
       <a:effectStyleLst>
@@ -15680,35 +15114,11 @@
           <a:schemeClr val="phClr"/>
         </a:solidFill>
         <a:solidFill>
-          <a:schemeClr val="phClr">
-            <a:tint val="95000"/>
-          </a:schemeClr>
+          <a:schemeClr val="phClr"/>
         </a:solidFill>
-        <a:gradFill>
-          <a:gsLst>
-            <a:gs pos="0">
-              <a:schemeClr val="phClr">
-                <a:tint val="93000"/>
-                <a:shade val="98000"/>
-                <a:lumMod val="102000"/>
-              </a:schemeClr>
-            </a:gs>
-            <a:gs pos="50000">
-              <a:schemeClr val="phClr">
-                <a:tint val="98000"/>
-                <a:shade val="90000"/>
-                <a:lumMod val="103000"/>
-              </a:schemeClr>
-            </a:gs>
-            <a:gs pos="100000">
-              <a:schemeClr val="phClr">
-                <a:shade val="63000"/>
-              </a:schemeClr>
-            </a:gs>
-          </a:gsLst>
-          <a:lin ang="5400000" scaled="0"/>
-          <a:tileRect l="0" t="0" r="0" b="0"/>
-        </a:gradFill>
+        <a:solidFill>
+          <a:schemeClr val="phClr"/>
+        </a:solidFill>
       </a:bgFillStyleLst>
     </a:fmtScheme>
   </a:themeElements>
@@ -15756,16 +15166,16 @@
         <a:srgbClr val="954f72"/>
       </a:folHlink>
     </a:clrScheme>
-    <a:fontScheme name="Office Theme">
+    <a:fontScheme name="Office">
       <a:majorFont>
-        <a:latin typeface="Calibri Light" panose="020F0302020204030204" pitchFamily="0" charset="1"/>
-        <a:ea typeface=""/>
-        <a:cs typeface=""/>
+        <a:latin typeface="Arial" pitchFamily="0" charset="1"/>
+        <a:ea typeface="DejaVu Sans" pitchFamily="0" charset="1"/>
+        <a:cs typeface="DejaVu Sans" pitchFamily="0" charset="1"/>
       </a:majorFont>
       <a:minorFont>
-        <a:latin typeface="Calibri" panose="020F0502020204030204" pitchFamily="0" charset="1"/>
-        <a:ea typeface=""/>
-        <a:cs typeface=""/>
+        <a:latin typeface="Arial" pitchFamily="0" charset="1"/>
+        <a:ea typeface="DejaVu Sans" pitchFamily="0" charset="1"/>
+        <a:cs typeface="DejaVu Sans" pitchFamily="0" charset="1"/>
       </a:minorFont>
     </a:fontScheme>
     <a:fmtScheme>
@@ -15773,67 +15183,25 @@
         <a:solidFill>
           <a:schemeClr val="phClr"/>
         </a:solidFill>
-        <a:gradFill>
-          <a:gsLst>
-            <a:gs pos="0">
-              <a:schemeClr val="phClr">
-                <a:lumMod val="110000"/>
-                <a:tint val="67000"/>
-              </a:schemeClr>
-            </a:gs>
-            <a:gs pos="50000">
-              <a:schemeClr val="phClr">
-                <a:lumMod val="105000"/>
-                <a:tint val="73000"/>
-              </a:schemeClr>
-            </a:gs>
-            <a:gs pos="100000">
-              <a:schemeClr val="phClr">
-                <a:lumMod val="105000"/>
-                <a:tint val="81000"/>
-              </a:schemeClr>
-            </a:gs>
-          </a:gsLst>
-          <a:lin ang="5400000" scaled="0"/>
-          <a:tileRect l="0" t="0" r="0" b="0"/>
-        </a:gradFill>
-        <a:gradFill>
-          <a:gsLst>
-            <a:gs pos="0">
-              <a:schemeClr val="phClr">
-                <a:lumMod val="102000"/>
-                <a:tint val="94000"/>
-              </a:schemeClr>
-            </a:gs>
-            <a:gs pos="50000">
-              <a:schemeClr val="phClr">
-                <a:lumMod val="100000"/>
-                <a:shade val="100000"/>
-              </a:schemeClr>
-            </a:gs>
-            <a:gs pos="100000">
-              <a:schemeClr val="phClr">
-                <a:lumMod val="99000"/>
-                <a:shade val="78000"/>
-              </a:schemeClr>
-            </a:gs>
-          </a:gsLst>
-          <a:lin ang="5400000" scaled="0"/>
-          <a:tileRect l="0" t="0" r="0" b="0"/>
-        </a:gradFill>
+        <a:solidFill>
+          <a:schemeClr val="phClr"/>
+        </a:solidFill>
+        <a:solidFill>
+          <a:schemeClr val="phClr"/>
+        </a:solidFill>
       </a:fillStyleLst>
       <a:lnStyleLst>
         <a:ln w="6350" cap="flat" cmpd="sng" algn="ctr">
           <a:prstDash val="solid"/>
-          <a:miter lim="800000"/>
+          <a:miter/>
         </a:ln>
-        <a:ln w="12700" cap="flat" cmpd="sng" algn="ctr">
+        <a:ln w="6350" cap="flat" cmpd="sng" algn="ctr">
           <a:prstDash val="solid"/>
-          <a:miter lim="800000"/>
+          <a:miter/>
         </a:ln>
-        <a:ln w="19050" cap="flat" cmpd="sng" algn="ctr">
+        <a:ln w="6350" cap="flat" cmpd="sng" algn="ctr">
           <a:prstDash val="solid"/>
-          <a:miter lim="800000"/>
+          <a:miter/>
         </a:ln>
       </a:lnStyleLst>
       <a:effectStyleLst>
@@ -15852,35 +15220,11 @@
           <a:schemeClr val="phClr"/>
         </a:solidFill>
         <a:solidFill>
-          <a:schemeClr val="phClr">
-            <a:tint val="95000"/>
-          </a:schemeClr>
+          <a:schemeClr val="phClr"/>
         </a:solidFill>
-        <a:gradFill>
-          <a:gsLst>
-            <a:gs pos="0">
-              <a:schemeClr val="phClr">
-                <a:tint val="93000"/>
-                <a:shade val="98000"/>
-                <a:lumMod val="102000"/>
-              </a:schemeClr>
-            </a:gs>
-            <a:gs pos="50000">
-              <a:schemeClr val="phClr">
-                <a:tint val="98000"/>
-                <a:shade val="90000"/>
-                <a:lumMod val="103000"/>
-              </a:schemeClr>
-            </a:gs>
-            <a:gs pos="100000">
-              <a:schemeClr val="phClr">
-                <a:shade val="63000"/>
-              </a:schemeClr>
-            </a:gs>
-          </a:gsLst>
-          <a:lin ang="5400000" scaled="0"/>
-          <a:tileRect l="0" t="0" r="0" b="0"/>
-        </a:gradFill>
+        <a:solidFill>
+          <a:schemeClr val="phClr"/>
+        </a:solidFill>
       </a:bgFillStyleLst>
     </a:fmtScheme>
   </a:themeElements>
@@ -15928,16 +15272,16 @@
         <a:srgbClr val="954f72"/>
       </a:folHlink>
     </a:clrScheme>
-    <a:fontScheme name="Office Theme">
+    <a:fontScheme name="Office">
       <a:majorFont>
-        <a:latin typeface="Calibri Light" panose="020F0302020204030204" pitchFamily="0" charset="1"/>
-        <a:ea typeface=""/>
-        <a:cs typeface=""/>
+        <a:latin typeface="Arial" pitchFamily="0" charset="1"/>
+        <a:ea typeface="DejaVu Sans" pitchFamily="0" charset="1"/>
+        <a:cs typeface="DejaVu Sans" pitchFamily="0" charset="1"/>
       </a:majorFont>
       <a:minorFont>
-        <a:latin typeface="Calibri" panose="020F0502020204030204" pitchFamily="0" charset="1"/>
-        <a:ea typeface=""/>
-        <a:cs typeface=""/>
+        <a:latin typeface="Arial" pitchFamily="0" charset="1"/>
+        <a:ea typeface="DejaVu Sans" pitchFamily="0" charset="1"/>
+        <a:cs typeface="DejaVu Sans" pitchFamily="0" charset="1"/>
       </a:minorFont>
     </a:fontScheme>
     <a:fmtScheme>
@@ -15945,67 +15289,25 @@
         <a:solidFill>
           <a:schemeClr val="phClr"/>
         </a:solidFill>
-        <a:gradFill>
-          <a:gsLst>
-            <a:gs pos="0">
-              <a:schemeClr val="phClr">
-                <a:lumMod val="110000"/>
-                <a:tint val="67000"/>
-              </a:schemeClr>
-            </a:gs>
-            <a:gs pos="50000">
-              <a:schemeClr val="phClr">
-                <a:lumMod val="105000"/>
-                <a:tint val="73000"/>
-              </a:schemeClr>
-            </a:gs>
-            <a:gs pos="100000">
-              <a:schemeClr val="phClr">
-                <a:lumMod val="105000"/>
-                <a:tint val="81000"/>
-              </a:schemeClr>
-            </a:gs>
-          </a:gsLst>
-          <a:lin ang="5400000" scaled="0"/>
-          <a:tileRect l="0" t="0" r="0" b="0"/>
-        </a:gradFill>
-        <a:gradFill>
-          <a:gsLst>
-            <a:gs pos="0">
-              <a:schemeClr val="phClr">
-                <a:lumMod val="102000"/>
-                <a:tint val="94000"/>
-              </a:schemeClr>
-            </a:gs>
-            <a:gs pos="50000">
-              <a:schemeClr val="phClr">
-                <a:lumMod val="100000"/>
-                <a:shade val="100000"/>
-              </a:schemeClr>
-            </a:gs>
-            <a:gs pos="100000">
-              <a:schemeClr val="phClr">
-                <a:lumMod val="99000"/>
-                <a:shade val="78000"/>
-              </a:schemeClr>
-            </a:gs>
-          </a:gsLst>
-          <a:lin ang="5400000" scaled="0"/>
-          <a:tileRect l="0" t="0" r="0" b="0"/>
-        </a:gradFill>
+        <a:solidFill>
+          <a:schemeClr val="phClr"/>
+        </a:solidFill>
+        <a:solidFill>
+          <a:schemeClr val="phClr"/>
+        </a:solidFill>
       </a:fillStyleLst>
       <a:lnStyleLst>
         <a:ln w="6350" cap="flat" cmpd="sng" algn="ctr">
           <a:prstDash val="solid"/>
-          <a:miter lim="800000"/>
+          <a:miter/>
         </a:ln>
-        <a:ln w="12700" cap="flat" cmpd="sng" algn="ctr">
+        <a:ln w="6350" cap="flat" cmpd="sng" algn="ctr">
           <a:prstDash val="solid"/>
-          <a:miter lim="800000"/>
+          <a:miter/>
         </a:ln>
-        <a:ln w="19050" cap="flat" cmpd="sng" algn="ctr">
+        <a:ln w="6350" cap="flat" cmpd="sng" algn="ctr">
           <a:prstDash val="solid"/>
-          <a:miter lim="800000"/>
+          <a:miter/>
         </a:ln>
       </a:lnStyleLst>
       <a:effectStyleLst>
@@ -16024,35 +15326,11 @@
           <a:schemeClr val="phClr"/>
         </a:solidFill>
         <a:solidFill>
-          <a:schemeClr val="phClr">
-            <a:tint val="95000"/>
-          </a:schemeClr>
+          <a:schemeClr val="phClr"/>
         </a:solidFill>
-        <a:gradFill>
-          <a:gsLst>
-            <a:gs pos="0">
-              <a:schemeClr val="phClr">
-                <a:tint val="93000"/>
-                <a:shade val="98000"/>
-                <a:lumMod val="102000"/>
-              </a:schemeClr>
-            </a:gs>
-            <a:gs pos="50000">
-              <a:schemeClr val="phClr">
-                <a:tint val="98000"/>
-                <a:shade val="90000"/>
-                <a:lumMod val="103000"/>
-              </a:schemeClr>
-            </a:gs>
-            <a:gs pos="100000">
-              <a:schemeClr val="phClr">
-                <a:shade val="63000"/>
-              </a:schemeClr>
-            </a:gs>
-          </a:gsLst>
-          <a:lin ang="5400000" scaled="0"/>
-          <a:tileRect l="0" t="0" r="0" b="0"/>
-        </a:gradFill>
+        <a:solidFill>
+          <a:schemeClr val="phClr"/>
+        </a:solidFill>
       </a:bgFillStyleLst>
     </a:fmtScheme>
   </a:themeElements>
